--- a/Java Training - Sessions.pptx
+++ b/Java Training - Sessions.pptx
@@ -57,8 +57,39 @@
     <p:sldId id="308" r:id="rId51"/>
     <p:sldId id="306" r:id="rId52"/>
     <p:sldId id="307" r:id="rId53"/>
-    <p:sldId id="305" r:id="rId54"/>
-    <p:sldId id="309" r:id="rId55"/>
+    <p:sldId id="310" r:id="rId54"/>
+    <p:sldId id="305" r:id="rId55"/>
+    <p:sldId id="309" r:id="rId56"/>
+    <p:sldId id="315" r:id="rId57"/>
+    <p:sldId id="311" r:id="rId58"/>
+    <p:sldId id="312" r:id="rId59"/>
+    <p:sldId id="313" r:id="rId60"/>
+    <p:sldId id="314" r:id="rId61"/>
+    <p:sldId id="316" r:id="rId62"/>
+    <p:sldId id="317" r:id="rId63"/>
+    <p:sldId id="318" r:id="rId64"/>
+    <p:sldId id="319" r:id="rId65"/>
+    <p:sldId id="320" r:id="rId66"/>
+    <p:sldId id="322" r:id="rId67"/>
+    <p:sldId id="323" r:id="rId68"/>
+    <p:sldId id="324" r:id="rId69"/>
+    <p:sldId id="325" r:id="rId70"/>
+    <p:sldId id="326" r:id="rId71"/>
+    <p:sldId id="327" r:id="rId72"/>
+    <p:sldId id="334" r:id="rId73"/>
+    <p:sldId id="321" r:id="rId74"/>
+    <p:sldId id="329" r:id="rId75"/>
+    <p:sldId id="330" r:id="rId76"/>
+    <p:sldId id="331" r:id="rId77"/>
+    <p:sldId id="332" r:id="rId78"/>
+    <p:sldId id="338" r:id="rId79"/>
+    <p:sldId id="328" r:id="rId80"/>
+    <p:sldId id="333" r:id="rId81"/>
+    <p:sldId id="335" r:id="rId82"/>
+    <p:sldId id="336" r:id="rId83"/>
+    <p:sldId id="337" r:id="rId84"/>
+    <p:sldId id="339" r:id="rId85"/>
+    <p:sldId id="340" r:id="rId86"/>
   </p:sldIdLst>
   <p:sldSz cx="12192000" cy="6858000"/>
   <p:notesSz cx="6858000" cy="9144000"/>
@@ -214,8 +245,39 @@
             <p14:sldId id="308"/>
             <p14:sldId id="306"/>
             <p14:sldId id="307"/>
+            <p14:sldId id="310"/>
             <p14:sldId id="305"/>
             <p14:sldId id="309"/>
+            <p14:sldId id="315"/>
+            <p14:sldId id="311"/>
+            <p14:sldId id="312"/>
+            <p14:sldId id="313"/>
+            <p14:sldId id="314"/>
+            <p14:sldId id="316"/>
+            <p14:sldId id="317"/>
+            <p14:sldId id="318"/>
+            <p14:sldId id="319"/>
+            <p14:sldId id="320"/>
+            <p14:sldId id="322"/>
+            <p14:sldId id="323"/>
+            <p14:sldId id="324"/>
+            <p14:sldId id="325"/>
+            <p14:sldId id="326"/>
+            <p14:sldId id="327"/>
+            <p14:sldId id="334"/>
+            <p14:sldId id="321"/>
+            <p14:sldId id="329"/>
+            <p14:sldId id="330"/>
+            <p14:sldId id="331"/>
+            <p14:sldId id="332"/>
+            <p14:sldId id="338"/>
+            <p14:sldId id="328"/>
+            <p14:sldId id="333"/>
+            <p14:sldId id="335"/>
+            <p14:sldId id="336"/>
+            <p14:sldId id="337"/>
+            <p14:sldId id="339"/>
+            <p14:sldId id="340"/>
           </p14:sldIdLst>
         </p14:section>
       </p14:sectionLst>
@@ -413,7 +475,7 @@
           <a:p>
             <a:fld id="{CB54B2AA-6B73-4FDC-9E75-38898578AC12}" type="datetimeFigureOut">
               <a:rPr lang="en-US" smtClean="0"/>
-              <a:t>3/13/2019</a:t>
+              <a:t>4/1/2019</a:t>
             </a:fld>
             <a:endParaRPr lang="en-US"/>
           </a:p>
@@ -688,7 +750,7 @@
           <a:p>
             <a:fld id="{CB54B2AA-6B73-4FDC-9E75-38898578AC12}" type="datetimeFigureOut">
               <a:rPr lang="en-US" smtClean="0"/>
-              <a:t>3/13/2019</a:t>
+              <a:t>4/1/2019</a:t>
             </a:fld>
             <a:endParaRPr lang="en-US"/>
           </a:p>
@@ -882,7 +944,7 @@
           <a:p>
             <a:fld id="{CB54B2AA-6B73-4FDC-9E75-38898578AC12}" type="datetimeFigureOut">
               <a:rPr lang="en-US" smtClean="0"/>
-              <a:t>3/13/2019</a:t>
+              <a:t>4/1/2019</a:t>
             </a:fld>
             <a:endParaRPr lang="en-US"/>
           </a:p>
@@ -1155,7 +1217,7 @@
           <a:p>
             <a:fld id="{CB54B2AA-6B73-4FDC-9E75-38898578AC12}" type="datetimeFigureOut">
               <a:rPr lang="en-US" smtClean="0"/>
-              <a:t>3/13/2019</a:t>
+              <a:t>4/1/2019</a:t>
             </a:fld>
             <a:endParaRPr lang="en-US"/>
           </a:p>
@@ -1496,7 +1558,7 @@
           <a:p>
             <a:fld id="{CB54B2AA-6B73-4FDC-9E75-38898578AC12}" type="datetimeFigureOut">
               <a:rPr lang="en-US" smtClean="0"/>
-              <a:t>3/13/2019</a:t>
+              <a:t>4/1/2019</a:t>
             </a:fld>
             <a:endParaRPr lang="en-US"/>
           </a:p>
@@ -2119,7 +2181,7 @@
           <a:p>
             <a:fld id="{CB54B2AA-6B73-4FDC-9E75-38898578AC12}" type="datetimeFigureOut">
               <a:rPr lang="en-US" smtClean="0"/>
-              <a:t>3/13/2019</a:t>
+              <a:t>4/1/2019</a:t>
             </a:fld>
             <a:endParaRPr lang="en-US"/>
           </a:p>
@@ -2979,7 +3041,7 @@
           <a:p>
             <a:fld id="{CB54B2AA-6B73-4FDC-9E75-38898578AC12}" type="datetimeFigureOut">
               <a:rPr lang="en-US" smtClean="0"/>
-              <a:t>3/13/2019</a:t>
+              <a:t>4/1/2019</a:t>
             </a:fld>
             <a:endParaRPr lang="en-US"/>
           </a:p>
@@ -3149,7 +3211,7 @@
           <a:p>
             <a:fld id="{CB54B2AA-6B73-4FDC-9E75-38898578AC12}" type="datetimeFigureOut">
               <a:rPr lang="en-US" smtClean="0"/>
-              <a:t>3/13/2019</a:t>
+              <a:t>4/1/2019</a:t>
             </a:fld>
             <a:endParaRPr lang="en-US"/>
           </a:p>
@@ -3329,7 +3391,7 @@
           <a:p>
             <a:fld id="{CB54B2AA-6B73-4FDC-9E75-38898578AC12}" type="datetimeFigureOut">
               <a:rPr lang="en-US" smtClean="0"/>
-              <a:t>3/13/2019</a:t>
+              <a:t>4/1/2019</a:t>
             </a:fld>
             <a:endParaRPr lang="en-US"/>
           </a:p>
@@ -3499,7 +3561,7 @@
           <a:p>
             <a:fld id="{CB54B2AA-6B73-4FDC-9E75-38898578AC12}" type="datetimeFigureOut">
               <a:rPr lang="en-US" smtClean="0"/>
-              <a:t>3/13/2019</a:t>
+              <a:t>4/1/2019</a:t>
             </a:fld>
             <a:endParaRPr lang="en-US"/>
           </a:p>
@@ -3746,7 +3808,7 @@
           <a:p>
             <a:fld id="{CB54B2AA-6B73-4FDC-9E75-38898578AC12}" type="datetimeFigureOut">
               <a:rPr lang="en-US" smtClean="0"/>
-              <a:t>3/13/2019</a:t>
+              <a:t>4/1/2019</a:t>
             </a:fld>
             <a:endParaRPr lang="en-US"/>
           </a:p>
@@ -4038,7 +4100,7 @@
           <a:p>
             <a:fld id="{CB54B2AA-6B73-4FDC-9E75-38898578AC12}" type="datetimeFigureOut">
               <a:rPr lang="en-US" smtClean="0"/>
-              <a:t>3/13/2019</a:t>
+              <a:t>4/1/2019</a:t>
             </a:fld>
             <a:endParaRPr lang="en-US"/>
           </a:p>
@@ -4482,7 +4544,7 @@
           <a:p>
             <a:fld id="{CB54B2AA-6B73-4FDC-9E75-38898578AC12}" type="datetimeFigureOut">
               <a:rPr lang="en-US" smtClean="0"/>
-              <a:t>3/13/2019</a:t>
+              <a:t>4/1/2019</a:t>
             </a:fld>
             <a:endParaRPr lang="en-US"/>
           </a:p>
@@ -4600,7 +4662,7 @@
           <a:p>
             <a:fld id="{CB54B2AA-6B73-4FDC-9E75-38898578AC12}" type="datetimeFigureOut">
               <a:rPr lang="en-US" smtClean="0"/>
-              <a:t>3/13/2019</a:t>
+              <a:t>4/1/2019</a:t>
             </a:fld>
             <a:endParaRPr lang="en-US"/>
           </a:p>
@@ -4695,7 +4757,7 @@
           <a:p>
             <a:fld id="{CB54B2AA-6B73-4FDC-9E75-38898578AC12}" type="datetimeFigureOut">
               <a:rPr lang="en-US" smtClean="0"/>
-              <a:t>3/13/2019</a:t>
+              <a:t>4/1/2019</a:t>
             </a:fld>
             <a:endParaRPr lang="en-US"/>
           </a:p>
@@ -4974,7 +5036,7 @@
           <a:p>
             <a:fld id="{CB54B2AA-6B73-4FDC-9E75-38898578AC12}" type="datetimeFigureOut">
               <a:rPr lang="en-US" smtClean="0"/>
-              <a:t>3/13/2019</a:t>
+              <a:t>4/1/2019</a:t>
             </a:fld>
             <a:endParaRPr lang="en-US"/>
           </a:p>
@@ -5249,7 +5311,7 @@
           <a:p>
             <a:fld id="{CB54B2AA-6B73-4FDC-9E75-38898578AC12}" type="datetimeFigureOut">
               <a:rPr lang="en-US" smtClean="0"/>
-              <a:t>3/13/2019</a:t>
+              <a:t>4/1/2019</a:t>
             </a:fld>
             <a:endParaRPr lang="en-US"/>
           </a:p>
@@ -5678,7 +5740,7 @@
           <a:p>
             <a:fld id="{CB54B2AA-6B73-4FDC-9E75-38898578AC12}" type="datetimeFigureOut">
               <a:rPr lang="en-US" smtClean="0"/>
-              <a:t>3/13/2019</a:t>
+              <a:t>4/1/2019</a:t>
             </a:fld>
             <a:endParaRPr lang="en-US"/>
           </a:p>
@@ -12942,11 +13004,7 @@
             </a:pPr>
             <a:r>
               <a:rPr lang="en-US" dirty="0" smtClean="0"/>
-              <a:t>Type cast </a:t>
-            </a:r>
-            <a:r>
-              <a:rPr lang="en-US" dirty="0" smtClean="0"/>
-              <a:t>operator</a:t>
+              <a:t>Type cast operator</a:t>
             </a:r>
           </a:p>
           <a:p>
@@ -12966,7 +13024,6 @@
               <a:rPr lang="en-US" dirty="0" smtClean="0"/>
               <a:t>[] Operator</a:t>
             </a:r>
-            <a:endParaRPr lang="en-US" dirty="0" smtClean="0"/>
           </a:p>
           <a:p>
             <a:pPr marL="457200" indent="-457200">
@@ -13758,13 +13815,8 @@
           <a:p>
             <a:r>
               <a:rPr lang="en-US" dirty="0" smtClean="0"/>
-              <a:t>We can use this new operator to create the </a:t>
-            </a:r>
-            <a:r>
-              <a:rPr lang="en-US" dirty="0" smtClean="0"/>
-              <a:t>class object</a:t>
-            </a:r>
-            <a:endParaRPr lang="en-US" dirty="0" smtClean="0"/>
+              <a:t>We can use this new operator to create the class object</a:t>
+            </a:r>
           </a:p>
           <a:p>
             <a:pPr marL="0" indent="0">
@@ -15035,8 +15087,8 @@
         </p:nvSpPr>
         <p:spPr>
           <a:xfrm>
-            <a:off x="206063" y="452718"/>
-            <a:ext cx="9844772" cy="706381"/>
+            <a:off x="334851" y="143625"/>
+            <a:ext cx="9059161" cy="654865"/>
           </a:xfrm>
         </p:spPr>
         <p:txBody>
@@ -15045,7 +15097,7 @@
           <a:p>
             <a:r>
               <a:rPr lang="en-US" dirty="0" smtClean="0"/>
-              <a:t>Switch block</a:t>
+              <a:t>Session 7</a:t>
             </a:r>
             <a:endParaRPr lang="en-US" dirty="0"/>
           </a:p>
@@ -15063,113 +15115,37 @@
         </p:nvSpPr>
         <p:spPr>
           <a:xfrm>
-            <a:off x="309093" y="1365161"/>
-            <a:ext cx="11526591" cy="5318973"/>
+            <a:off x="334851" y="1107583"/>
+            <a:ext cx="11655379" cy="5576551"/>
           </a:xfrm>
         </p:spPr>
         <p:txBody>
-          <a:bodyPr>
-            <a:normAutofit lnSpcReduction="10000"/>
-          </a:bodyPr>
+          <a:bodyPr/>
           <a:lstStyle/>
           <a:p>
-            <a:r>
-              <a:rPr lang="en-US" i="1" dirty="0" smtClean="0"/>
-              <a:t>If several options are available then it is recommended to use switch instead of nested if else</a:t>
-            </a:r>
-          </a:p>
-          <a:p>
-            <a:pPr marL="0" indent="0">
-              <a:buNone/>
-            </a:pPr>
-            <a:r>
-              <a:rPr lang="en-US" i="1" dirty="0" smtClean="0"/>
-              <a:t>Important Points:</a:t>
-            </a:r>
-          </a:p>
-          <a:p>
-            <a:r>
-              <a:rPr lang="en-US" i="1" dirty="0" smtClean="0"/>
-              <a:t>The allowed argument types for switch statements are:</a:t>
-            </a:r>
-          </a:p>
-          <a:p>
-            <a:pPr marL="0" indent="0">
-              <a:buNone/>
-            </a:pPr>
-            <a:r>
-              <a:rPr lang="en-US" i="1" dirty="0" smtClean="0"/>
-              <a:t> byte, short, char, </a:t>
-            </a:r>
-            <a:r>
-              <a:rPr lang="en-US" i="1" dirty="0" err="1" smtClean="0"/>
-              <a:t>int</a:t>
-            </a:r>
-            <a:r>
-              <a:rPr lang="en-US" i="1" dirty="0" smtClean="0"/>
-              <a:t>, </a:t>
-            </a:r>
-          </a:p>
-          <a:p>
-            <a:pPr marL="0" indent="0">
-              <a:buNone/>
-            </a:pPr>
-            <a:r>
-              <a:rPr lang="en-US" i="1" dirty="0" smtClean="0"/>
-              <a:t>Byte, Short, Character, Integer, </a:t>
-            </a:r>
-            <a:r>
-              <a:rPr lang="en-US" i="1" dirty="0" err="1" smtClean="0"/>
-              <a:t>enum</a:t>
-            </a:r>
-            <a:r>
-              <a:rPr lang="en-US" i="1" dirty="0" smtClean="0"/>
-              <a:t>, String</a:t>
-            </a:r>
-          </a:p>
-          <a:p>
-            <a:r>
-              <a:rPr lang="en-US" i="1" dirty="0" smtClean="0"/>
-              <a:t>Curly braces are mandatory</a:t>
-            </a:r>
-          </a:p>
-          <a:p>
-            <a:r>
-              <a:rPr lang="en-US" i="1" dirty="0" smtClean="0"/>
-              <a:t>Both case and default are optional</a:t>
-            </a:r>
-          </a:p>
-          <a:p>
-            <a:r>
-              <a:rPr lang="en-US" i="1" dirty="0" smtClean="0"/>
-              <a:t>Inside switch every statement should be under some case or default</a:t>
-            </a:r>
-          </a:p>
-          <a:p>
-            <a:r>
-              <a:rPr lang="en-US" i="1" dirty="0" smtClean="0"/>
-              <a:t>Every case label should be compile constant</a:t>
-            </a:r>
-          </a:p>
-          <a:p>
-            <a:r>
-              <a:rPr lang="en-US" i="1" dirty="0" smtClean="0"/>
-              <a:t>Both switch argument and case label can be expressions but case label should be constant expression</a:t>
-            </a:r>
-          </a:p>
-          <a:p>
-            <a:r>
-              <a:rPr lang="en-US" i="1" dirty="0" smtClean="0"/>
-              <a:t>Every case label should in the range off switch argument type otherwise we will get compile time error</a:t>
-            </a:r>
-            <a:endParaRPr lang="en-US" i="1" dirty="0"/>
+            <a:pPr marL="0" indent="0">
+              <a:buNone/>
+            </a:pPr>
+            <a:r>
+              <a:rPr lang="en-US" b="1" dirty="0" smtClean="0"/>
+              <a:t>Topics:</a:t>
+            </a:r>
+          </a:p>
+          <a:p>
+            <a:pPr marL="457200" indent="-457200">
+              <a:buAutoNum type="arabicPeriod"/>
+            </a:pPr>
+            <a:r>
+              <a:rPr lang="en-US" dirty="0" smtClean="0"/>
+              <a:t>Switch</a:t>
+            </a:r>
           </a:p>
         </p:txBody>
       </p:sp>
     </p:spTree>
     <p:extLst>
       <p:ext uri="{BB962C8B-B14F-4D97-AF65-F5344CB8AC3E}">
-        <p14:creationId xmlns:p14="http://schemas.microsoft.com/office/powerpoint/2010/main" val="3150067878"/>
+        <p14:creationId xmlns:p14="http://schemas.microsoft.com/office/powerpoint/2010/main" val="2119129655"/>
       </p:ext>
     </p:extLst>
   </p:cSld>
@@ -15208,6 +15184,179 @@
         </p:nvSpPr>
         <p:spPr>
           <a:xfrm>
+            <a:off x="206063" y="452718"/>
+            <a:ext cx="9844772" cy="706381"/>
+          </a:xfrm>
+        </p:spPr>
+        <p:txBody>
+          <a:bodyPr/>
+          <a:lstStyle/>
+          <a:p>
+            <a:r>
+              <a:rPr lang="en-US" dirty="0" smtClean="0"/>
+              <a:t>Switch block</a:t>
+            </a:r>
+            <a:endParaRPr lang="en-US" dirty="0"/>
+          </a:p>
+        </p:txBody>
+      </p:sp>
+      <p:sp>
+        <p:nvSpPr>
+          <p:cNvPr id="3" name="Content Placeholder 2"/>
+          <p:cNvSpPr>
+            <a:spLocks noGrp="1"/>
+          </p:cNvSpPr>
+          <p:nvPr>
+            <p:ph idx="1"/>
+          </p:nvPr>
+        </p:nvSpPr>
+        <p:spPr>
+          <a:xfrm>
+            <a:off x="309093" y="1365161"/>
+            <a:ext cx="11526591" cy="5318973"/>
+          </a:xfrm>
+        </p:spPr>
+        <p:txBody>
+          <a:bodyPr>
+            <a:normAutofit lnSpcReduction="10000"/>
+          </a:bodyPr>
+          <a:lstStyle/>
+          <a:p>
+            <a:r>
+              <a:rPr lang="en-US" i="1" dirty="0" smtClean="0"/>
+              <a:t>If several options are available then it is recommended to use switch instead of nested if else</a:t>
+            </a:r>
+          </a:p>
+          <a:p>
+            <a:pPr marL="0" indent="0">
+              <a:buNone/>
+            </a:pPr>
+            <a:r>
+              <a:rPr lang="en-US" i="1" dirty="0" smtClean="0"/>
+              <a:t>Important Points:</a:t>
+            </a:r>
+          </a:p>
+          <a:p>
+            <a:r>
+              <a:rPr lang="en-US" i="1" dirty="0" smtClean="0"/>
+              <a:t>The allowed argument types for switch statements are:</a:t>
+            </a:r>
+          </a:p>
+          <a:p>
+            <a:pPr marL="0" indent="0">
+              <a:buNone/>
+            </a:pPr>
+            <a:r>
+              <a:rPr lang="en-US" i="1" dirty="0" smtClean="0"/>
+              <a:t> byte, short, char, </a:t>
+            </a:r>
+            <a:r>
+              <a:rPr lang="en-US" i="1" dirty="0" err="1" smtClean="0"/>
+              <a:t>int</a:t>
+            </a:r>
+            <a:r>
+              <a:rPr lang="en-US" i="1" dirty="0" smtClean="0"/>
+              <a:t>, </a:t>
+            </a:r>
+          </a:p>
+          <a:p>
+            <a:pPr marL="0" indent="0">
+              <a:buNone/>
+            </a:pPr>
+            <a:r>
+              <a:rPr lang="en-US" i="1" dirty="0" smtClean="0"/>
+              <a:t>Byte, Short, Character, Integer, </a:t>
+            </a:r>
+            <a:r>
+              <a:rPr lang="en-US" i="1" dirty="0" err="1" smtClean="0"/>
+              <a:t>enum</a:t>
+            </a:r>
+            <a:r>
+              <a:rPr lang="en-US" i="1" dirty="0" smtClean="0"/>
+              <a:t>, String</a:t>
+            </a:r>
+          </a:p>
+          <a:p>
+            <a:r>
+              <a:rPr lang="en-US" i="1" dirty="0" smtClean="0"/>
+              <a:t>Curly braces are mandatory</a:t>
+            </a:r>
+          </a:p>
+          <a:p>
+            <a:r>
+              <a:rPr lang="en-US" i="1" dirty="0" smtClean="0"/>
+              <a:t>Both case and default are optional</a:t>
+            </a:r>
+          </a:p>
+          <a:p>
+            <a:r>
+              <a:rPr lang="en-US" i="1" dirty="0" smtClean="0"/>
+              <a:t>Inside switch every statement should be under some case or default</a:t>
+            </a:r>
+          </a:p>
+          <a:p>
+            <a:r>
+              <a:rPr lang="en-US" i="1" dirty="0" smtClean="0"/>
+              <a:t>Every case label should be compile constant</a:t>
+            </a:r>
+          </a:p>
+          <a:p>
+            <a:r>
+              <a:rPr lang="en-US" i="1" dirty="0" smtClean="0"/>
+              <a:t>Both switch argument and case label can be expressions but case label should be constant expression</a:t>
+            </a:r>
+          </a:p>
+          <a:p>
+            <a:r>
+              <a:rPr lang="en-US" i="1" dirty="0" smtClean="0"/>
+              <a:t>Every case label should in the range off switch argument type otherwise we will get compile time error</a:t>
+            </a:r>
+            <a:endParaRPr lang="en-US" i="1" dirty="0"/>
+          </a:p>
+        </p:txBody>
+      </p:sp>
+    </p:spTree>
+    <p:extLst>
+      <p:ext uri="{BB962C8B-B14F-4D97-AF65-F5344CB8AC3E}">
+        <p14:creationId xmlns:p14="http://schemas.microsoft.com/office/powerpoint/2010/main" val="3150067878"/>
+      </p:ext>
+    </p:extLst>
+  </p:cSld>
+  <p:clrMapOvr>
+    <a:masterClrMapping/>
+  </p:clrMapOvr>
+</p:sld>
+</file>
+
+<file path=ppt/slides/slide55.xml><?xml version="1.0" encoding="utf-8"?>
+<p:sld xmlns:a="http://schemas.openxmlformats.org/drawingml/2006/main" xmlns:r="http://schemas.openxmlformats.org/officeDocument/2006/relationships" xmlns:p="http://schemas.openxmlformats.org/presentationml/2006/main">
+  <p:cSld>
+    <p:spTree>
+      <p:nvGrpSpPr>
+        <p:cNvPr id="1" name=""/>
+        <p:cNvGrpSpPr/>
+        <p:nvPr/>
+      </p:nvGrpSpPr>
+      <p:grpSpPr>
+        <a:xfrm>
+          <a:off x="0" y="0"/>
+          <a:ext cx="0" cy="0"/>
+          <a:chOff x="0" y="0"/>
+          <a:chExt cx="0" cy="0"/>
+        </a:xfrm>
+      </p:grpSpPr>
+      <p:sp>
+        <p:nvSpPr>
+          <p:cNvPr id="2" name="Title 1"/>
+          <p:cNvSpPr>
+            <a:spLocks noGrp="1"/>
+          </p:cNvSpPr>
+          <p:nvPr>
+            <p:ph type="title"/>
+          </p:nvPr>
+        </p:nvSpPr>
+        <p:spPr>
+          <a:xfrm>
             <a:off x="0" y="283334"/>
             <a:ext cx="10050835" cy="721217"/>
           </a:xfrm>
@@ -15397,6 +15546,757 @@
     <p:extLst>
       <p:ext uri="{BB962C8B-B14F-4D97-AF65-F5344CB8AC3E}">
         <p14:creationId xmlns:p14="http://schemas.microsoft.com/office/powerpoint/2010/main" val="603195194"/>
+      </p:ext>
+    </p:extLst>
+  </p:cSld>
+  <p:clrMapOvr>
+    <a:masterClrMapping/>
+  </p:clrMapOvr>
+</p:sld>
+</file>
+
+<file path=ppt/slides/slide56.xml><?xml version="1.0" encoding="utf-8"?>
+<p:sld xmlns:a="http://schemas.openxmlformats.org/drawingml/2006/main" xmlns:r="http://schemas.openxmlformats.org/officeDocument/2006/relationships" xmlns:p="http://schemas.openxmlformats.org/presentationml/2006/main">
+  <p:cSld>
+    <p:spTree>
+      <p:nvGrpSpPr>
+        <p:cNvPr id="1" name=""/>
+        <p:cNvGrpSpPr/>
+        <p:nvPr/>
+      </p:nvGrpSpPr>
+      <p:grpSpPr>
+        <a:xfrm>
+          <a:off x="0" y="0"/>
+          <a:ext cx="0" cy="0"/>
+          <a:chOff x="0" y="0"/>
+          <a:chExt cx="0" cy="0"/>
+        </a:xfrm>
+      </p:grpSpPr>
+      <p:sp>
+        <p:nvSpPr>
+          <p:cNvPr id="2" name="Title 1"/>
+          <p:cNvSpPr>
+            <a:spLocks noGrp="1"/>
+          </p:cNvSpPr>
+          <p:nvPr>
+            <p:ph type="title"/>
+          </p:nvPr>
+        </p:nvSpPr>
+        <p:spPr/>
+        <p:txBody>
+          <a:bodyPr/>
+          <a:lstStyle/>
+          <a:p>
+            <a:r>
+              <a:rPr lang="en-US" dirty="0" smtClean="0"/>
+              <a:t>Session 8</a:t>
+            </a:r>
+            <a:endParaRPr lang="en-US" dirty="0"/>
+          </a:p>
+        </p:txBody>
+      </p:sp>
+      <p:sp>
+        <p:nvSpPr>
+          <p:cNvPr id="3" name="Content Placeholder 2"/>
+          <p:cNvSpPr>
+            <a:spLocks noGrp="1"/>
+          </p:cNvSpPr>
+          <p:nvPr>
+            <p:ph idx="1"/>
+          </p:nvPr>
+        </p:nvSpPr>
+        <p:spPr>
+          <a:xfrm>
+            <a:off x="450762" y="1558344"/>
+            <a:ext cx="10637948" cy="4893971"/>
+          </a:xfrm>
+        </p:spPr>
+        <p:txBody>
+          <a:bodyPr/>
+          <a:lstStyle/>
+          <a:p>
+            <a:pPr marL="0" indent="0">
+              <a:buNone/>
+            </a:pPr>
+            <a:r>
+              <a:rPr lang="en-US" dirty="0" smtClean="0"/>
+              <a:t>Topics</a:t>
+            </a:r>
+          </a:p>
+          <a:p>
+            <a:pPr marL="457200" indent="-457200">
+              <a:buAutoNum type="arabicPeriod"/>
+            </a:pPr>
+            <a:r>
+              <a:rPr lang="en-US" dirty="0" smtClean="0"/>
+              <a:t>While</a:t>
+            </a:r>
+          </a:p>
+          <a:p>
+            <a:pPr marL="457200" indent="-457200">
+              <a:buAutoNum type="arabicPeriod"/>
+            </a:pPr>
+            <a:r>
+              <a:rPr lang="en-US" dirty="0" smtClean="0"/>
+              <a:t>Do-while</a:t>
+            </a:r>
+          </a:p>
+          <a:p>
+            <a:pPr marL="457200" indent="-457200">
+              <a:buAutoNum type="arabicPeriod"/>
+            </a:pPr>
+            <a:r>
+              <a:rPr lang="en-US" dirty="0" smtClean="0"/>
+              <a:t>For</a:t>
+            </a:r>
+          </a:p>
+          <a:p>
+            <a:pPr marL="457200" indent="-457200">
+              <a:buAutoNum type="arabicPeriod"/>
+            </a:pPr>
+            <a:r>
+              <a:rPr lang="en-US" dirty="0" smtClean="0"/>
+              <a:t>Break</a:t>
+            </a:r>
+          </a:p>
+          <a:p>
+            <a:pPr marL="457200" indent="-457200">
+              <a:buAutoNum type="arabicPeriod"/>
+            </a:pPr>
+            <a:r>
+              <a:rPr lang="en-US" dirty="0" smtClean="0"/>
+              <a:t>Continue</a:t>
+            </a:r>
+          </a:p>
+          <a:p>
+            <a:pPr marL="457200" indent="-457200">
+              <a:buAutoNum type="arabicPeriod"/>
+            </a:pPr>
+            <a:endParaRPr lang="en-US" dirty="0" smtClean="0"/>
+          </a:p>
+          <a:p>
+            <a:pPr marL="0" indent="0">
+              <a:buNone/>
+            </a:pPr>
+            <a:endParaRPr lang="en-US" dirty="0"/>
+          </a:p>
+        </p:txBody>
+      </p:sp>
+    </p:spTree>
+    <p:extLst>
+      <p:ext uri="{BB962C8B-B14F-4D97-AF65-F5344CB8AC3E}">
+        <p14:creationId xmlns:p14="http://schemas.microsoft.com/office/powerpoint/2010/main" val="4152932497"/>
+      </p:ext>
+    </p:extLst>
+  </p:cSld>
+  <p:clrMapOvr>
+    <a:masterClrMapping/>
+  </p:clrMapOvr>
+</p:sld>
+</file>
+
+<file path=ppt/slides/slide57.xml><?xml version="1.0" encoding="utf-8"?>
+<p:sld xmlns:a="http://schemas.openxmlformats.org/drawingml/2006/main" xmlns:r="http://schemas.openxmlformats.org/officeDocument/2006/relationships" xmlns:p="http://schemas.openxmlformats.org/presentationml/2006/main">
+  <p:cSld>
+    <p:spTree>
+      <p:nvGrpSpPr>
+        <p:cNvPr id="1" name=""/>
+        <p:cNvGrpSpPr/>
+        <p:nvPr/>
+      </p:nvGrpSpPr>
+      <p:grpSpPr>
+        <a:xfrm>
+          <a:off x="0" y="0"/>
+          <a:ext cx="0" cy="0"/>
+          <a:chOff x="0" y="0"/>
+          <a:chExt cx="0" cy="0"/>
+        </a:xfrm>
+      </p:grpSpPr>
+      <p:sp>
+        <p:nvSpPr>
+          <p:cNvPr id="2" name="Title 1"/>
+          <p:cNvSpPr>
+            <a:spLocks noGrp="1"/>
+          </p:cNvSpPr>
+          <p:nvPr>
+            <p:ph type="title"/>
+          </p:nvPr>
+        </p:nvSpPr>
+        <p:spPr>
+          <a:xfrm>
+            <a:off x="180305" y="233778"/>
+            <a:ext cx="9149312" cy="641985"/>
+          </a:xfrm>
+        </p:spPr>
+        <p:txBody>
+          <a:bodyPr/>
+          <a:lstStyle/>
+          <a:p>
+            <a:r>
+              <a:rPr lang="en-US" dirty="0" smtClean="0"/>
+              <a:t>While Loop</a:t>
+            </a:r>
+            <a:endParaRPr lang="en-US" dirty="0"/>
+          </a:p>
+        </p:txBody>
+      </p:sp>
+      <p:sp>
+        <p:nvSpPr>
+          <p:cNvPr id="3" name="Content Placeholder 2"/>
+          <p:cNvSpPr>
+            <a:spLocks noGrp="1"/>
+          </p:cNvSpPr>
+          <p:nvPr>
+            <p:ph idx="1"/>
+          </p:nvPr>
+        </p:nvSpPr>
+        <p:spPr>
+          <a:xfrm>
+            <a:off x="296214" y="1004552"/>
+            <a:ext cx="11513713" cy="5666704"/>
+          </a:xfrm>
+        </p:spPr>
+        <p:txBody>
+          <a:bodyPr/>
+          <a:lstStyle/>
+          <a:p>
+            <a:r>
+              <a:rPr lang="en-US" dirty="0" smtClean="0"/>
+              <a:t>If we don’t know number of iterative in advance then we should go for while loop</a:t>
+            </a:r>
+          </a:p>
+          <a:p>
+            <a:r>
+              <a:rPr lang="en-US" dirty="0"/>
+              <a:t>In while loop, condition is evaluated first and if it returns true then the statements inside while loop execute. When condition returns false, the control comes out of loop and jumps to the next statement after while loop</a:t>
+            </a:r>
+            <a:r>
+              <a:rPr lang="en-US" dirty="0" smtClean="0"/>
+              <a:t>.</a:t>
+            </a:r>
+          </a:p>
+          <a:p>
+            <a:pPr marL="0" indent="0">
+              <a:buNone/>
+            </a:pPr>
+            <a:r>
+              <a:rPr lang="en-US" dirty="0"/>
+              <a:t>Ex:  class </a:t>
+            </a:r>
+            <a:r>
+              <a:rPr lang="en-US" dirty="0" err="1"/>
+              <a:t>WhileLoopExample</a:t>
+            </a:r>
+            <a:r>
+              <a:rPr lang="en-US" dirty="0"/>
+              <a:t> {</a:t>
+            </a:r>
+          </a:p>
+          <a:p>
+            <a:pPr marL="0" indent="0">
+              <a:buNone/>
+            </a:pPr>
+            <a:r>
+              <a:rPr lang="en-US" dirty="0"/>
+              <a:t>    public static void main(String </a:t>
+            </a:r>
+            <a:r>
+              <a:rPr lang="en-US" dirty="0" err="1"/>
+              <a:t>args</a:t>
+            </a:r>
+            <a:r>
+              <a:rPr lang="en-US" dirty="0"/>
+              <a:t>[]){</a:t>
+            </a:r>
+          </a:p>
+          <a:p>
+            <a:pPr marL="0" indent="0">
+              <a:buNone/>
+            </a:pPr>
+            <a:r>
+              <a:rPr lang="en-US" dirty="0"/>
+              <a:t>         </a:t>
+            </a:r>
+            <a:r>
+              <a:rPr lang="en-US" dirty="0" err="1"/>
+              <a:t>int</a:t>
+            </a:r>
+            <a:r>
+              <a:rPr lang="en-US" dirty="0"/>
+              <a:t> </a:t>
+            </a:r>
+            <a:r>
+              <a:rPr lang="en-US" dirty="0" err="1"/>
+              <a:t>i</a:t>
+            </a:r>
+            <a:r>
+              <a:rPr lang="en-US" dirty="0"/>
+              <a:t>=10;</a:t>
+            </a:r>
+          </a:p>
+          <a:p>
+            <a:pPr marL="0" indent="0">
+              <a:buNone/>
+            </a:pPr>
+            <a:r>
+              <a:rPr lang="en-US" dirty="0"/>
+              <a:t>         </a:t>
+            </a:r>
+            <a:r>
+              <a:rPr lang="en-US" dirty="0" smtClean="0"/>
+              <a:t>while(</a:t>
+            </a:r>
+            <a:r>
+              <a:rPr lang="en-US" dirty="0" err="1" smtClean="0"/>
+              <a:t>i</a:t>
+            </a:r>
+            <a:r>
+              <a:rPr lang="en-US" dirty="0" smtClean="0"/>
+              <a:t>&gt;1</a:t>
+            </a:r>
+            <a:r>
+              <a:rPr lang="en-US" dirty="0"/>
+              <a:t>){</a:t>
+            </a:r>
+          </a:p>
+          <a:p>
+            <a:pPr marL="0" indent="0">
+              <a:buNone/>
+            </a:pPr>
+            <a:r>
+              <a:rPr lang="en-US" dirty="0"/>
+              <a:t>              </a:t>
+            </a:r>
+            <a:r>
+              <a:rPr lang="en-US" dirty="0" err="1"/>
+              <a:t>System.out.println</a:t>
+            </a:r>
+            <a:r>
+              <a:rPr lang="en-US" dirty="0"/>
+              <a:t>(</a:t>
+            </a:r>
+            <a:r>
+              <a:rPr lang="en-US" dirty="0" err="1"/>
+              <a:t>i</a:t>
+            </a:r>
+            <a:r>
+              <a:rPr lang="en-US" dirty="0"/>
+              <a:t>);</a:t>
+            </a:r>
+          </a:p>
+          <a:p>
+            <a:pPr marL="0" indent="0">
+              <a:buNone/>
+            </a:pPr>
+            <a:r>
+              <a:rPr lang="en-US" dirty="0"/>
+              <a:t>              </a:t>
+            </a:r>
+            <a:r>
+              <a:rPr lang="en-US" dirty="0" err="1"/>
+              <a:t>i</a:t>
+            </a:r>
+            <a:r>
+              <a:rPr lang="en-US" dirty="0"/>
+              <a:t>--;</a:t>
+            </a:r>
+          </a:p>
+          <a:p>
+            <a:pPr marL="0" indent="0">
+              <a:buNone/>
+            </a:pPr>
+            <a:r>
+              <a:rPr lang="en-US" dirty="0"/>
+              <a:t>         }</a:t>
+            </a:r>
+          </a:p>
+          <a:p>
+            <a:pPr marL="0" indent="0">
+              <a:buNone/>
+            </a:pPr>
+            <a:r>
+              <a:rPr lang="en-US" dirty="0"/>
+              <a:t>    }</a:t>
+            </a:r>
+          </a:p>
+          <a:p>
+            <a:pPr marL="0" indent="0">
+              <a:buNone/>
+            </a:pPr>
+            <a:r>
+              <a:rPr lang="en-US" dirty="0"/>
+              <a:t>}</a:t>
+            </a:r>
+            <a:endParaRPr lang="en-US" dirty="0" smtClean="0"/>
+          </a:p>
+          <a:p>
+            <a:endParaRPr lang="en-US" dirty="0" smtClean="0"/>
+          </a:p>
+          <a:p>
+            <a:pPr marL="0" indent="0">
+              <a:buNone/>
+            </a:pPr>
+            <a:endParaRPr lang="en-US" dirty="0"/>
+          </a:p>
+        </p:txBody>
+      </p:sp>
+    </p:spTree>
+    <p:extLst>
+      <p:ext uri="{BB962C8B-B14F-4D97-AF65-F5344CB8AC3E}">
+        <p14:creationId xmlns:p14="http://schemas.microsoft.com/office/powerpoint/2010/main" val="1703405856"/>
+      </p:ext>
+    </p:extLst>
+  </p:cSld>
+  <p:clrMapOvr>
+    <a:masterClrMapping/>
+  </p:clrMapOvr>
+</p:sld>
+</file>
+
+<file path=ppt/slides/slide58.xml><?xml version="1.0" encoding="utf-8"?>
+<p:sld xmlns:a="http://schemas.openxmlformats.org/drawingml/2006/main" xmlns:r="http://schemas.openxmlformats.org/officeDocument/2006/relationships" xmlns:p="http://schemas.openxmlformats.org/presentationml/2006/main">
+  <p:cSld>
+    <p:spTree>
+      <p:nvGrpSpPr>
+        <p:cNvPr id="1" name=""/>
+        <p:cNvGrpSpPr/>
+        <p:nvPr/>
+      </p:nvGrpSpPr>
+      <p:grpSpPr>
+        <a:xfrm>
+          <a:off x="0" y="0"/>
+          <a:ext cx="0" cy="0"/>
+          <a:chOff x="0" y="0"/>
+          <a:chExt cx="0" cy="0"/>
+        </a:xfrm>
+      </p:grpSpPr>
+      <p:sp>
+        <p:nvSpPr>
+          <p:cNvPr id="2" name="Title 1"/>
+          <p:cNvSpPr>
+            <a:spLocks noGrp="1"/>
+          </p:cNvSpPr>
+          <p:nvPr>
+            <p:ph type="title"/>
+          </p:nvPr>
+        </p:nvSpPr>
+        <p:spPr>
+          <a:xfrm>
+            <a:off x="231820" y="156504"/>
+            <a:ext cx="9149313" cy="912442"/>
+          </a:xfrm>
+        </p:spPr>
+        <p:txBody>
+          <a:bodyPr/>
+          <a:lstStyle/>
+          <a:p>
+            <a:r>
+              <a:rPr lang="en-US" sz="3200" dirty="0" smtClean="0"/>
+              <a:t>Important Point in While loop</a:t>
+            </a:r>
+            <a:endParaRPr lang="en-US" sz="3200" dirty="0"/>
+          </a:p>
+        </p:txBody>
+      </p:sp>
+      <p:sp>
+        <p:nvSpPr>
+          <p:cNvPr id="3" name="Content Placeholder 2"/>
+          <p:cNvSpPr>
+            <a:spLocks noGrp="1"/>
+          </p:cNvSpPr>
+          <p:nvPr>
+            <p:ph idx="1"/>
+          </p:nvPr>
+        </p:nvSpPr>
+        <p:spPr>
+          <a:xfrm>
+            <a:off x="231820" y="1068946"/>
+            <a:ext cx="11694017" cy="5473522"/>
+          </a:xfrm>
+        </p:spPr>
+        <p:txBody>
+          <a:bodyPr/>
+          <a:lstStyle/>
+          <a:p>
+            <a:r>
+              <a:rPr lang="en-US" dirty="0" smtClean="0"/>
+              <a:t>The argument should be Boolean type if we provide any other type then we will get compile time error</a:t>
+            </a:r>
+          </a:p>
+          <a:p>
+            <a:r>
+              <a:rPr lang="en-US" dirty="0" smtClean="0"/>
+              <a:t>Curly braces are optional without curly braces we can take only one statement under while which should be not declarative statement</a:t>
+            </a:r>
+          </a:p>
+          <a:p>
+            <a:endParaRPr lang="en-US" dirty="0"/>
+          </a:p>
+        </p:txBody>
+      </p:sp>
+    </p:spTree>
+    <p:extLst>
+      <p:ext uri="{BB962C8B-B14F-4D97-AF65-F5344CB8AC3E}">
+        <p14:creationId xmlns:p14="http://schemas.microsoft.com/office/powerpoint/2010/main" val="1979734541"/>
+      </p:ext>
+    </p:extLst>
+  </p:cSld>
+  <p:clrMapOvr>
+    <a:masterClrMapping/>
+  </p:clrMapOvr>
+</p:sld>
+</file>
+
+<file path=ppt/slides/slide59.xml><?xml version="1.0" encoding="utf-8"?>
+<p:sld xmlns:a="http://schemas.openxmlformats.org/drawingml/2006/main" xmlns:r="http://schemas.openxmlformats.org/officeDocument/2006/relationships" xmlns:p="http://schemas.openxmlformats.org/presentationml/2006/main">
+  <p:cSld>
+    <p:spTree>
+      <p:nvGrpSpPr>
+        <p:cNvPr id="1" name=""/>
+        <p:cNvGrpSpPr/>
+        <p:nvPr/>
+      </p:nvGrpSpPr>
+      <p:grpSpPr>
+        <a:xfrm>
+          <a:off x="0" y="0"/>
+          <a:ext cx="0" cy="0"/>
+          <a:chOff x="0" y="0"/>
+          <a:chExt cx="0" cy="0"/>
+        </a:xfrm>
+      </p:grpSpPr>
+      <p:sp>
+        <p:nvSpPr>
+          <p:cNvPr id="2" name="Title 1"/>
+          <p:cNvSpPr>
+            <a:spLocks noGrp="1"/>
+          </p:cNvSpPr>
+          <p:nvPr>
+            <p:ph type="title"/>
+          </p:nvPr>
+        </p:nvSpPr>
+        <p:spPr>
+          <a:xfrm>
+            <a:off x="206063" y="182262"/>
+            <a:ext cx="9509922" cy="680623"/>
+          </a:xfrm>
+        </p:spPr>
+        <p:txBody>
+          <a:bodyPr/>
+          <a:lstStyle/>
+          <a:p>
+            <a:r>
+              <a:rPr lang="en-US" dirty="0" smtClean="0"/>
+              <a:t>Do-while</a:t>
+            </a:r>
+            <a:endParaRPr lang="en-US" dirty="0"/>
+          </a:p>
+        </p:txBody>
+      </p:sp>
+      <p:sp>
+        <p:nvSpPr>
+          <p:cNvPr id="3" name="Content Placeholder 2"/>
+          <p:cNvSpPr>
+            <a:spLocks noGrp="1"/>
+          </p:cNvSpPr>
+          <p:nvPr>
+            <p:ph idx="1"/>
+          </p:nvPr>
+        </p:nvSpPr>
+        <p:spPr>
+          <a:xfrm>
+            <a:off x="395714" y="1080164"/>
+            <a:ext cx="11449318" cy="5563672"/>
+          </a:xfrm>
+        </p:spPr>
+        <p:txBody>
+          <a:bodyPr>
+            <a:normAutofit lnSpcReduction="10000"/>
+          </a:bodyPr>
+          <a:lstStyle/>
+          <a:p>
+            <a:r>
+              <a:rPr lang="en-US" dirty="0" smtClean="0"/>
+              <a:t>If we want to execute loop body </a:t>
+            </a:r>
+            <a:r>
+              <a:rPr lang="en-US" dirty="0" err="1" smtClean="0"/>
+              <a:t>atleast</a:t>
+            </a:r>
+            <a:r>
+              <a:rPr lang="en-US" dirty="0" smtClean="0"/>
+              <a:t> once then we should go for do while() loop</a:t>
+            </a:r>
+          </a:p>
+          <a:p>
+            <a:r>
+              <a:rPr lang="en-US" dirty="0"/>
+              <a:t>First, the statements inside loop execute and then the condition gets evaluated, if the condition returns true then the control gets transferred to the “do” else it jumps to the next statement after do-while</a:t>
+            </a:r>
+            <a:r>
+              <a:rPr lang="en-US" dirty="0" smtClean="0"/>
+              <a:t>.</a:t>
+            </a:r>
+          </a:p>
+          <a:p>
+            <a:pPr marL="0" indent="0">
+              <a:buNone/>
+            </a:pPr>
+            <a:r>
+              <a:rPr lang="en-US" dirty="0" smtClean="0"/>
+              <a:t>Ex:</a:t>
+            </a:r>
+          </a:p>
+          <a:p>
+            <a:pPr marL="0" indent="0">
+              <a:buNone/>
+            </a:pPr>
+            <a:r>
+              <a:rPr lang="en-US" dirty="0"/>
+              <a:t>class </a:t>
+            </a:r>
+            <a:r>
+              <a:rPr lang="en-US" dirty="0" err="1"/>
+              <a:t>DoWhileLoopExample</a:t>
+            </a:r>
+            <a:r>
+              <a:rPr lang="en-US" dirty="0"/>
+              <a:t> {</a:t>
+            </a:r>
+          </a:p>
+          <a:p>
+            <a:pPr marL="0" indent="0">
+              <a:buNone/>
+            </a:pPr>
+            <a:r>
+              <a:rPr lang="en-US" dirty="0"/>
+              <a:t>    public static void main(String </a:t>
+            </a:r>
+            <a:r>
+              <a:rPr lang="en-US" dirty="0" err="1"/>
+              <a:t>args</a:t>
+            </a:r>
+            <a:r>
+              <a:rPr lang="en-US" dirty="0"/>
+              <a:t>[]){</a:t>
+            </a:r>
+          </a:p>
+          <a:p>
+            <a:pPr marL="0" indent="0">
+              <a:buNone/>
+            </a:pPr>
+            <a:r>
+              <a:rPr lang="en-US" dirty="0"/>
+              <a:t>         </a:t>
+            </a:r>
+            <a:r>
+              <a:rPr lang="en-US" dirty="0" err="1"/>
+              <a:t>int</a:t>
+            </a:r>
+            <a:r>
+              <a:rPr lang="en-US" dirty="0"/>
+              <a:t> </a:t>
+            </a:r>
+            <a:r>
+              <a:rPr lang="en-US" dirty="0" err="1"/>
+              <a:t>i</a:t>
+            </a:r>
+            <a:r>
+              <a:rPr lang="en-US" dirty="0"/>
+              <a:t>=10;</a:t>
+            </a:r>
+          </a:p>
+          <a:p>
+            <a:pPr marL="0" indent="0">
+              <a:buNone/>
+            </a:pPr>
+            <a:r>
+              <a:rPr lang="en-US" dirty="0"/>
+              <a:t>         do{</a:t>
+            </a:r>
+          </a:p>
+          <a:p>
+            <a:pPr marL="0" indent="0">
+              <a:buNone/>
+            </a:pPr>
+            <a:r>
+              <a:rPr lang="en-US" dirty="0"/>
+              <a:t>              </a:t>
+            </a:r>
+            <a:r>
+              <a:rPr lang="en-US" dirty="0" err="1"/>
+              <a:t>System.out.println</a:t>
+            </a:r>
+            <a:r>
+              <a:rPr lang="en-US" dirty="0"/>
+              <a:t>(</a:t>
+            </a:r>
+            <a:r>
+              <a:rPr lang="en-US" dirty="0" err="1"/>
+              <a:t>i</a:t>
+            </a:r>
+            <a:r>
+              <a:rPr lang="en-US" dirty="0"/>
+              <a:t>);</a:t>
+            </a:r>
+          </a:p>
+          <a:p>
+            <a:pPr marL="0" indent="0">
+              <a:buNone/>
+            </a:pPr>
+            <a:r>
+              <a:rPr lang="en-US" dirty="0"/>
+              <a:t>              </a:t>
+            </a:r>
+            <a:r>
+              <a:rPr lang="en-US" dirty="0" err="1"/>
+              <a:t>i</a:t>
+            </a:r>
+            <a:r>
+              <a:rPr lang="en-US" dirty="0"/>
+              <a:t>--;</a:t>
+            </a:r>
+          </a:p>
+          <a:p>
+            <a:pPr marL="0" indent="0">
+              <a:buNone/>
+            </a:pPr>
+            <a:r>
+              <a:rPr lang="en-US" dirty="0"/>
+              <a:t>         }while(</a:t>
+            </a:r>
+            <a:r>
+              <a:rPr lang="en-US" dirty="0" err="1"/>
+              <a:t>i</a:t>
+            </a:r>
+            <a:r>
+              <a:rPr lang="en-US" dirty="0"/>
+              <a:t>&gt;1);</a:t>
+            </a:r>
+          </a:p>
+          <a:p>
+            <a:pPr marL="0" indent="0">
+              <a:buNone/>
+            </a:pPr>
+            <a:r>
+              <a:rPr lang="en-US" dirty="0"/>
+              <a:t>    }</a:t>
+            </a:r>
+          </a:p>
+          <a:p>
+            <a:pPr marL="0" indent="0">
+              <a:buNone/>
+            </a:pPr>
+            <a:r>
+              <a:rPr lang="en-US" dirty="0"/>
+              <a:t>}</a:t>
+            </a:r>
+          </a:p>
+        </p:txBody>
+      </p:sp>
+    </p:spTree>
+    <p:extLst>
+      <p:ext uri="{BB962C8B-B14F-4D97-AF65-F5344CB8AC3E}">
+        <p14:creationId xmlns:p14="http://schemas.microsoft.com/office/powerpoint/2010/main" val="1832826316"/>
       </p:ext>
     </p:extLst>
   </p:cSld>
@@ -15603,6 +16503,1859 @@
 </p:sld>
 </file>
 
+<file path=ppt/slides/slide60.xml><?xml version="1.0" encoding="utf-8"?>
+<p:sld xmlns:a="http://schemas.openxmlformats.org/drawingml/2006/main" xmlns:r="http://schemas.openxmlformats.org/officeDocument/2006/relationships" xmlns:p="http://schemas.openxmlformats.org/presentationml/2006/main">
+  <p:cSld>
+    <p:spTree>
+      <p:nvGrpSpPr>
+        <p:cNvPr id="1" name=""/>
+        <p:cNvGrpSpPr/>
+        <p:nvPr/>
+      </p:nvGrpSpPr>
+      <p:grpSpPr>
+        <a:xfrm>
+          <a:off x="0" y="0"/>
+          <a:ext cx="0" cy="0"/>
+          <a:chOff x="0" y="0"/>
+          <a:chExt cx="0" cy="0"/>
+        </a:xfrm>
+      </p:grpSpPr>
+      <p:sp>
+        <p:nvSpPr>
+          <p:cNvPr id="2" name="Title 1"/>
+          <p:cNvSpPr>
+            <a:spLocks noGrp="1"/>
+          </p:cNvSpPr>
+          <p:nvPr>
+            <p:ph type="title"/>
+          </p:nvPr>
+        </p:nvSpPr>
+        <p:spPr>
+          <a:xfrm>
+            <a:off x="180304" y="182261"/>
+            <a:ext cx="9522800" cy="951080"/>
+          </a:xfrm>
+        </p:spPr>
+        <p:txBody>
+          <a:bodyPr/>
+          <a:lstStyle/>
+          <a:p>
+            <a:r>
+              <a:rPr lang="en-US" dirty="0" smtClean="0"/>
+              <a:t>Important Points</a:t>
+            </a:r>
+            <a:endParaRPr lang="en-US" dirty="0"/>
+          </a:p>
+        </p:txBody>
+      </p:sp>
+      <p:sp>
+        <p:nvSpPr>
+          <p:cNvPr id="3" name="Content Placeholder 2"/>
+          <p:cNvSpPr>
+            <a:spLocks noGrp="1"/>
+          </p:cNvSpPr>
+          <p:nvPr>
+            <p:ph idx="1"/>
+          </p:nvPr>
+        </p:nvSpPr>
+        <p:spPr>
+          <a:xfrm>
+            <a:off x="334850" y="1133340"/>
+            <a:ext cx="10676587" cy="5422005"/>
+          </a:xfrm>
+        </p:spPr>
+        <p:txBody>
+          <a:bodyPr/>
+          <a:lstStyle/>
+          <a:p>
+            <a:r>
+              <a:rPr lang="en-US" dirty="0" smtClean="0"/>
+              <a:t>Curly braces are optional and without  curly braces we can take only one statement between do and while which should not be declarative type</a:t>
+            </a:r>
+          </a:p>
+          <a:p>
+            <a:pPr marL="0" indent="0">
+              <a:buNone/>
+            </a:pPr>
+            <a:endParaRPr lang="en-US" dirty="0"/>
+          </a:p>
+        </p:txBody>
+      </p:sp>
+    </p:spTree>
+    <p:extLst>
+      <p:ext uri="{BB962C8B-B14F-4D97-AF65-F5344CB8AC3E}">
+        <p14:creationId xmlns:p14="http://schemas.microsoft.com/office/powerpoint/2010/main" val="2447623143"/>
+      </p:ext>
+    </p:extLst>
+  </p:cSld>
+  <p:clrMapOvr>
+    <a:masterClrMapping/>
+  </p:clrMapOvr>
+</p:sld>
+</file>
+
+<file path=ppt/slides/slide61.xml><?xml version="1.0" encoding="utf-8"?>
+<p:sld xmlns:a="http://schemas.openxmlformats.org/drawingml/2006/main" xmlns:r="http://schemas.openxmlformats.org/officeDocument/2006/relationships" xmlns:p="http://schemas.openxmlformats.org/presentationml/2006/main">
+  <p:cSld>
+    <p:spTree>
+      <p:nvGrpSpPr>
+        <p:cNvPr id="1" name=""/>
+        <p:cNvGrpSpPr/>
+        <p:nvPr/>
+      </p:nvGrpSpPr>
+      <p:grpSpPr>
+        <a:xfrm>
+          <a:off x="0" y="0"/>
+          <a:ext cx="0" cy="0"/>
+          <a:chOff x="0" y="0"/>
+          <a:chExt cx="0" cy="0"/>
+        </a:xfrm>
+      </p:grpSpPr>
+      <p:sp>
+        <p:nvSpPr>
+          <p:cNvPr id="2" name="Title 1"/>
+          <p:cNvSpPr>
+            <a:spLocks noGrp="1"/>
+          </p:cNvSpPr>
+          <p:nvPr>
+            <p:ph type="title"/>
+          </p:nvPr>
+        </p:nvSpPr>
+        <p:spPr>
+          <a:xfrm>
+            <a:off x="244699" y="206061"/>
+            <a:ext cx="9329617" cy="991673"/>
+          </a:xfrm>
+        </p:spPr>
+        <p:txBody>
+          <a:bodyPr/>
+          <a:lstStyle/>
+          <a:p>
+            <a:r>
+              <a:rPr lang="en-US" dirty="0" smtClean="0"/>
+              <a:t>For Loop</a:t>
+            </a:r>
+            <a:endParaRPr lang="en-US" dirty="0"/>
+          </a:p>
+        </p:txBody>
+      </p:sp>
+      <p:sp>
+        <p:nvSpPr>
+          <p:cNvPr id="3" name="Content Placeholder 2"/>
+          <p:cNvSpPr>
+            <a:spLocks noGrp="1"/>
+          </p:cNvSpPr>
+          <p:nvPr>
+            <p:ph idx="1"/>
+          </p:nvPr>
+        </p:nvSpPr>
+        <p:spPr>
+          <a:xfrm>
+            <a:off x="386366" y="1326524"/>
+            <a:ext cx="11050073" cy="5241701"/>
+          </a:xfrm>
+        </p:spPr>
+        <p:txBody>
+          <a:bodyPr/>
+          <a:lstStyle/>
+          <a:p>
+            <a:r>
+              <a:rPr lang="en-US" dirty="0" smtClean="0"/>
+              <a:t>This is most commonly used loop and best suitable if we know the number of iterations in advance</a:t>
+            </a:r>
+          </a:p>
+          <a:p>
+            <a:pPr marL="0" indent="0">
+              <a:buNone/>
+            </a:pPr>
+            <a:endParaRPr lang="en-US" dirty="0" smtClean="0"/>
+          </a:p>
+          <a:p>
+            <a:pPr marL="0" indent="0">
+              <a:buNone/>
+            </a:pPr>
+            <a:r>
+              <a:rPr lang="en-US" dirty="0" smtClean="0"/>
+              <a:t>Ex</a:t>
+            </a:r>
+            <a:r>
+              <a:rPr lang="en-US" dirty="0"/>
+              <a:t>: class </a:t>
+            </a:r>
+            <a:r>
+              <a:rPr lang="en-US" dirty="0" err="1"/>
+              <a:t>ForLoopExample</a:t>
+            </a:r>
+            <a:r>
+              <a:rPr lang="en-US" dirty="0"/>
+              <a:t> {</a:t>
+            </a:r>
+          </a:p>
+          <a:p>
+            <a:pPr marL="0" indent="0">
+              <a:buNone/>
+            </a:pPr>
+            <a:r>
+              <a:rPr lang="en-US" dirty="0"/>
+              <a:t>    public static void main(String </a:t>
+            </a:r>
+            <a:r>
+              <a:rPr lang="en-US" dirty="0" err="1"/>
+              <a:t>args</a:t>
+            </a:r>
+            <a:r>
+              <a:rPr lang="en-US" dirty="0"/>
+              <a:t>[]){</a:t>
+            </a:r>
+          </a:p>
+          <a:p>
+            <a:pPr marL="0" indent="0">
+              <a:buNone/>
+            </a:pPr>
+            <a:r>
+              <a:rPr lang="en-US" dirty="0"/>
+              <a:t>         for(</a:t>
+            </a:r>
+            <a:r>
+              <a:rPr lang="en-US" dirty="0" err="1"/>
+              <a:t>int</a:t>
+            </a:r>
+            <a:r>
+              <a:rPr lang="en-US" dirty="0"/>
+              <a:t> </a:t>
+            </a:r>
+            <a:r>
+              <a:rPr lang="en-US" dirty="0" err="1"/>
+              <a:t>i</a:t>
+            </a:r>
+            <a:r>
+              <a:rPr lang="en-US" dirty="0"/>
+              <a:t>=10; </a:t>
+            </a:r>
+            <a:r>
+              <a:rPr lang="en-US" dirty="0" err="1"/>
+              <a:t>i</a:t>
+            </a:r>
+            <a:r>
+              <a:rPr lang="en-US" dirty="0"/>
+              <a:t>&gt;1; </a:t>
+            </a:r>
+            <a:r>
+              <a:rPr lang="en-US" dirty="0" err="1"/>
+              <a:t>i</a:t>
+            </a:r>
+            <a:r>
+              <a:rPr lang="en-US" dirty="0"/>
+              <a:t>--){</a:t>
+            </a:r>
+          </a:p>
+          <a:p>
+            <a:pPr marL="0" indent="0">
+              <a:buNone/>
+            </a:pPr>
+            <a:r>
+              <a:rPr lang="en-US" dirty="0"/>
+              <a:t>              </a:t>
+            </a:r>
+            <a:r>
+              <a:rPr lang="en-US" dirty="0" err="1"/>
+              <a:t>System.out.println</a:t>
+            </a:r>
+            <a:r>
+              <a:rPr lang="en-US" dirty="0"/>
+              <a:t>("The value of </a:t>
+            </a:r>
+            <a:r>
+              <a:rPr lang="en-US" dirty="0" err="1"/>
+              <a:t>i</a:t>
+            </a:r>
+            <a:r>
+              <a:rPr lang="en-US" dirty="0"/>
+              <a:t> is: "+</a:t>
+            </a:r>
+            <a:r>
+              <a:rPr lang="en-US" dirty="0" err="1"/>
+              <a:t>i</a:t>
+            </a:r>
+            <a:r>
+              <a:rPr lang="en-US" dirty="0"/>
+              <a:t>);</a:t>
+            </a:r>
+          </a:p>
+          <a:p>
+            <a:pPr marL="0" indent="0">
+              <a:buNone/>
+            </a:pPr>
+            <a:r>
+              <a:rPr lang="en-US" dirty="0"/>
+              <a:t>         }</a:t>
+            </a:r>
+          </a:p>
+          <a:p>
+            <a:pPr marL="0" indent="0">
+              <a:buNone/>
+            </a:pPr>
+            <a:r>
+              <a:rPr lang="en-US" dirty="0"/>
+              <a:t>    }</a:t>
+            </a:r>
+          </a:p>
+          <a:p>
+            <a:pPr marL="0" indent="0">
+              <a:buNone/>
+            </a:pPr>
+            <a:r>
+              <a:rPr lang="en-US" dirty="0"/>
+              <a:t>}</a:t>
+            </a:r>
+            <a:endParaRPr lang="en-US" dirty="0" smtClean="0"/>
+          </a:p>
+          <a:p>
+            <a:pPr marL="0" indent="0">
+              <a:buNone/>
+            </a:pPr>
+            <a:endParaRPr lang="en-US" dirty="0"/>
+          </a:p>
+        </p:txBody>
+      </p:sp>
+    </p:spTree>
+    <p:extLst>
+      <p:ext uri="{BB962C8B-B14F-4D97-AF65-F5344CB8AC3E}">
+        <p14:creationId xmlns:p14="http://schemas.microsoft.com/office/powerpoint/2010/main" val="2002327363"/>
+      </p:ext>
+    </p:extLst>
+  </p:cSld>
+  <p:clrMapOvr>
+    <a:masterClrMapping/>
+  </p:clrMapOvr>
+</p:sld>
+</file>
+
+<file path=ppt/slides/slide62.xml><?xml version="1.0" encoding="utf-8"?>
+<p:sld xmlns:a="http://schemas.openxmlformats.org/drawingml/2006/main" xmlns:r="http://schemas.openxmlformats.org/officeDocument/2006/relationships" xmlns:p="http://schemas.openxmlformats.org/presentationml/2006/main">
+  <p:cSld>
+    <p:spTree>
+      <p:nvGrpSpPr>
+        <p:cNvPr id="1" name=""/>
+        <p:cNvGrpSpPr/>
+        <p:nvPr/>
+      </p:nvGrpSpPr>
+      <p:grpSpPr>
+        <a:xfrm>
+          <a:off x="0" y="0"/>
+          <a:ext cx="0" cy="0"/>
+          <a:chOff x="0" y="0"/>
+          <a:chExt cx="0" cy="0"/>
+        </a:xfrm>
+      </p:grpSpPr>
+      <p:sp>
+        <p:nvSpPr>
+          <p:cNvPr id="2" name="Title 1"/>
+          <p:cNvSpPr>
+            <a:spLocks noGrp="1"/>
+          </p:cNvSpPr>
+          <p:nvPr>
+            <p:ph type="title"/>
+          </p:nvPr>
+        </p:nvSpPr>
+        <p:spPr>
+          <a:xfrm>
+            <a:off x="167425" y="208019"/>
+            <a:ext cx="9484164" cy="732139"/>
+          </a:xfrm>
+        </p:spPr>
+        <p:txBody>
+          <a:bodyPr/>
+          <a:lstStyle/>
+          <a:p>
+            <a:r>
+              <a:rPr lang="en-US" dirty="0" smtClean="0"/>
+              <a:t>Important Points</a:t>
+            </a:r>
+            <a:endParaRPr lang="en-US" dirty="0"/>
+          </a:p>
+        </p:txBody>
+      </p:sp>
+      <p:sp>
+        <p:nvSpPr>
+          <p:cNvPr id="3" name="Content Placeholder 2"/>
+          <p:cNvSpPr>
+            <a:spLocks noGrp="1"/>
+          </p:cNvSpPr>
+          <p:nvPr>
+            <p:ph idx="1"/>
+          </p:nvPr>
+        </p:nvSpPr>
+        <p:spPr>
+          <a:xfrm>
+            <a:off x="270456" y="1120462"/>
+            <a:ext cx="11462198" cy="5628068"/>
+          </a:xfrm>
+        </p:spPr>
+        <p:txBody>
+          <a:bodyPr/>
+          <a:lstStyle/>
+          <a:p>
+            <a:r>
+              <a:rPr lang="en-US" dirty="0" smtClean="0"/>
+              <a:t>Curly braces are optional and without curly braces we can take only one statement which should be not declarative</a:t>
+            </a:r>
+          </a:p>
+          <a:p>
+            <a:pPr marL="0" indent="0">
+              <a:buNone/>
+            </a:pPr>
+            <a:r>
+              <a:rPr lang="en-US" b="1" dirty="0" smtClean="0"/>
+              <a:t>Initialization section:</a:t>
+            </a:r>
+          </a:p>
+          <a:p>
+            <a:r>
+              <a:rPr lang="en-US" dirty="0" smtClean="0"/>
+              <a:t>This section will be executed once</a:t>
+            </a:r>
+          </a:p>
+          <a:p>
+            <a:r>
+              <a:rPr lang="en-US" dirty="0" smtClean="0"/>
+              <a:t>Here usually we can declare loop variables and we will perform initialization </a:t>
+            </a:r>
+          </a:p>
+          <a:p>
+            <a:r>
+              <a:rPr lang="en-US" dirty="0" smtClean="0"/>
+              <a:t>We can declare multiple variables but should be same type and we can’t declare different type of variables</a:t>
+            </a:r>
+          </a:p>
+          <a:p>
+            <a:r>
+              <a:rPr lang="en-US" dirty="0" smtClean="0"/>
+              <a:t>In Initialization section we can take any valid java expression including </a:t>
+            </a:r>
+            <a:r>
+              <a:rPr lang="en-US" dirty="0" err="1" smtClean="0"/>
+              <a:t>s.o.p</a:t>
+            </a:r>
+            <a:endParaRPr lang="en-US" dirty="0" smtClean="0"/>
+          </a:p>
+          <a:p>
+            <a:pPr marL="0" indent="0">
+              <a:buNone/>
+            </a:pPr>
+            <a:r>
+              <a:rPr lang="en-US" b="1" dirty="0" smtClean="0"/>
+              <a:t>Conditional check:</a:t>
+            </a:r>
+          </a:p>
+          <a:p>
+            <a:r>
+              <a:rPr lang="en-US" dirty="0" smtClean="0"/>
+              <a:t>We can take any java expression but should be of Boolean type</a:t>
+            </a:r>
+          </a:p>
+          <a:p>
+            <a:r>
+              <a:rPr lang="en-US" dirty="0" smtClean="0"/>
+              <a:t>Conditional expression is optional and if we are not taking any expression compiler will place true</a:t>
+            </a:r>
+          </a:p>
+          <a:p>
+            <a:endParaRPr lang="en-US" dirty="0" smtClean="0"/>
+          </a:p>
+          <a:p>
+            <a:pPr marL="0" indent="0">
+              <a:buNone/>
+            </a:pPr>
+            <a:endParaRPr lang="en-US" dirty="0"/>
+          </a:p>
+        </p:txBody>
+      </p:sp>
+    </p:spTree>
+    <p:extLst>
+      <p:ext uri="{BB962C8B-B14F-4D97-AF65-F5344CB8AC3E}">
+        <p14:creationId xmlns:p14="http://schemas.microsoft.com/office/powerpoint/2010/main" val="4185193772"/>
+      </p:ext>
+    </p:extLst>
+  </p:cSld>
+  <p:clrMapOvr>
+    <a:masterClrMapping/>
+  </p:clrMapOvr>
+</p:sld>
+</file>
+
+<file path=ppt/slides/slide63.xml><?xml version="1.0" encoding="utf-8"?>
+<p:sld xmlns:a="http://schemas.openxmlformats.org/drawingml/2006/main" xmlns:r="http://schemas.openxmlformats.org/officeDocument/2006/relationships" xmlns:p="http://schemas.openxmlformats.org/presentationml/2006/main">
+  <p:cSld>
+    <p:spTree>
+      <p:nvGrpSpPr>
+        <p:cNvPr id="1" name=""/>
+        <p:cNvGrpSpPr/>
+        <p:nvPr/>
+      </p:nvGrpSpPr>
+      <p:grpSpPr>
+        <a:xfrm>
+          <a:off x="0" y="0"/>
+          <a:ext cx="0" cy="0"/>
+          <a:chOff x="0" y="0"/>
+          <a:chExt cx="0" cy="0"/>
+        </a:xfrm>
+      </p:grpSpPr>
+      <p:sp>
+        <p:nvSpPr>
+          <p:cNvPr id="2" name="TextBox 1"/>
+          <p:cNvSpPr txBox="1"/>
+          <p:nvPr/>
+        </p:nvSpPr>
+        <p:spPr>
+          <a:xfrm>
+            <a:off x="141668" y="386367"/>
+            <a:ext cx="10869768" cy="5909310"/>
+          </a:xfrm>
+          <a:prstGeom prst="rect">
+            <a:avLst/>
+          </a:prstGeom>
+          <a:noFill/>
+        </p:spPr>
+        <p:txBody>
+          <a:bodyPr wrap="square" rtlCol="0">
+            <a:spAutoFit/>
+          </a:bodyPr>
+          <a:lstStyle/>
+          <a:p>
+            <a:r>
+              <a:rPr lang="en-US" b="1" dirty="0" smtClean="0"/>
+              <a:t>Increment and decrement section:</a:t>
+            </a:r>
+          </a:p>
+          <a:p>
+            <a:pPr marL="285750" indent="-285750">
+              <a:buFont typeface="Arial" panose="020B0604020202020204" pitchFamily="34" charset="0"/>
+              <a:buChar char="•"/>
+            </a:pPr>
+            <a:r>
+              <a:rPr lang="en-US" dirty="0" smtClean="0"/>
+              <a:t>Here we can take any java statement including </a:t>
+            </a:r>
+            <a:r>
+              <a:rPr lang="en-US" dirty="0" err="1" smtClean="0"/>
+              <a:t>s.o.p</a:t>
+            </a:r>
+            <a:r>
+              <a:rPr lang="en-US" dirty="0" smtClean="0"/>
+              <a:t> also</a:t>
+            </a:r>
+          </a:p>
+          <a:p>
+            <a:pPr marL="285750" indent="-285750">
+              <a:buFont typeface="Arial" panose="020B0604020202020204" pitchFamily="34" charset="0"/>
+              <a:buChar char="•"/>
+            </a:pPr>
+            <a:r>
+              <a:rPr lang="en-US" dirty="0" smtClean="0"/>
+              <a:t>All there parts of loop are independent and all </a:t>
+            </a:r>
+            <a:r>
+              <a:rPr lang="en-US" dirty="0" err="1" smtClean="0"/>
+              <a:t>optionals</a:t>
+            </a:r>
+            <a:r>
+              <a:rPr lang="en-US" dirty="0" smtClean="0"/>
+              <a:t> </a:t>
+            </a:r>
+          </a:p>
+          <a:p>
+            <a:endParaRPr lang="en-US" dirty="0"/>
+          </a:p>
+          <a:p>
+            <a:r>
+              <a:rPr lang="en-US" b="1" dirty="0" err="1" smtClean="0"/>
+              <a:t>Foreach</a:t>
+            </a:r>
+            <a:r>
+              <a:rPr lang="en-US" b="1" dirty="0" smtClean="0"/>
+              <a:t> loop:</a:t>
+            </a:r>
+          </a:p>
+          <a:p>
+            <a:pPr marL="285750" indent="-285750">
+              <a:buFont typeface="Wingdings" panose="05000000000000000000" pitchFamily="2" charset="2"/>
+              <a:buChar char="Ø"/>
+            </a:pPr>
+            <a:r>
+              <a:rPr lang="en-US" dirty="0" smtClean="0"/>
+              <a:t>Best Suitable to retrieve the elements of arrays and collections</a:t>
+            </a:r>
+          </a:p>
+          <a:p>
+            <a:r>
+              <a:rPr lang="en-US" dirty="0" smtClean="0"/>
+              <a:t>EX: </a:t>
+            </a:r>
+          </a:p>
+          <a:p>
+            <a:r>
+              <a:rPr lang="en-US" dirty="0" smtClean="0"/>
+              <a:t>Class test{</a:t>
+            </a:r>
+          </a:p>
+          <a:p>
+            <a:r>
+              <a:rPr lang="en-US" dirty="0" smtClean="0"/>
+              <a:t>Public static void main(String[] </a:t>
+            </a:r>
+            <a:r>
+              <a:rPr lang="en-US" dirty="0" err="1" smtClean="0"/>
+              <a:t>args</a:t>
+            </a:r>
+            <a:r>
+              <a:rPr lang="en-US" dirty="0" smtClean="0"/>
+              <a:t>){</a:t>
+            </a:r>
+          </a:p>
+          <a:p>
+            <a:r>
+              <a:rPr lang="en-US" dirty="0" err="1" smtClean="0"/>
+              <a:t>Int</a:t>
+            </a:r>
+            <a:r>
+              <a:rPr lang="en-US" dirty="0" smtClean="0"/>
+              <a:t>[] x={10,20,30,40};</a:t>
+            </a:r>
+          </a:p>
+          <a:p>
+            <a:r>
+              <a:rPr lang="en-US" dirty="0" smtClean="0"/>
+              <a:t>For(</a:t>
+            </a:r>
+            <a:r>
+              <a:rPr lang="en-US" dirty="0" err="1" smtClean="0"/>
+              <a:t>int</a:t>
+            </a:r>
+            <a:r>
+              <a:rPr lang="en-US" dirty="0" smtClean="0"/>
+              <a:t> x1:x){</a:t>
+            </a:r>
+          </a:p>
+          <a:p>
+            <a:r>
+              <a:rPr lang="en-US" dirty="0" err="1" smtClean="0"/>
+              <a:t>System.out.println</a:t>
+            </a:r>
+            <a:r>
+              <a:rPr lang="en-US" dirty="0" smtClean="0"/>
+              <a:t>(x1);</a:t>
+            </a:r>
+          </a:p>
+          <a:p>
+            <a:r>
+              <a:rPr lang="en-US" dirty="0" smtClean="0"/>
+              <a:t>}</a:t>
+            </a:r>
+          </a:p>
+          <a:p>
+            <a:r>
+              <a:rPr lang="en-US" dirty="0" smtClean="0"/>
+              <a:t>}</a:t>
+            </a:r>
+          </a:p>
+          <a:p>
+            <a:r>
+              <a:rPr lang="en-US" dirty="0" smtClean="0"/>
+              <a:t>}</a:t>
+            </a:r>
+          </a:p>
+          <a:p>
+            <a:endParaRPr lang="en-US" dirty="0"/>
+          </a:p>
+          <a:p>
+            <a:pPr marL="285750" indent="-285750">
+              <a:buFont typeface="Wingdings" panose="05000000000000000000" pitchFamily="2" charset="2"/>
+              <a:buChar char="Ø"/>
+            </a:pPr>
+            <a:r>
+              <a:rPr lang="en-US" dirty="0" smtClean="0"/>
+              <a:t>It’s main limitation is it is not used for general purpose</a:t>
+            </a:r>
+          </a:p>
+          <a:p>
+            <a:pPr marL="285750" indent="-285750">
+              <a:buFont typeface="Wingdings" panose="05000000000000000000" pitchFamily="2" charset="2"/>
+              <a:buChar char="Ø"/>
+            </a:pPr>
+            <a:r>
+              <a:rPr lang="en-US" dirty="0" smtClean="0"/>
+              <a:t>By using normal for loop we can print elements from left to right or from right to left. But using </a:t>
+            </a:r>
+            <a:r>
+              <a:rPr lang="en-US" dirty="0" err="1" smtClean="0"/>
+              <a:t>foreach</a:t>
+            </a:r>
+            <a:r>
+              <a:rPr lang="en-US" dirty="0" smtClean="0"/>
+              <a:t> loop we can always print array elements only from left to right </a:t>
+            </a:r>
+          </a:p>
+          <a:p>
+            <a:pPr marL="285750" indent="-285750">
+              <a:buFont typeface="Wingdings" panose="05000000000000000000" pitchFamily="2" charset="2"/>
+              <a:buChar char="Ø"/>
+            </a:pPr>
+            <a:endParaRPr lang="en-US" dirty="0" smtClean="0"/>
+          </a:p>
+          <a:p>
+            <a:endParaRPr lang="en-US" dirty="0"/>
+          </a:p>
+        </p:txBody>
+      </p:sp>
+    </p:spTree>
+    <p:extLst>
+      <p:ext uri="{BB962C8B-B14F-4D97-AF65-F5344CB8AC3E}">
+        <p14:creationId xmlns:p14="http://schemas.microsoft.com/office/powerpoint/2010/main" val="409489609"/>
+      </p:ext>
+    </p:extLst>
+  </p:cSld>
+  <p:clrMapOvr>
+    <a:masterClrMapping/>
+  </p:clrMapOvr>
+</p:sld>
+</file>
+
+<file path=ppt/slides/slide64.xml><?xml version="1.0" encoding="utf-8"?>
+<p:sld xmlns:a="http://schemas.openxmlformats.org/drawingml/2006/main" xmlns:r="http://schemas.openxmlformats.org/officeDocument/2006/relationships" xmlns:p="http://schemas.openxmlformats.org/presentationml/2006/main">
+  <p:cSld>
+    <p:spTree>
+      <p:nvGrpSpPr>
+        <p:cNvPr id="1" name=""/>
+        <p:cNvGrpSpPr/>
+        <p:nvPr/>
+      </p:nvGrpSpPr>
+      <p:grpSpPr>
+        <a:xfrm>
+          <a:off x="0" y="0"/>
+          <a:ext cx="0" cy="0"/>
+          <a:chOff x="0" y="0"/>
+          <a:chExt cx="0" cy="0"/>
+        </a:xfrm>
+      </p:grpSpPr>
+      <p:sp>
+        <p:nvSpPr>
+          <p:cNvPr id="2" name="Title 1"/>
+          <p:cNvSpPr>
+            <a:spLocks noGrp="1"/>
+          </p:cNvSpPr>
+          <p:nvPr>
+            <p:ph type="title"/>
+          </p:nvPr>
+        </p:nvSpPr>
+        <p:spPr>
+          <a:xfrm>
+            <a:off x="231820" y="231819"/>
+            <a:ext cx="9703104" cy="721217"/>
+          </a:xfrm>
+        </p:spPr>
+        <p:txBody>
+          <a:bodyPr/>
+          <a:lstStyle/>
+          <a:p>
+            <a:r>
+              <a:rPr lang="en-US" dirty="0" smtClean="0"/>
+              <a:t>Transfer Statements</a:t>
+            </a:r>
+            <a:endParaRPr lang="en-US" dirty="0"/>
+          </a:p>
+        </p:txBody>
+      </p:sp>
+      <p:sp>
+        <p:nvSpPr>
+          <p:cNvPr id="3" name="Content Placeholder 2"/>
+          <p:cNvSpPr>
+            <a:spLocks noGrp="1"/>
+          </p:cNvSpPr>
+          <p:nvPr>
+            <p:ph idx="1"/>
+          </p:nvPr>
+        </p:nvSpPr>
+        <p:spPr>
+          <a:xfrm>
+            <a:off x="231820" y="1219200"/>
+            <a:ext cx="11735591" cy="5258873"/>
+          </a:xfrm>
+        </p:spPr>
+        <p:txBody>
+          <a:bodyPr/>
+          <a:lstStyle/>
+          <a:p>
+            <a:pPr marL="0" indent="0">
+              <a:buNone/>
+            </a:pPr>
+            <a:r>
+              <a:rPr lang="en-US" b="1" dirty="0" smtClean="0"/>
+              <a:t>Break:</a:t>
+            </a:r>
+          </a:p>
+          <a:p>
+            <a:pPr marL="0" indent="0">
+              <a:buNone/>
+            </a:pPr>
+            <a:r>
+              <a:rPr lang="en-US" dirty="0" smtClean="0"/>
+              <a:t> We can use break statement in following places:</a:t>
+            </a:r>
+          </a:p>
+          <a:p>
+            <a:r>
+              <a:rPr lang="en-US" dirty="0" smtClean="0"/>
+              <a:t>Inside switch to stop fall through</a:t>
+            </a:r>
+          </a:p>
+          <a:p>
+            <a:r>
+              <a:rPr lang="en-US" dirty="0" smtClean="0"/>
+              <a:t>Inside loop to break loop based on some conditions</a:t>
+            </a:r>
+          </a:p>
+          <a:p>
+            <a:r>
+              <a:rPr lang="en-US" dirty="0" smtClean="0"/>
+              <a:t>Inside label block to break execution based on some condition</a:t>
+            </a:r>
+          </a:p>
+          <a:p>
+            <a:r>
+              <a:rPr lang="en-US" dirty="0" smtClean="0"/>
+              <a:t>There are only places where we can use break statement . If we are using anywhere else we will get compile time error</a:t>
+            </a:r>
+          </a:p>
+          <a:p>
+            <a:pPr marL="0" indent="0">
+              <a:buNone/>
+            </a:pPr>
+            <a:r>
+              <a:rPr lang="en-US" dirty="0" smtClean="0"/>
+              <a:t>Continue:</a:t>
+            </a:r>
+          </a:p>
+          <a:p>
+            <a:r>
+              <a:rPr lang="en-US" dirty="0" smtClean="0"/>
+              <a:t>We can use continue statement to skip current iteration and continue for the next iteration</a:t>
+            </a:r>
+          </a:p>
+          <a:p>
+            <a:r>
+              <a:rPr lang="en-US" dirty="0" smtClean="0"/>
+              <a:t>We can use continue only inside loops, if we are using anywhere else we will get compile time error saying “Continue outside loop”</a:t>
+            </a:r>
+            <a:endParaRPr lang="en-US" dirty="0"/>
+          </a:p>
+        </p:txBody>
+      </p:sp>
+    </p:spTree>
+    <p:extLst>
+      <p:ext uri="{BB962C8B-B14F-4D97-AF65-F5344CB8AC3E}">
+        <p14:creationId xmlns:p14="http://schemas.microsoft.com/office/powerpoint/2010/main" val="4282832016"/>
+      </p:ext>
+    </p:extLst>
+  </p:cSld>
+  <p:clrMapOvr>
+    <a:masterClrMapping/>
+  </p:clrMapOvr>
+</p:sld>
+</file>
+
+<file path=ppt/slides/slide65.xml><?xml version="1.0" encoding="utf-8"?>
+<p:sld xmlns:a="http://schemas.openxmlformats.org/drawingml/2006/main" xmlns:r="http://schemas.openxmlformats.org/officeDocument/2006/relationships" xmlns:p="http://schemas.openxmlformats.org/presentationml/2006/main">
+  <p:cSld>
+    <p:spTree>
+      <p:nvGrpSpPr>
+        <p:cNvPr id="1" name=""/>
+        <p:cNvGrpSpPr/>
+        <p:nvPr/>
+      </p:nvGrpSpPr>
+      <p:grpSpPr>
+        <a:xfrm>
+          <a:off x="0" y="0"/>
+          <a:ext cx="0" cy="0"/>
+          <a:chOff x="0" y="0"/>
+          <a:chExt cx="0" cy="0"/>
+        </a:xfrm>
+      </p:grpSpPr>
+      <p:sp>
+        <p:nvSpPr>
+          <p:cNvPr id="2" name="Title 1"/>
+          <p:cNvSpPr>
+            <a:spLocks noGrp="1"/>
+          </p:cNvSpPr>
+          <p:nvPr>
+            <p:ph type="title"/>
+          </p:nvPr>
+        </p:nvSpPr>
+        <p:spPr>
+          <a:xfrm>
+            <a:off x="206062" y="218941"/>
+            <a:ext cx="9419770" cy="965916"/>
+          </a:xfrm>
+        </p:spPr>
+        <p:txBody>
+          <a:bodyPr/>
+          <a:lstStyle/>
+          <a:p>
+            <a:r>
+              <a:rPr lang="en-US" dirty="0" smtClean="0"/>
+              <a:t>Session 9</a:t>
+            </a:r>
+            <a:endParaRPr lang="en-US" dirty="0"/>
+          </a:p>
+        </p:txBody>
+      </p:sp>
+      <p:sp>
+        <p:nvSpPr>
+          <p:cNvPr id="3" name="Content Placeholder 2"/>
+          <p:cNvSpPr>
+            <a:spLocks noGrp="1"/>
+          </p:cNvSpPr>
+          <p:nvPr>
+            <p:ph idx="1"/>
+          </p:nvPr>
+        </p:nvSpPr>
+        <p:spPr>
+          <a:xfrm>
+            <a:off x="296214" y="1184858"/>
+            <a:ext cx="11307651" cy="5331852"/>
+          </a:xfrm>
+        </p:spPr>
+        <p:txBody>
+          <a:bodyPr/>
+          <a:lstStyle/>
+          <a:p>
+            <a:r>
+              <a:rPr lang="en-US" dirty="0" smtClean="0"/>
+              <a:t>Member Modifiers</a:t>
+            </a:r>
+          </a:p>
+          <a:p>
+            <a:pPr marL="0" indent="0">
+              <a:buNone/>
+            </a:pPr>
+            <a:r>
+              <a:rPr lang="en-US" dirty="0" smtClean="0"/>
+              <a:t>Public, private, protected and Default</a:t>
+            </a:r>
+          </a:p>
+          <a:p>
+            <a:pPr marL="0" indent="0">
+              <a:buNone/>
+            </a:pPr>
+            <a:endParaRPr lang="en-US" dirty="0"/>
+          </a:p>
+        </p:txBody>
+      </p:sp>
+    </p:spTree>
+    <p:extLst>
+      <p:ext uri="{BB962C8B-B14F-4D97-AF65-F5344CB8AC3E}">
+        <p14:creationId xmlns:p14="http://schemas.microsoft.com/office/powerpoint/2010/main" val="2427625095"/>
+      </p:ext>
+    </p:extLst>
+  </p:cSld>
+  <p:clrMapOvr>
+    <a:masterClrMapping/>
+  </p:clrMapOvr>
+</p:sld>
+</file>
+
+<file path=ppt/slides/slide66.xml><?xml version="1.0" encoding="utf-8"?>
+<p:sld xmlns:a="http://schemas.openxmlformats.org/drawingml/2006/main" xmlns:r="http://schemas.openxmlformats.org/officeDocument/2006/relationships" xmlns:p="http://schemas.openxmlformats.org/presentationml/2006/main">
+  <p:cSld>
+    <p:spTree>
+      <p:nvGrpSpPr>
+        <p:cNvPr id="1" name=""/>
+        <p:cNvGrpSpPr/>
+        <p:nvPr/>
+      </p:nvGrpSpPr>
+      <p:grpSpPr>
+        <a:xfrm>
+          <a:off x="0" y="0"/>
+          <a:ext cx="0" cy="0"/>
+          <a:chOff x="0" y="0"/>
+          <a:chExt cx="0" cy="0"/>
+        </a:xfrm>
+      </p:grpSpPr>
+      <p:sp>
+        <p:nvSpPr>
+          <p:cNvPr id="2" name="Title 1"/>
+          <p:cNvSpPr>
+            <a:spLocks noGrp="1"/>
+          </p:cNvSpPr>
+          <p:nvPr>
+            <p:ph type="title"/>
+          </p:nvPr>
+        </p:nvSpPr>
+        <p:spPr>
+          <a:xfrm>
+            <a:off x="0" y="244698"/>
+            <a:ext cx="9497042" cy="631065"/>
+          </a:xfrm>
+        </p:spPr>
+        <p:txBody>
+          <a:bodyPr/>
+          <a:lstStyle/>
+          <a:p>
+            <a:r>
+              <a:rPr lang="en-US" dirty="0" smtClean="0"/>
+              <a:t>Public member</a:t>
+            </a:r>
+            <a:endParaRPr lang="en-US" dirty="0"/>
+          </a:p>
+        </p:txBody>
+      </p:sp>
+      <p:sp>
+        <p:nvSpPr>
+          <p:cNvPr id="3" name="Content Placeholder 2"/>
+          <p:cNvSpPr>
+            <a:spLocks noGrp="1"/>
+          </p:cNvSpPr>
+          <p:nvPr>
+            <p:ph idx="1"/>
+          </p:nvPr>
+        </p:nvSpPr>
+        <p:spPr>
+          <a:xfrm>
+            <a:off x="167425" y="1120462"/>
+            <a:ext cx="11681137" cy="5589431"/>
+          </a:xfrm>
+        </p:spPr>
+        <p:txBody>
+          <a:bodyPr>
+            <a:normAutofit fontScale="92500" lnSpcReduction="20000"/>
+          </a:bodyPr>
+          <a:lstStyle/>
+          <a:p>
+            <a:r>
+              <a:rPr lang="en-US" dirty="0" smtClean="0"/>
+              <a:t>If a member declared as the public then we can access that member from anywhere “but corresponding class must be visible” hence before checking member visibility we have to check class visibility</a:t>
+            </a:r>
+          </a:p>
+          <a:p>
+            <a:pPr marL="0" indent="0">
+              <a:buNone/>
+            </a:pPr>
+            <a:r>
+              <a:rPr lang="en-US" dirty="0" err="1" smtClean="0"/>
+              <a:t>Eg</a:t>
+            </a:r>
+            <a:r>
+              <a:rPr lang="en-US" dirty="0" smtClean="0"/>
+              <a:t>:</a:t>
+            </a:r>
+          </a:p>
+          <a:p>
+            <a:pPr marL="0" indent="0">
+              <a:buNone/>
+            </a:pPr>
+            <a:r>
+              <a:rPr lang="en-US" sz="1600" dirty="0"/>
+              <a:t>//save by A.java </a:t>
+            </a:r>
+            <a:endParaRPr lang="en-US" sz="1600" dirty="0" smtClean="0"/>
+          </a:p>
+          <a:p>
+            <a:pPr marL="0" indent="0">
+              <a:buNone/>
+            </a:pPr>
+            <a:r>
+              <a:rPr lang="en-US" sz="1600" dirty="0" smtClean="0"/>
+              <a:t>package </a:t>
+            </a:r>
+            <a:r>
+              <a:rPr lang="en-US" sz="1600" dirty="0"/>
+              <a:t>pack;  </a:t>
+            </a:r>
+          </a:p>
+          <a:p>
+            <a:pPr marL="0" indent="0">
+              <a:buNone/>
+            </a:pPr>
+            <a:r>
+              <a:rPr lang="en-US" sz="1600" dirty="0"/>
+              <a:t>public class A{  </a:t>
+            </a:r>
+          </a:p>
+          <a:p>
+            <a:pPr marL="0" indent="0">
+              <a:buNone/>
+            </a:pPr>
+            <a:r>
+              <a:rPr lang="en-US" sz="1600" dirty="0"/>
+              <a:t>public void </a:t>
+            </a:r>
+            <a:r>
+              <a:rPr lang="en-US" sz="1600" dirty="0" err="1"/>
+              <a:t>msg</a:t>
+            </a:r>
+            <a:r>
+              <a:rPr lang="en-US" sz="1600" dirty="0"/>
+              <a:t>(){</a:t>
+            </a:r>
+            <a:r>
+              <a:rPr lang="en-US" sz="1600" dirty="0" err="1"/>
+              <a:t>System.out.println</a:t>
+            </a:r>
+            <a:r>
+              <a:rPr lang="en-US" sz="1600" dirty="0"/>
+              <a:t>("Hello");}  </a:t>
+            </a:r>
+          </a:p>
+          <a:p>
+            <a:pPr marL="0" indent="0">
+              <a:buNone/>
+            </a:pPr>
+            <a:r>
+              <a:rPr lang="en-US" sz="1600" dirty="0"/>
+              <a:t>} </a:t>
+            </a:r>
+            <a:endParaRPr lang="en-US" sz="1600" dirty="0" smtClean="0"/>
+          </a:p>
+          <a:p>
+            <a:pPr marL="0" indent="0">
+              <a:buNone/>
+            </a:pPr>
+            <a:r>
+              <a:rPr lang="en-US" sz="1600" dirty="0"/>
+              <a:t>//save by B.java   </a:t>
+            </a:r>
+          </a:p>
+          <a:p>
+            <a:pPr marL="0" indent="0">
+              <a:buNone/>
+            </a:pPr>
+            <a:r>
+              <a:rPr lang="en-US" sz="1600" dirty="0"/>
+              <a:t>package </a:t>
+            </a:r>
+            <a:r>
+              <a:rPr lang="en-US" sz="1600" dirty="0" err="1"/>
+              <a:t>mypack</a:t>
+            </a:r>
+            <a:r>
+              <a:rPr lang="en-US" sz="1600" dirty="0"/>
+              <a:t>;  </a:t>
+            </a:r>
+          </a:p>
+          <a:p>
+            <a:pPr marL="0" indent="0">
+              <a:buNone/>
+            </a:pPr>
+            <a:r>
+              <a:rPr lang="en-US" sz="1600" dirty="0"/>
+              <a:t>import pack.*;    </a:t>
+            </a:r>
+          </a:p>
+          <a:p>
+            <a:pPr marL="0" indent="0">
+              <a:buNone/>
+            </a:pPr>
+            <a:r>
+              <a:rPr lang="en-US" sz="1600" dirty="0"/>
+              <a:t>class B{  </a:t>
+            </a:r>
+          </a:p>
+          <a:p>
+            <a:pPr marL="0" indent="0">
+              <a:buNone/>
+            </a:pPr>
+            <a:r>
+              <a:rPr lang="en-US" sz="1600" dirty="0"/>
+              <a:t>  public static void main(String </a:t>
+            </a:r>
+            <a:r>
+              <a:rPr lang="en-US" sz="1600" dirty="0" err="1"/>
+              <a:t>args</a:t>
+            </a:r>
+            <a:r>
+              <a:rPr lang="en-US" sz="1600" dirty="0"/>
+              <a:t>[]){  </a:t>
+            </a:r>
+          </a:p>
+          <a:p>
+            <a:pPr marL="0" indent="0">
+              <a:buNone/>
+            </a:pPr>
+            <a:r>
+              <a:rPr lang="en-US" sz="1600" dirty="0"/>
+              <a:t>   A </a:t>
+            </a:r>
+            <a:r>
+              <a:rPr lang="en-US" sz="1600" dirty="0" err="1"/>
+              <a:t>obj</a:t>
+            </a:r>
+            <a:r>
+              <a:rPr lang="en-US" sz="1600" dirty="0"/>
+              <a:t> = new A();  </a:t>
+            </a:r>
+          </a:p>
+          <a:p>
+            <a:pPr marL="0" indent="0">
+              <a:buNone/>
+            </a:pPr>
+            <a:r>
+              <a:rPr lang="en-US" sz="1600" dirty="0"/>
+              <a:t>   obj.msg();  </a:t>
+            </a:r>
+          </a:p>
+          <a:p>
+            <a:pPr marL="0" indent="0">
+              <a:buNone/>
+            </a:pPr>
+            <a:r>
+              <a:rPr lang="en-US" sz="1600" dirty="0"/>
+              <a:t>  }  </a:t>
+            </a:r>
+          </a:p>
+          <a:p>
+            <a:pPr marL="0" indent="0">
+              <a:buNone/>
+            </a:pPr>
+            <a:r>
+              <a:rPr lang="en-US" sz="1600" dirty="0"/>
+              <a:t>} </a:t>
+            </a:r>
+            <a:endParaRPr lang="en-US" sz="1600" dirty="0" smtClean="0"/>
+          </a:p>
+          <a:p>
+            <a:pPr marL="0" indent="0">
+              <a:buNone/>
+            </a:pPr>
+            <a:endParaRPr lang="en-US" dirty="0"/>
+          </a:p>
+        </p:txBody>
+      </p:sp>
+    </p:spTree>
+    <p:extLst>
+      <p:ext uri="{BB962C8B-B14F-4D97-AF65-F5344CB8AC3E}">
+        <p14:creationId xmlns:p14="http://schemas.microsoft.com/office/powerpoint/2010/main" val="1859616669"/>
+      </p:ext>
+    </p:extLst>
+  </p:cSld>
+  <p:clrMapOvr>
+    <a:masterClrMapping/>
+  </p:clrMapOvr>
+</p:sld>
+</file>
+
+<file path=ppt/slides/slide67.xml><?xml version="1.0" encoding="utf-8"?>
+<p:sld xmlns:a="http://schemas.openxmlformats.org/drawingml/2006/main" xmlns:r="http://schemas.openxmlformats.org/officeDocument/2006/relationships" xmlns:p="http://schemas.openxmlformats.org/presentationml/2006/main">
+  <p:cSld>
+    <p:spTree>
+      <p:nvGrpSpPr>
+        <p:cNvPr id="1" name=""/>
+        <p:cNvGrpSpPr/>
+        <p:nvPr/>
+      </p:nvGrpSpPr>
+      <p:grpSpPr>
+        <a:xfrm>
+          <a:off x="0" y="0"/>
+          <a:ext cx="0" cy="0"/>
+          <a:chOff x="0" y="0"/>
+          <a:chExt cx="0" cy="0"/>
+        </a:xfrm>
+      </p:grpSpPr>
+      <p:sp>
+        <p:nvSpPr>
+          <p:cNvPr id="2" name="Title 1"/>
+          <p:cNvSpPr>
+            <a:spLocks noGrp="1"/>
+          </p:cNvSpPr>
+          <p:nvPr>
+            <p:ph type="title"/>
+          </p:nvPr>
+        </p:nvSpPr>
+        <p:spPr>
+          <a:xfrm>
+            <a:off x="180304" y="115909"/>
+            <a:ext cx="9561437" cy="914400"/>
+          </a:xfrm>
+        </p:spPr>
+        <p:txBody>
+          <a:bodyPr/>
+          <a:lstStyle/>
+          <a:p>
+            <a:r>
+              <a:rPr lang="en-US" dirty="0" smtClean="0"/>
+              <a:t>Default Member</a:t>
+            </a:r>
+            <a:endParaRPr lang="en-US" dirty="0"/>
+          </a:p>
+        </p:txBody>
+      </p:sp>
+      <p:sp>
+        <p:nvSpPr>
+          <p:cNvPr id="3" name="Content Placeholder 2"/>
+          <p:cNvSpPr>
+            <a:spLocks noGrp="1"/>
+          </p:cNvSpPr>
+          <p:nvPr>
+            <p:ph idx="1"/>
+          </p:nvPr>
+        </p:nvSpPr>
+        <p:spPr>
+          <a:xfrm>
+            <a:off x="180304" y="1030309"/>
+            <a:ext cx="11590986" cy="5615189"/>
+          </a:xfrm>
+        </p:spPr>
+        <p:txBody>
+          <a:bodyPr/>
+          <a:lstStyle/>
+          <a:p>
+            <a:r>
+              <a:rPr lang="en-US" dirty="0" smtClean="0"/>
+              <a:t>If a member declared as the default then we can access that member only within the current package hence default member is also known as package level access</a:t>
+            </a:r>
+          </a:p>
+          <a:p>
+            <a:pPr marL="0" indent="0">
+              <a:buNone/>
+            </a:pPr>
+            <a:r>
+              <a:rPr lang="en-US" dirty="0" err="1" smtClean="0"/>
+              <a:t>Eg</a:t>
+            </a:r>
+            <a:r>
+              <a:rPr lang="en-US" dirty="0" smtClean="0"/>
+              <a:t>:</a:t>
+            </a:r>
+          </a:p>
+          <a:p>
+            <a:pPr marL="0" indent="0">
+              <a:buNone/>
+            </a:pPr>
+            <a:r>
+              <a:rPr lang="en-US" sz="1400" dirty="0"/>
+              <a:t>//save by A.java  </a:t>
+            </a:r>
+          </a:p>
+          <a:p>
+            <a:pPr marL="0" indent="0">
+              <a:buNone/>
+            </a:pPr>
+            <a:r>
+              <a:rPr lang="en-US" sz="1400" dirty="0"/>
+              <a:t>package pack;  </a:t>
+            </a:r>
+          </a:p>
+          <a:p>
+            <a:pPr marL="0" indent="0">
+              <a:buNone/>
+            </a:pPr>
+            <a:r>
+              <a:rPr lang="en-US" sz="1400" dirty="0"/>
+              <a:t>class A{  </a:t>
+            </a:r>
+          </a:p>
+          <a:p>
+            <a:pPr marL="0" indent="0">
+              <a:buNone/>
+            </a:pPr>
+            <a:r>
+              <a:rPr lang="en-US" sz="1400" dirty="0"/>
+              <a:t>  void </a:t>
+            </a:r>
+            <a:r>
+              <a:rPr lang="en-US" sz="1400" dirty="0" err="1"/>
+              <a:t>msg</a:t>
+            </a:r>
+            <a:r>
+              <a:rPr lang="en-US" sz="1400" dirty="0"/>
+              <a:t>(){</a:t>
+            </a:r>
+            <a:r>
+              <a:rPr lang="en-US" sz="1400" dirty="0" err="1"/>
+              <a:t>System.out.println</a:t>
+            </a:r>
+            <a:r>
+              <a:rPr lang="en-US" sz="1400" dirty="0"/>
+              <a:t>("Hello");}  </a:t>
+            </a:r>
+          </a:p>
+          <a:p>
+            <a:pPr marL="0" indent="0">
+              <a:buNone/>
+            </a:pPr>
+            <a:r>
+              <a:rPr lang="en-US" sz="1400" dirty="0"/>
+              <a:t>} </a:t>
+            </a:r>
+            <a:endParaRPr lang="en-US" sz="1400" dirty="0" smtClean="0"/>
+          </a:p>
+          <a:p>
+            <a:pPr marL="0" indent="0">
+              <a:buNone/>
+            </a:pPr>
+            <a:endParaRPr lang="en-US" sz="1400" dirty="0"/>
+          </a:p>
+          <a:p>
+            <a:pPr marL="0" indent="0">
+              <a:buNone/>
+            </a:pPr>
+            <a:r>
+              <a:rPr lang="en-US" sz="1400" dirty="0"/>
+              <a:t>//save by </a:t>
+            </a:r>
+            <a:r>
+              <a:rPr lang="en-US" sz="1400" dirty="0" smtClean="0"/>
+              <a:t>B.java  </a:t>
+            </a:r>
+            <a:endParaRPr lang="en-US" sz="1400" dirty="0"/>
+          </a:p>
+          <a:p>
+            <a:pPr marL="0" indent="0">
+              <a:buNone/>
+            </a:pPr>
+            <a:r>
+              <a:rPr lang="en-US" sz="1400" dirty="0"/>
+              <a:t>package pack;  </a:t>
+            </a:r>
+          </a:p>
+          <a:p>
+            <a:pPr marL="0" indent="0">
+              <a:buNone/>
+            </a:pPr>
+            <a:r>
+              <a:rPr lang="en-US" sz="1400" dirty="0"/>
+              <a:t>class </a:t>
+            </a:r>
+            <a:r>
+              <a:rPr lang="en-US" sz="1400" dirty="0" smtClean="0"/>
+              <a:t>B{  </a:t>
+            </a:r>
+            <a:endParaRPr lang="en-US" sz="1400" dirty="0"/>
+          </a:p>
+          <a:p>
+            <a:pPr marL="0" indent="0">
+              <a:buNone/>
+            </a:pPr>
+            <a:r>
+              <a:rPr lang="en-US" sz="1400" dirty="0" smtClean="0"/>
+              <a:t>A </a:t>
+            </a:r>
+            <a:r>
+              <a:rPr lang="en-US" sz="1400" dirty="0" err="1" smtClean="0"/>
+              <a:t>a</a:t>
+            </a:r>
+            <a:r>
+              <a:rPr lang="en-US" sz="1400" dirty="0" smtClean="0"/>
+              <a:t> =new A();</a:t>
+            </a:r>
+          </a:p>
+          <a:p>
+            <a:pPr marL="0" indent="0">
+              <a:buNone/>
+            </a:pPr>
+            <a:r>
+              <a:rPr lang="en-US" sz="1400" dirty="0" smtClean="0"/>
+              <a:t>a.msg();</a:t>
+            </a:r>
+          </a:p>
+          <a:p>
+            <a:pPr marL="0" indent="0">
+              <a:buNone/>
+            </a:pPr>
+            <a:r>
+              <a:rPr lang="en-US" sz="1400" dirty="0" smtClean="0"/>
+              <a:t>} </a:t>
+            </a:r>
+            <a:endParaRPr lang="en-US" sz="1400" dirty="0"/>
+          </a:p>
+          <a:p>
+            <a:pPr marL="0" indent="0">
+              <a:buNone/>
+            </a:pPr>
+            <a:endParaRPr lang="en-US" sz="1400" dirty="0"/>
+          </a:p>
+        </p:txBody>
+      </p:sp>
+    </p:spTree>
+    <p:extLst>
+      <p:ext uri="{BB962C8B-B14F-4D97-AF65-F5344CB8AC3E}">
+        <p14:creationId xmlns:p14="http://schemas.microsoft.com/office/powerpoint/2010/main" val="223020729"/>
+      </p:ext>
+    </p:extLst>
+  </p:cSld>
+  <p:clrMapOvr>
+    <a:masterClrMapping/>
+  </p:clrMapOvr>
+</p:sld>
+</file>
+
+<file path=ppt/slides/slide68.xml><?xml version="1.0" encoding="utf-8"?>
+<p:sld xmlns:a="http://schemas.openxmlformats.org/drawingml/2006/main" xmlns:r="http://schemas.openxmlformats.org/officeDocument/2006/relationships" xmlns:p="http://schemas.openxmlformats.org/presentationml/2006/main">
+  <p:cSld>
+    <p:spTree>
+      <p:nvGrpSpPr>
+        <p:cNvPr id="1" name=""/>
+        <p:cNvGrpSpPr/>
+        <p:nvPr/>
+      </p:nvGrpSpPr>
+      <p:grpSpPr>
+        <a:xfrm>
+          <a:off x="0" y="0"/>
+          <a:ext cx="0" cy="0"/>
+          <a:chOff x="0" y="0"/>
+          <a:chExt cx="0" cy="0"/>
+        </a:xfrm>
+      </p:grpSpPr>
+      <p:sp>
+        <p:nvSpPr>
+          <p:cNvPr id="2" name="Title 1"/>
+          <p:cNvSpPr>
+            <a:spLocks noGrp="1"/>
+          </p:cNvSpPr>
+          <p:nvPr>
+            <p:ph type="title"/>
+          </p:nvPr>
+        </p:nvSpPr>
+        <p:spPr>
+          <a:xfrm>
+            <a:off x="193183" y="180305"/>
+            <a:ext cx="9587195" cy="888642"/>
+          </a:xfrm>
+        </p:spPr>
+        <p:txBody>
+          <a:bodyPr/>
+          <a:lstStyle/>
+          <a:p>
+            <a:r>
+              <a:rPr lang="en-US" dirty="0" smtClean="0"/>
+              <a:t>Private member</a:t>
+            </a:r>
+            <a:endParaRPr lang="en-US" dirty="0"/>
+          </a:p>
+        </p:txBody>
+      </p:sp>
+      <p:sp>
+        <p:nvSpPr>
+          <p:cNvPr id="3" name="Content Placeholder 2"/>
+          <p:cNvSpPr>
+            <a:spLocks noGrp="1"/>
+          </p:cNvSpPr>
+          <p:nvPr>
+            <p:ph idx="1"/>
+          </p:nvPr>
+        </p:nvSpPr>
+        <p:spPr>
+          <a:xfrm>
+            <a:off x="193184" y="965915"/>
+            <a:ext cx="11462196" cy="5679583"/>
+          </a:xfrm>
+        </p:spPr>
+        <p:txBody>
+          <a:bodyPr/>
+          <a:lstStyle/>
+          <a:p>
+            <a:r>
+              <a:rPr lang="en-US" dirty="0" smtClean="0"/>
+              <a:t>If a member is declared as the private then we can access that member only with in the current class</a:t>
+            </a:r>
+          </a:p>
+          <a:p>
+            <a:pPr marL="0" indent="0">
+              <a:buNone/>
+            </a:pPr>
+            <a:r>
+              <a:rPr lang="en-US" dirty="0" err="1" smtClean="0"/>
+              <a:t>Eg</a:t>
+            </a:r>
+            <a:r>
+              <a:rPr lang="en-US" dirty="0" smtClean="0"/>
+              <a:t>:</a:t>
+            </a:r>
+          </a:p>
+          <a:p>
+            <a:pPr marL="0" indent="0">
+              <a:buNone/>
+            </a:pPr>
+            <a:r>
+              <a:rPr lang="en-US" sz="1400" dirty="0"/>
+              <a:t>class A{  </a:t>
+            </a:r>
+          </a:p>
+          <a:p>
+            <a:pPr marL="0" indent="0">
+              <a:buNone/>
+            </a:pPr>
+            <a:r>
+              <a:rPr lang="en-US" sz="1400" dirty="0"/>
+              <a:t>private </a:t>
+            </a:r>
+            <a:r>
+              <a:rPr lang="en-US" sz="1400" dirty="0" err="1"/>
+              <a:t>int</a:t>
+            </a:r>
+            <a:r>
+              <a:rPr lang="en-US" sz="1400" dirty="0"/>
+              <a:t> data=40;  </a:t>
+            </a:r>
+          </a:p>
+          <a:p>
+            <a:pPr marL="0" indent="0">
+              <a:buNone/>
+            </a:pPr>
+            <a:r>
+              <a:rPr lang="en-US" sz="1400" dirty="0"/>
+              <a:t>private void </a:t>
+            </a:r>
+            <a:r>
+              <a:rPr lang="en-US" sz="1400" dirty="0" err="1"/>
+              <a:t>msg</a:t>
+            </a:r>
+            <a:r>
+              <a:rPr lang="en-US" sz="1400" dirty="0"/>
+              <a:t>(){</a:t>
+            </a:r>
+            <a:r>
+              <a:rPr lang="en-US" sz="1400" dirty="0" err="1"/>
+              <a:t>System.out.println</a:t>
+            </a:r>
+            <a:r>
+              <a:rPr lang="en-US" sz="1400" dirty="0"/>
+              <a:t>("Hello java");}  </a:t>
+            </a:r>
+          </a:p>
+          <a:p>
+            <a:pPr marL="0" indent="0">
+              <a:buNone/>
+            </a:pPr>
+            <a:r>
+              <a:rPr lang="en-US" sz="1400" dirty="0" smtClean="0"/>
+              <a:t>}</a:t>
+            </a:r>
+          </a:p>
+          <a:p>
+            <a:pPr marL="0" indent="0">
+              <a:buNone/>
+            </a:pPr>
+            <a:r>
+              <a:rPr lang="en-US" sz="1400" dirty="0"/>
+              <a:t>public class Simple{  </a:t>
+            </a:r>
+          </a:p>
+          <a:p>
+            <a:pPr marL="0" indent="0">
+              <a:buNone/>
+            </a:pPr>
+            <a:r>
+              <a:rPr lang="en-US" sz="1400" dirty="0"/>
+              <a:t> public static void main(String </a:t>
+            </a:r>
+            <a:r>
+              <a:rPr lang="en-US" sz="1400" dirty="0" err="1"/>
+              <a:t>args</a:t>
+            </a:r>
+            <a:r>
+              <a:rPr lang="en-US" sz="1400" dirty="0"/>
+              <a:t>[]){  </a:t>
+            </a:r>
+          </a:p>
+          <a:p>
+            <a:pPr marL="0" indent="0">
+              <a:buNone/>
+            </a:pPr>
+            <a:r>
+              <a:rPr lang="en-US" sz="1400" dirty="0"/>
+              <a:t>   A </a:t>
+            </a:r>
+            <a:r>
+              <a:rPr lang="en-US" sz="1400" dirty="0" err="1"/>
+              <a:t>obj</a:t>
+            </a:r>
+            <a:r>
+              <a:rPr lang="en-US" sz="1400" dirty="0"/>
+              <a:t>=new A();  </a:t>
+            </a:r>
+          </a:p>
+          <a:p>
+            <a:pPr marL="0" indent="0">
+              <a:buNone/>
+            </a:pPr>
+            <a:r>
+              <a:rPr lang="en-US" sz="1400" dirty="0"/>
+              <a:t>   </a:t>
+            </a:r>
+            <a:r>
+              <a:rPr lang="en-US" sz="1400" dirty="0" err="1"/>
+              <a:t>System.out.println</a:t>
+            </a:r>
+            <a:r>
+              <a:rPr lang="en-US" sz="1400" dirty="0"/>
+              <a:t>(</a:t>
+            </a:r>
+            <a:r>
+              <a:rPr lang="en-US" sz="1400" dirty="0" err="1"/>
+              <a:t>obj.data</a:t>
+            </a:r>
+            <a:r>
+              <a:rPr lang="en-US" sz="1400" dirty="0"/>
+              <a:t>);//Compile Time Error  </a:t>
+            </a:r>
+          </a:p>
+          <a:p>
+            <a:pPr marL="0" indent="0">
+              <a:buNone/>
+            </a:pPr>
+            <a:r>
+              <a:rPr lang="en-US" sz="1400" dirty="0"/>
+              <a:t>   obj.msg();//Compile Time Error  </a:t>
+            </a:r>
+          </a:p>
+          <a:p>
+            <a:pPr marL="0" indent="0">
+              <a:buNone/>
+            </a:pPr>
+            <a:r>
+              <a:rPr lang="en-US" sz="1400" dirty="0"/>
+              <a:t>   }  </a:t>
+            </a:r>
+          </a:p>
+          <a:p>
+            <a:pPr marL="0" indent="0">
+              <a:buNone/>
+            </a:pPr>
+            <a:r>
+              <a:rPr lang="en-US" sz="1400" dirty="0"/>
+              <a:t>} </a:t>
+            </a:r>
+          </a:p>
+        </p:txBody>
+      </p:sp>
+    </p:spTree>
+    <p:extLst>
+      <p:ext uri="{BB962C8B-B14F-4D97-AF65-F5344CB8AC3E}">
+        <p14:creationId xmlns:p14="http://schemas.microsoft.com/office/powerpoint/2010/main" val="594666373"/>
+      </p:ext>
+    </p:extLst>
+  </p:cSld>
+  <p:clrMapOvr>
+    <a:masterClrMapping/>
+  </p:clrMapOvr>
+</p:sld>
+</file>
+
+<file path=ppt/slides/slide69.xml><?xml version="1.0" encoding="utf-8"?>
+<p:sld xmlns:a="http://schemas.openxmlformats.org/drawingml/2006/main" xmlns:r="http://schemas.openxmlformats.org/officeDocument/2006/relationships" xmlns:p="http://schemas.openxmlformats.org/presentationml/2006/main">
+  <p:cSld>
+    <p:spTree>
+      <p:nvGrpSpPr>
+        <p:cNvPr id="1" name=""/>
+        <p:cNvGrpSpPr/>
+        <p:nvPr/>
+      </p:nvGrpSpPr>
+      <p:grpSpPr>
+        <a:xfrm>
+          <a:off x="0" y="0"/>
+          <a:ext cx="0" cy="0"/>
+          <a:chOff x="0" y="0"/>
+          <a:chExt cx="0" cy="0"/>
+        </a:xfrm>
+      </p:grpSpPr>
+      <p:sp>
+        <p:nvSpPr>
+          <p:cNvPr id="2" name="Title 1"/>
+          <p:cNvSpPr>
+            <a:spLocks noGrp="1"/>
+          </p:cNvSpPr>
+          <p:nvPr>
+            <p:ph type="title"/>
+          </p:nvPr>
+        </p:nvSpPr>
+        <p:spPr>
+          <a:xfrm>
+            <a:off x="167426" y="156504"/>
+            <a:ext cx="9046281" cy="745017"/>
+          </a:xfrm>
+        </p:spPr>
+        <p:txBody>
+          <a:bodyPr/>
+          <a:lstStyle/>
+          <a:p>
+            <a:r>
+              <a:rPr lang="en-US" dirty="0" smtClean="0"/>
+              <a:t>Protected members</a:t>
+            </a:r>
+            <a:endParaRPr lang="en-US" dirty="0"/>
+          </a:p>
+        </p:txBody>
+      </p:sp>
+      <p:sp>
+        <p:nvSpPr>
+          <p:cNvPr id="3" name="Content Placeholder 2"/>
+          <p:cNvSpPr>
+            <a:spLocks noGrp="1"/>
+          </p:cNvSpPr>
+          <p:nvPr>
+            <p:ph idx="1"/>
+          </p:nvPr>
+        </p:nvSpPr>
+        <p:spPr>
+          <a:xfrm>
+            <a:off x="167426" y="901522"/>
+            <a:ext cx="11372044" cy="5769734"/>
+          </a:xfrm>
+        </p:spPr>
+        <p:txBody>
+          <a:bodyPr/>
+          <a:lstStyle/>
+          <a:p>
+            <a:r>
+              <a:rPr lang="en-US" dirty="0" smtClean="0"/>
+              <a:t>If a member declared as the protected then we can access that member within the current package anywhere but outside package only in child classes</a:t>
+            </a:r>
+          </a:p>
+          <a:p>
+            <a:pPr marL="0" indent="0">
+              <a:buNone/>
+            </a:pPr>
+            <a:r>
+              <a:rPr lang="en-US" dirty="0" smtClean="0"/>
+              <a:t>Protected = default + kids</a:t>
+            </a:r>
+          </a:p>
+          <a:p>
+            <a:pPr>
+              <a:buFont typeface="Wingdings" panose="05000000000000000000" pitchFamily="2" charset="2"/>
+              <a:buChar char="Ø"/>
+            </a:pPr>
+            <a:r>
+              <a:rPr lang="en-US" dirty="0" smtClean="0"/>
+              <a:t>We can access protected members within the current package anywhere either by child reference or by parent reference </a:t>
+            </a:r>
+          </a:p>
+          <a:p>
+            <a:pPr>
+              <a:buFont typeface="Wingdings" panose="05000000000000000000" pitchFamily="2" charset="2"/>
+              <a:buChar char="Ø"/>
+            </a:pPr>
+            <a:r>
+              <a:rPr lang="en-US" dirty="0" smtClean="0"/>
+              <a:t>But from outside package we can access protected members only in child classes and should be by child reference only that is we can not use parent reference to call protected members from outside package</a:t>
+            </a:r>
+            <a:endParaRPr lang="en-US" dirty="0"/>
+          </a:p>
+        </p:txBody>
+      </p:sp>
+    </p:spTree>
+    <p:extLst>
+      <p:ext uri="{BB962C8B-B14F-4D97-AF65-F5344CB8AC3E}">
+        <p14:creationId xmlns:p14="http://schemas.microsoft.com/office/powerpoint/2010/main" val="4046311973"/>
+      </p:ext>
+    </p:extLst>
+  </p:cSld>
+  <p:clrMapOvr>
+    <a:masterClrMapping/>
+  </p:clrMapOvr>
+</p:sld>
+</file>
+
 <file path=ppt/slides/slide7.xml><?xml version="1.0" encoding="utf-8"?>
 <p:sld xmlns:a="http://schemas.openxmlformats.org/drawingml/2006/main" xmlns:r="http://schemas.openxmlformats.org/officeDocument/2006/relationships" xmlns:p="http://schemas.openxmlformats.org/presentationml/2006/main">
   <p:cSld>
@@ -15780,6 +18533,1623 @@
     <p:extLst>
       <p:ext uri="{BB962C8B-B14F-4D97-AF65-F5344CB8AC3E}">
         <p14:creationId xmlns:p14="http://schemas.microsoft.com/office/powerpoint/2010/main" val="460869190"/>
+      </p:ext>
+    </p:extLst>
+  </p:cSld>
+  <p:clrMapOvr>
+    <a:masterClrMapping/>
+  </p:clrMapOvr>
+</p:sld>
+</file>
+
+<file path=ppt/slides/slide70.xml><?xml version="1.0" encoding="utf-8"?>
+<p:sld xmlns:a="http://schemas.openxmlformats.org/drawingml/2006/main" xmlns:r="http://schemas.openxmlformats.org/officeDocument/2006/relationships" xmlns:p="http://schemas.openxmlformats.org/presentationml/2006/main">
+  <p:cSld>
+    <p:spTree>
+      <p:nvGrpSpPr>
+        <p:cNvPr id="1" name=""/>
+        <p:cNvGrpSpPr/>
+        <p:nvPr/>
+      </p:nvGrpSpPr>
+      <p:grpSpPr>
+        <a:xfrm>
+          <a:off x="0" y="0"/>
+          <a:ext cx="0" cy="0"/>
+          <a:chOff x="0" y="0"/>
+          <a:chExt cx="0" cy="0"/>
+        </a:xfrm>
+      </p:grpSpPr>
+      <p:sp>
+        <p:nvSpPr>
+          <p:cNvPr id="3" name="Rectangle 2"/>
+          <p:cNvSpPr/>
+          <p:nvPr/>
+        </p:nvSpPr>
+        <p:spPr>
+          <a:xfrm>
+            <a:off x="218940" y="283335"/>
+            <a:ext cx="10496283" cy="5632311"/>
+          </a:xfrm>
+          <a:prstGeom prst="rect">
+            <a:avLst/>
+          </a:prstGeom>
+        </p:spPr>
+        <p:txBody>
+          <a:bodyPr wrap="square">
+            <a:spAutoFit/>
+          </a:bodyPr>
+          <a:lstStyle/>
+          <a:p>
+            <a:r>
+              <a:rPr lang="en-US" dirty="0" err="1" smtClean="0"/>
+              <a:t>Eg</a:t>
+            </a:r>
+            <a:r>
+              <a:rPr lang="en-US" dirty="0" smtClean="0"/>
+              <a:t>:</a:t>
+            </a:r>
+          </a:p>
+          <a:p>
+            <a:endParaRPr lang="en-US" dirty="0" smtClean="0"/>
+          </a:p>
+          <a:p>
+            <a:r>
+              <a:rPr lang="en-US" dirty="0" smtClean="0"/>
+              <a:t>//</a:t>
+            </a:r>
+            <a:r>
+              <a:rPr lang="en-US" dirty="0"/>
+              <a:t>save by A.java  </a:t>
+            </a:r>
+          </a:p>
+          <a:p>
+            <a:r>
+              <a:rPr lang="en-US" dirty="0"/>
+              <a:t>package pack;  </a:t>
+            </a:r>
+          </a:p>
+          <a:p>
+            <a:r>
+              <a:rPr lang="en-US" dirty="0"/>
+              <a:t>public class A{  </a:t>
+            </a:r>
+          </a:p>
+          <a:p>
+            <a:r>
+              <a:rPr lang="en-US" dirty="0"/>
+              <a:t>protected void </a:t>
+            </a:r>
+            <a:r>
+              <a:rPr lang="en-US" dirty="0" err="1"/>
+              <a:t>msg</a:t>
+            </a:r>
+            <a:r>
+              <a:rPr lang="en-US" dirty="0"/>
+              <a:t>(){</a:t>
+            </a:r>
+            <a:r>
+              <a:rPr lang="en-US" dirty="0" err="1"/>
+              <a:t>System.out.println</a:t>
+            </a:r>
+            <a:r>
+              <a:rPr lang="en-US" dirty="0"/>
+              <a:t>("Hello");}  </a:t>
+            </a:r>
+          </a:p>
+          <a:p>
+            <a:r>
+              <a:rPr lang="en-US" dirty="0"/>
+              <a:t>}  </a:t>
+            </a:r>
+            <a:endParaRPr lang="en-US" dirty="0" smtClean="0"/>
+          </a:p>
+          <a:p>
+            <a:endParaRPr lang="en-US" dirty="0"/>
+          </a:p>
+          <a:p>
+            <a:r>
+              <a:rPr lang="en-US" dirty="0"/>
+              <a:t>//save by B.java  </a:t>
+            </a:r>
+          </a:p>
+          <a:p>
+            <a:r>
+              <a:rPr lang="en-US" b="1" dirty="0"/>
+              <a:t>package</a:t>
+            </a:r>
+            <a:r>
+              <a:rPr lang="en-US" dirty="0"/>
+              <a:t> </a:t>
+            </a:r>
+            <a:r>
+              <a:rPr lang="en-US" dirty="0" err="1"/>
+              <a:t>mypack</a:t>
+            </a:r>
+            <a:r>
+              <a:rPr lang="en-US" dirty="0"/>
+              <a:t>;  </a:t>
+            </a:r>
+          </a:p>
+          <a:p>
+            <a:r>
+              <a:rPr lang="en-US" b="1" dirty="0"/>
+              <a:t>import</a:t>
+            </a:r>
+            <a:r>
+              <a:rPr lang="en-US" dirty="0"/>
+              <a:t> pack.*;  </a:t>
+            </a:r>
+          </a:p>
+          <a:p>
+            <a:r>
+              <a:rPr lang="en-US" dirty="0"/>
+              <a:t>  </a:t>
+            </a:r>
+          </a:p>
+          <a:p>
+            <a:r>
+              <a:rPr lang="en-US" b="1" dirty="0"/>
+              <a:t>class</a:t>
+            </a:r>
+            <a:r>
+              <a:rPr lang="en-US" dirty="0"/>
+              <a:t> B </a:t>
+            </a:r>
+            <a:r>
+              <a:rPr lang="en-US" b="1" dirty="0"/>
+              <a:t>extends</a:t>
+            </a:r>
+            <a:r>
+              <a:rPr lang="en-US" dirty="0"/>
+              <a:t> A{  </a:t>
+            </a:r>
+          </a:p>
+          <a:p>
+            <a:r>
+              <a:rPr lang="en-US" dirty="0"/>
+              <a:t>  </a:t>
+            </a:r>
+            <a:r>
+              <a:rPr lang="en-US" b="1" dirty="0"/>
+              <a:t>public</a:t>
+            </a:r>
+            <a:r>
+              <a:rPr lang="en-US" dirty="0"/>
+              <a:t> </a:t>
+            </a:r>
+            <a:r>
+              <a:rPr lang="en-US" b="1" dirty="0"/>
+              <a:t>static</a:t>
+            </a:r>
+            <a:r>
+              <a:rPr lang="en-US" dirty="0"/>
+              <a:t> </a:t>
+            </a:r>
+            <a:r>
+              <a:rPr lang="en-US" b="1" dirty="0"/>
+              <a:t>void</a:t>
+            </a:r>
+            <a:r>
+              <a:rPr lang="en-US" dirty="0"/>
+              <a:t> main(String </a:t>
+            </a:r>
+            <a:r>
+              <a:rPr lang="en-US" dirty="0" err="1"/>
+              <a:t>args</a:t>
+            </a:r>
+            <a:r>
+              <a:rPr lang="en-US" dirty="0"/>
+              <a:t>[]){  </a:t>
+            </a:r>
+          </a:p>
+          <a:p>
+            <a:r>
+              <a:rPr lang="en-US" dirty="0"/>
+              <a:t>   B </a:t>
+            </a:r>
+            <a:r>
+              <a:rPr lang="en-US" dirty="0" err="1"/>
+              <a:t>obj</a:t>
+            </a:r>
+            <a:r>
+              <a:rPr lang="en-US" dirty="0"/>
+              <a:t> = </a:t>
+            </a:r>
+            <a:r>
+              <a:rPr lang="en-US" b="1" dirty="0"/>
+              <a:t>new</a:t>
+            </a:r>
+            <a:r>
+              <a:rPr lang="en-US" dirty="0"/>
+              <a:t> B();  </a:t>
+            </a:r>
+          </a:p>
+          <a:p>
+            <a:r>
+              <a:rPr lang="en-US" dirty="0"/>
+              <a:t>   obj.msg();  </a:t>
+            </a:r>
+          </a:p>
+          <a:p>
+            <a:r>
+              <a:rPr lang="en-US" dirty="0"/>
+              <a:t>  }  </a:t>
+            </a:r>
+          </a:p>
+          <a:p>
+            <a:r>
+              <a:rPr lang="en-US" dirty="0"/>
+              <a:t>}  </a:t>
+            </a:r>
+          </a:p>
+          <a:p>
+            <a:endParaRPr lang="en-US" dirty="0"/>
+          </a:p>
+          <a:p>
+            <a:r>
+              <a:rPr lang="en-US" dirty="0"/>
+              <a:t> </a:t>
+            </a:r>
+          </a:p>
+        </p:txBody>
+      </p:sp>
+    </p:spTree>
+    <p:extLst>
+      <p:ext uri="{BB962C8B-B14F-4D97-AF65-F5344CB8AC3E}">
+        <p14:creationId xmlns:p14="http://schemas.microsoft.com/office/powerpoint/2010/main" val="2038145134"/>
+      </p:ext>
+    </p:extLst>
+  </p:cSld>
+  <p:clrMapOvr>
+    <a:masterClrMapping/>
+  </p:clrMapOvr>
+</p:sld>
+</file>
+
+<file path=ppt/slides/slide71.xml><?xml version="1.0" encoding="utf-8"?>
+<p:sld xmlns:a="http://schemas.openxmlformats.org/drawingml/2006/main" xmlns:r="http://schemas.openxmlformats.org/officeDocument/2006/relationships" xmlns:p="http://schemas.openxmlformats.org/presentationml/2006/main">
+  <p:cSld>
+    <p:spTree>
+      <p:nvGrpSpPr>
+        <p:cNvPr id="1" name=""/>
+        <p:cNvGrpSpPr/>
+        <p:nvPr/>
+      </p:nvGrpSpPr>
+      <p:grpSpPr>
+        <a:xfrm>
+          <a:off x="0" y="0"/>
+          <a:ext cx="0" cy="0"/>
+          <a:chOff x="0" y="0"/>
+          <a:chExt cx="0" cy="0"/>
+        </a:xfrm>
+      </p:grpSpPr>
+      <p:pic>
+        <p:nvPicPr>
+          <p:cNvPr id="4" name="Picture 3"/>
+          <p:cNvPicPr>
+            <a:picLocks noChangeAspect="1"/>
+          </p:cNvPicPr>
+          <p:nvPr/>
+        </p:nvPicPr>
+        <p:blipFill>
+          <a:blip r:embed="rId2"/>
+          <a:stretch>
+            <a:fillRect/>
+          </a:stretch>
+        </p:blipFill>
+        <p:spPr>
+          <a:xfrm>
+            <a:off x="689153" y="848999"/>
+            <a:ext cx="9330609" cy="3755931"/>
+          </a:xfrm>
+          <a:prstGeom prst="rect">
+            <a:avLst/>
+          </a:prstGeom>
+        </p:spPr>
+      </p:pic>
+    </p:spTree>
+    <p:extLst>
+      <p:ext uri="{BB962C8B-B14F-4D97-AF65-F5344CB8AC3E}">
+        <p14:creationId xmlns:p14="http://schemas.microsoft.com/office/powerpoint/2010/main" val="4109043072"/>
+      </p:ext>
+    </p:extLst>
+  </p:cSld>
+  <p:clrMapOvr>
+    <a:masterClrMapping/>
+  </p:clrMapOvr>
+</p:sld>
+</file>
+
+<file path=ppt/slides/slide72.xml><?xml version="1.0" encoding="utf-8"?>
+<p:sld xmlns:a="http://schemas.openxmlformats.org/drawingml/2006/main" xmlns:r="http://schemas.openxmlformats.org/officeDocument/2006/relationships" xmlns:p="http://schemas.openxmlformats.org/presentationml/2006/main">
+  <p:cSld>
+    <p:spTree>
+      <p:nvGrpSpPr>
+        <p:cNvPr id="1" name=""/>
+        <p:cNvGrpSpPr/>
+        <p:nvPr/>
+      </p:nvGrpSpPr>
+      <p:grpSpPr>
+        <a:xfrm>
+          <a:off x="0" y="0"/>
+          <a:ext cx="0" cy="0"/>
+          <a:chOff x="0" y="0"/>
+          <a:chExt cx="0" cy="0"/>
+        </a:xfrm>
+      </p:grpSpPr>
+      <p:sp>
+        <p:nvSpPr>
+          <p:cNvPr id="2" name="Title 1"/>
+          <p:cNvSpPr>
+            <a:spLocks noGrp="1"/>
+          </p:cNvSpPr>
+          <p:nvPr>
+            <p:ph type="title"/>
+          </p:nvPr>
+        </p:nvSpPr>
+        <p:spPr>
+          <a:xfrm>
+            <a:off x="263973" y="207058"/>
+            <a:ext cx="9404723" cy="1400530"/>
+          </a:xfrm>
+        </p:spPr>
+        <p:txBody>
+          <a:bodyPr/>
+          <a:lstStyle/>
+          <a:p>
+            <a:r>
+              <a:rPr lang="en-US" dirty="0" smtClean="0"/>
+              <a:t>Session 10</a:t>
+            </a:r>
+            <a:endParaRPr lang="en-US" dirty="0"/>
+          </a:p>
+        </p:txBody>
+      </p:sp>
+      <p:sp>
+        <p:nvSpPr>
+          <p:cNvPr id="3" name="Content Placeholder 2"/>
+          <p:cNvSpPr>
+            <a:spLocks noGrp="1"/>
+          </p:cNvSpPr>
+          <p:nvPr>
+            <p:ph idx="1"/>
+          </p:nvPr>
+        </p:nvSpPr>
+        <p:spPr>
+          <a:xfrm>
+            <a:off x="382136" y="1214651"/>
+            <a:ext cx="11259403" cy="5445456"/>
+          </a:xfrm>
+        </p:spPr>
+        <p:txBody>
+          <a:bodyPr/>
+          <a:lstStyle/>
+          <a:p>
+            <a:r>
+              <a:rPr lang="en-US" dirty="0" smtClean="0"/>
+              <a:t>Class Members (public, default, final, abstract, </a:t>
+            </a:r>
+            <a:r>
+              <a:rPr lang="en-US" dirty="0" err="1" smtClean="0"/>
+              <a:t>strictfp</a:t>
+            </a:r>
+            <a:r>
+              <a:rPr lang="en-US" dirty="0" smtClean="0"/>
+              <a:t>)</a:t>
+            </a:r>
+            <a:endParaRPr lang="en-US" dirty="0"/>
+          </a:p>
+        </p:txBody>
+      </p:sp>
+    </p:spTree>
+    <p:extLst>
+      <p:ext uri="{BB962C8B-B14F-4D97-AF65-F5344CB8AC3E}">
+        <p14:creationId xmlns:p14="http://schemas.microsoft.com/office/powerpoint/2010/main" val="2494125026"/>
+      </p:ext>
+    </p:extLst>
+  </p:cSld>
+  <p:clrMapOvr>
+    <a:masterClrMapping/>
+  </p:clrMapOvr>
+</p:sld>
+</file>
+
+<file path=ppt/slides/slide73.xml><?xml version="1.0" encoding="utf-8"?>
+<p:sld xmlns:a="http://schemas.openxmlformats.org/drawingml/2006/main" xmlns:r="http://schemas.openxmlformats.org/officeDocument/2006/relationships" xmlns:p="http://schemas.openxmlformats.org/presentationml/2006/main">
+  <p:cSld>
+    <p:spTree>
+      <p:nvGrpSpPr>
+        <p:cNvPr id="1" name=""/>
+        <p:cNvGrpSpPr/>
+        <p:nvPr/>
+      </p:nvGrpSpPr>
+      <p:grpSpPr>
+        <a:xfrm>
+          <a:off x="0" y="0"/>
+          <a:ext cx="0" cy="0"/>
+          <a:chOff x="0" y="0"/>
+          <a:chExt cx="0" cy="0"/>
+        </a:xfrm>
+      </p:grpSpPr>
+      <p:sp>
+        <p:nvSpPr>
+          <p:cNvPr id="2" name="Title 1"/>
+          <p:cNvSpPr>
+            <a:spLocks noGrp="1"/>
+          </p:cNvSpPr>
+          <p:nvPr>
+            <p:ph type="title"/>
+          </p:nvPr>
+        </p:nvSpPr>
+        <p:spPr>
+          <a:xfrm>
+            <a:off x="103032" y="218941"/>
+            <a:ext cx="9612952" cy="669702"/>
+          </a:xfrm>
+        </p:spPr>
+        <p:txBody>
+          <a:bodyPr/>
+          <a:lstStyle/>
+          <a:p>
+            <a:r>
+              <a:rPr lang="en-US" dirty="0" smtClean="0"/>
+              <a:t>Class Modifiers </a:t>
+            </a:r>
+            <a:endParaRPr lang="en-US" dirty="0"/>
+          </a:p>
+        </p:txBody>
+      </p:sp>
+      <p:sp>
+        <p:nvSpPr>
+          <p:cNvPr id="3" name="Content Placeholder 2"/>
+          <p:cNvSpPr>
+            <a:spLocks noGrp="1"/>
+          </p:cNvSpPr>
+          <p:nvPr>
+            <p:ph idx="1"/>
+          </p:nvPr>
+        </p:nvSpPr>
+        <p:spPr>
+          <a:xfrm>
+            <a:off x="296214" y="1146220"/>
+            <a:ext cx="11410682" cy="5499279"/>
+          </a:xfrm>
+        </p:spPr>
+        <p:txBody>
+          <a:bodyPr>
+            <a:normAutofit lnSpcReduction="10000"/>
+          </a:bodyPr>
+          <a:lstStyle/>
+          <a:p>
+            <a:r>
+              <a:rPr lang="en-US" dirty="0" smtClean="0"/>
+              <a:t>Whenever we are writing our own classes compulsory we have to provide some information about our class to the JVM.</a:t>
+            </a:r>
+          </a:p>
+          <a:p>
+            <a:pPr marL="0" indent="0">
+              <a:buNone/>
+            </a:pPr>
+            <a:r>
+              <a:rPr lang="en-US" dirty="0" smtClean="0"/>
+              <a:t>Like:</a:t>
+            </a:r>
+          </a:p>
+          <a:p>
+            <a:pPr marL="457200" indent="-457200">
+              <a:buAutoNum type="arabicPeriod"/>
+            </a:pPr>
+            <a:r>
+              <a:rPr lang="en-US" dirty="0" smtClean="0"/>
+              <a:t>Whether this class can be accessible from anywhere or not</a:t>
+            </a:r>
+          </a:p>
+          <a:p>
+            <a:pPr marL="457200" indent="-457200">
+              <a:buAutoNum type="arabicPeriod"/>
+            </a:pPr>
+            <a:r>
+              <a:rPr lang="en-US" dirty="0" smtClean="0"/>
+              <a:t>Whether child class creation is possible or not</a:t>
+            </a:r>
+          </a:p>
+          <a:p>
+            <a:pPr marL="457200" indent="-457200">
+              <a:buAutoNum type="arabicPeriod"/>
+            </a:pPr>
+            <a:r>
+              <a:rPr lang="en-US" dirty="0" smtClean="0"/>
+              <a:t>Whether object creation is possible or not</a:t>
+            </a:r>
+          </a:p>
+          <a:p>
+            <a:r>
+              <a:rPr lang="en-US" dirty="0" smtClean="0"/>
+              <a:t>We can specify this information by using the corresponding modifiers. The Only applicable modifiers are:</a:t>
+            </a:r>
+          </a:p>
+          <a:p>
+            <a:pPr marL="457200" indent="-457200">
+              <a:buAutoNum type="arabicPeriod"/>
+            </a:pPr>
+            <a:r>
+              <a:rPr lang="en-US" dirty="0" smtClean="0"/>
+              <a:t>Public</a:t>
+            </a:r>
+          </a:p>
+          <a:p>
+            <a:pPr marL="457200" indent="-457200">
+              <a:buAutoNum type="arabicPeriod"/>
+            </a:pPr>
+            <a:r>
+              <a:rPr lang="en-US" dirty="0" smtClean="0"/>
+              <a:t>Default</a:t>
+            </a:r>
+          </a:p>
+          <a:p>
+            <a:pPr marL="457200" indent="-457200">
+              <a:buAutoNum type="arabicPeriod"/>
+            </a:pPr>
+            <a:r>
+              <a:rPr lang="en-US" dirty="0" smtClean="0"/>
+              <a:t>Final</a:t>
+            </a:r>
+          </a:p>
+          <a:p>
+            <a:pPr marL="457200" indent="-457200">
+              <a:buAutoNum type="arabicPeriod"/>
+            </a:pPr>
+            <a:r>
+              <a:rPr lang="en-US" dirty="0" smtClean="0"/>
+              <a:t>Abstract</a:t>
+            </a:r>
+          </a:p>
+          <a:p>
+            <a:pPr marL="457200" indent="-457200">
+              <a:buAutoNum type="arabicPeriod"/>
+            </a:pPr>
+            <a:r>
+              <a:rPr lang="en-US" dirty="0" err="1" smtClean="0"/>
+              <a:t>Strictfp</a:t>
+            </a:r>
+            <a:endParaRPr lang="en-US" dirty="0" smtClean="0"/>
+          </a:p>
+          <a:p>
+            <a:pPr marL="0" indent="0">
+              <a:buNone/>
+            </a:pPr>
+            <a:r>
+              <a:rPr lang="en-US" dirty="0" smtClean="0"/>
+              <a:t>If we will get any other modifiers we will get compile time error</a:t>
+            </a:r>
+          </a:p>
+          <a:p>
+            <a:pPr marL="457200" indent="-457200">
+              <a:buAutoNum type="arabicPeriod"/>
+            </a:pPr>
+            <a:endParaRPr lang="en-US" dirty="0"/>
+          </a:p>
+        </p:txBody>
+      </p:sp>
+    </p:spTree>
+    <p:extLst>
+      <p:ext uri="{BB962C8B-B14F-4D97-AF65-F5344CB8AC3E}">
+        <p14:creationId xmlns:p14="http://schemas.microsoft.com/office/powerpoint/2010/main" val="2346092542"/>
+      </p:ext>
+    </p:extLst>
+  </p:cSld>
+  <p:clrMapOvr>
+    <a:masterClrMapping/>
+  </p:clrMapOvr>
+</p:sld>
+</file>
+
+<file path=ppt/slides/slide74.xml><?xml version="1.0" encoding="utf-8"?>
+<p:sld xmlns:a="http://schemas.openxmlformats.org/drawingml/2006/main" xmlns:r="http://schemas.openxmlformats.org/officeDocument/2006/relationships" xmlns:p="http://schemas.openxmlformats.org/presentationml/2006/main">
+  <p:cSld>
+    <p:spTree>
+      <p:nvGrpSpPr>
+        <p:cNvPr id="1" name=""/>
+        <p:cNvGrpSpPr/>
+        <p:nvPr/>
+      </p:nvGrpSpPr>
+      <p:grpSpPr>
+        <a:xfrm>
+          <a:off x="0" y="0"/>
+          <a:ext cx="0" cy="0"/>
+          <a:chOff x="0" y="0"/>
+          <a:chExt cx="0" cy="0"/>
+        </a:xfrm>
+      </p:grpSpPr>
+      <p:sp>
+        <p:nvSpPr>
+          <p:cNvPr id="2" name="TextBox 1"/>
+          <p:cNvSpPr txBox="1"/>
+          <p:nvPr/>
+        </p:nvSpPr>
+        <p:spPr>
+          <a:xfrm>
+            <a:off x="257578" y="360607"/>
+            <a:ext cx="11217498" cy="646331"/>
+          </a:xfrm>
+          <a:prstGeom prst="rect">
+            <a:avLst/>
+          </a:prstGeom>
+          <a:noFill/>
+        </p:spPr>
+        <p:txBody>
+          <a:bodyPr wrap="square" rtlCol="0">
+            <a:spAutoFit/>
+          </a:bodyPr>
+          <a:lstStyle/>
+          <a:p>
+            <a:r>
+              <a:rPr lang="en-US" dirty="0" smtClean="0"/>
+              <a:t>But for Inner classes following modifiers are also allowed</a:t>
+            </a:r>
+          </a:p>
+          <a:p>
+            <a:endParaRPr lang="en-US" dirty="0"/>
+          </a:p>
+        </p:txBody>
+      </p:sp>
+      <p:sp>
+        <p:nvSpPr>
+          <p:cNvPr id="3" name="Rectangle 2"/>
+          <p:cNvSpPr/>
+          <p:nvPr/>
+        </p:nvSpPr>
+        <p:spPr>
+          <a:xfrm>
+            <a:off x="811369" y="759854"/>
+            <a:ext cx="1326524" cy="2871988"/>
+          </a:xfrm>
+          <a:prstGeom prst="rect">
+            <a:avLst/>
+          </a:prstGeom>
+        </p:spPr>
+        <p:style>
+          <a:lnRef idx="2">
+            <a:schemeClr val="accent1">
+              <a:shade val="50000"/>
+            </a:schemeClr>
+          </a:lnRef>
+          <a:fillRef idx="1">
+            <a:schemeClr val="accent1"/>
+          </a:fillRef>
+          <a:effectRef idx="0">
+            <a:schemeClr val="accent1"/>
+          </a:effectRef>
+          <a:fontRef idx="minor">
+            <a:schemeClr val="lt1"/>
+          </a:fontRef>
+        </p:style>
+        <p:txBody>
+          <a:bodyPr rtlCol="0" anchor="ctr"/>
+          <a:lstStyle/>
+          <a:p>
+            <a:pPr algn="ctr"/>
+            <a:r>
+              <a:rPr lang="en-US" dirty="0" smtClean="0"/>
+              <a:t>Public</a:t>
+            </a:r>
+          </a:p>
+          <a:p>
+            <a:pPr algn="ctr"/>
+            <a:r>
+              <a:rPr lang="en-US" dirty="0" smtClean="0"/>
+              <a:t>Default</a:t>
+            </a:r>
+          </a:p>
+          <a:p>
+            <a:pPr algn="ctr"/>
+            <a:r>
+              <a:rPr lang="en-US" dirty="0" smtClean="0"/>
+              <a:t>Final</a:t>
+            </a:r>
+          </a:p>
+          <a:p>
+            <a:pPr algn="ctr"/>
+            <a:r>
+              <a:rPr lang="en-US" dirty="0" smtClean="0"/>
+              <a:t>Abstract </a:t>
+            </a:r>
+            <a:r>
+              <a:rPr lang="en-US" dirty="0" err="1" smtClean="0"/>
+              <a:t>strictfpp</a:t>
+            </a:r>
+            <a:endParaRPr lang="en-US" dirty="0"/>
+          </a:p>
+        </p:txBody>
+      </p:sp>
+      <p:sp>
+        <p:nvSpPr>
+          <p:cNvPr id="4" name="Rectangle 3"/>
+          <p:cNvSpPr/>
+          <p:nvPr/>
+        </p:nvSpPr>
+        <p:spPr>
+          <a:xfrm>
+            <a:off x="3206840" y="843567"/>
+            <a:ext cx="1493949" cy="2704562"/>
+          </a:xfrm>
+          <a:prstGeom prst="rect">
+            <a:avLst/>
+          </a:prstGeom>
+        </p:spPr>
+        <p:style>
+          <a:lnRef idx="2">
+            <a:schemeClr val="accent1">
+              <a:shade val="50000"/>
+            </a:schemeClr>
+          </a:lnRef>
+          <a:fillRef idx="1">
+            <a:schemeClr val="accent1"/>
+          </a:fillRef>
+          <a:effectRef idx="0">
+            <a:schemeClr val="accent1"/>
+          </a:effectRef>
+          <a:fontRef idx="minor">
+            <a:schemeClr val="lt1"/>
+          </a:fontRef>
+        </p:style>
+        <p:txBody>
+          <a:bodyPr rtlCol="0" anchor="ctr"/>
+          <a:lstStyle/>
+          <a:p>
+            <a:pPr algn="ctr"/>
+            <a:r>
+              <a:rPr lang="en-US" dirty="0" smtClean="0"/>
+              <a:t>Private</a:t>
+            </a:r>
+          </a:p>
+          <a:p>
+            <a:pPr algn="ctr"/>
+            <a:r>
+              <a:rPr lang="en-US" dirty="0" smtClean="0"/>
+              <a:t>Protected</a:t>
+            </a:r>
+          </a:p>
+          <a:p>
+            <a:pPr algn="ctr"/>
+            <a:r>
+              <a:rPr lang="en-US" dirty="0" smtClean="0"/>
+              <a:t>static</a:t>
+            </a:r>
+            <a:endParaRPr lang="en-US" dirty="0"/>
+          </a:p>
+        </p:txBody>
+      </p:sp>
+      <p:sp>
+        <p:nvSpPr>
+          <p:cNvPr id="5" name="TextBox 4"/>
+          <p:cNvSpPr txBox="1"/>
+          <p:nvPr/>
+        </p:nvSpPr>
+        <p:spPr>
+          <a:xfrm>
+            <a:off x="2356834" y="1764406"/>
+            <a:ext cx="631065" cy="369332"/>
+          </a:xfrm>
+          <a:prstGeom prst="rect">
+            <a:avLst/>
+          </a:prstGeom>
+          <a:noFill/>
+        </p:spPr>
+        <p:txBody>
+          <a:bodyPr wrap="square" rtlCol="0">
+            <a:spAutoFit/>
+          </a:bodyPr>
+          <a:lstStyle/>
+          <a:p>
+            <a:r>
+              <a:rPr lang="en-US" dirty="0" smtClean="0"/>
+              <a:t>  +</a:t>
+            </a:r>
+            <a:endParaRPr lang="en-US" dirty="0"/>
+          </a:p>
+        </p:txBody>
+      </p:sp>
+      <p:sp>
+        <p:nvSpPr>
+          <p:cNvPr id="6" name="TextBox 5"/>
+          <p:cNvSpPr txBox="1"/>
+          <p:nvPr/>
+        </p:nvSpPr>
+        <p:spPr>
+          <a:xfrm>
+            <a:off x="257579" y="4031089"/>
+            <a:ext cx="10599312" cy="2031325"/>
+          </a:xfrm>
+          <a:prstGeom prst="rect">
+            <a:avLst/>
+          </a:prstGeom>
+          <a:noFill/>
+        </p:spPr>
+        <p:txBody>
+          <a:bodyPr wrap="square" rtlCol="0">
+            <a:spAutoFit/>
+          </a:bodyPr>
+          <a:lstStyle/>
+          <a:p>
+            <a:pPr marL="342900" indent="-342900">
+              <a:buAutoNum type="arabicPeriod"/>
+            </a:pPr>
+            <a:r>
+              <a:rPr lang="en-US" b="1" dirty="0" smtClean="0"/>
+              <a:t>Public Class</a:t>
+            </a:r>
+            <a:r>
+              <a:rPr lang="en-US" dirty="0" smtClean="0"/>
+              <a:t>: If a class is declared as public then we can access that class from anywhere. Within the package or outside of the package</a:t>
+            </a:r>
+          </a:p>
+          <a:p>
+            <a:endParaRPr lang="en-US" dirty="0" smtClean="0"/>
+          </a:p>
+          <a:p>
+            <a:r>
+              <a:rPr lang="en-US" b="1" dirty="0" smtClean="0"/>
+              <a:t>2. Default class</a:t>
+            </a:r>
+            <a:r>
+              <a:rPr lang="en-US" dirty="0" smtClean="0"/>
+              <a:t>: if a declared class as </a:t>
+            </a:r>
+            <a:r>
+              <a:rPr lang="en-US" smtClean="0"/>
+              <a:t>the default then </a:t>
+            </a:r>
+            <a:r>
+              <a:rPr lang="en-US" dirty="0" smtClean="0"/>
+              <a:t>we can access that class only within the current package hence default access is also known as “package level access”</a:t>
+            </a:r>
+          </a:p>
+          <a:p>
+            <a:endParaRPr lang="en-US" dirty="0"/>
+          </a:p>
+          <a:p>
+            <a:r>
+              <a:rPr lang="en-US" dirty="0" smtClean="0"/>
+              <a:t>3. </a:t>
+            </a:r>
+            <a:r>
+              <a:rPr lang="en-US" b="1" dirty="0" smtClean="0"/>
+              <a:t>Final Modifier</a:t>
+            </a:r>
+            <a:r>
+              <a:rPr lang="en-US" dirty="0" smtClean="0"/>
+              <a:t>: final is a modifier applicable for classes, methods and variables</a:t>
+            </a:r>
+            <a:endParaRPr lang="en-US" dirty="0"/>
+          </a:p>
+        </p:txBody>
+      </p:sp>
+    </p:spTree>
+    <p:extLst>
+      <p:ext uri="{BB962C8B-B14F-4D97-AF65-F5344CB8AC3E}">
+        <p14:creationId xmlns:p14="http://schemas.microsoft.com/office/powerpoint/2010/main" val="1519839116"/>
+      </p:ext>
+    </p:extLst>
+  </p:cSld>
+  <p:clrMapOvr>
+    <a:masterClrMapping/>
+  </p:clrMapOvr>
+</p:sld>
+</file>
+
+<file path=ppt/slides/slide75.xml><?xml version="1.0" encoding="utf-8"?>
+<p:sld xmlns:a="http://schemas.openxmlformats.org/drawingml/2006/main" xmlns:r="http://schemas.openxmlformats.org/officeDocument/2006/relationships" xmlns:p="http://schemas.openxmlformats.org/presentationml/2006/main">
+  <p:cSld>
+    <p:spTree>
+      <p:nvGrpSpPr>
+        <p:cNvPr id="1" name=""/>
+        <p:cNvGrpSpPr/>
+        <p:nvPr/>
+      </p:nvGrpSpPr>
+      <p:grpSpPr>
+        <a:xfrm>
+          <a:off x="0" y="0"/>
+          <a:ext cx="0" cy="0"/>
+          <a:chOff x="0" y="0"/>
+          <a:chExt cx="0" cy="0"/>
+        </a:xfrm>
+      </p:grpSpPr>
+      <p:sp>
+        <p:nvSpPr>
+          <p:cNvPr id="2" name="TextBox 1"/>
+          <p:cNvSpPr txBox="1"/>
+          <p:nvPr/>
+        </p:nvSpPr>
+        <p:spPr>
+          <a:xfrm>
+            <a:off x="270457" y="399246"/>
+            <a:ext cx="10148551" cy="7294305"/>
+          </a:xfrm>
+          <a:prstGeom prst="rect">
+            <a:avLst/>
+          </a:prstGeom>
+          <a:noFill/>
+        </p:spPr>
+        <p:txBody>
+          <a:bodyPr wrap="square" rtlCol="0">
+            <a:spAutoFit/>
+          </a:bodyPr>
+          <a:lstStyle/>
+          <a:p>
+            <a:r>
+              <a:rPr lang="en-US" b="1" dirty="0" smtClean="0"/>
+              <a:t>Final method</a:t>
+            </a:r>
+            <a:r>
+              <a:rPr lang="en-US" dirty="0" smtClean="0"/>
+              <a:t>: If a method is declared as final then we can not override this method in child class</a:t>
+            </a:r>
+          </a:p>
+          <a:p>
+            <a:endParaRPr lang="en-US" dirty="0"/>
+          </a:p>
+          <a:p>
+            <a:r>
+              <a:rPr lang="en-US" b="1" dirty="0" smtClean="0"/>
+              <a:t>Final Class</a:t>
+            </a:r>
+            <a:r>
+              <a:rPr lang="en-US" dirty="0" smtClean="0"/>
+              <a:t>: If a class is declared as final we can not create child class</a:t>
+            </a:r>
+          </a:p>
+          <a:p>
+            <a:endParaRPr lang="en-US" dirty="0"/>
+          </a:p>
+          <a:p>
+            <a:r>
+              <a:rPr lang="en-US" b="1" dirty="0" smtClean="0"/>
+              <a:t>Final variables:</a:t>
+            </a:r>
+          </a:p>
+          <a:p>
+            <a:pPr marL="342900" indent="-342900">
+              <a:buAutoNum type="arabicPeriod"/>
+            </a:pPr>
+            <a:r>
+              <a:rPr lang="en-US" b="1" dirty="0" smtClean="0"/>
+              <a:t>Final Instance variables: </a:t>
+            </a:r>
+            <a:r>
+              <a:rPr lang="en-US" dirty="0" smtClean="0"/>
+              <a:t>If the value of variable is varied from object to object such type of variables are called instance variable</a:t>
+            </a:r>
+          </a:p>
+          <a:p>
+            <a:r>
+              <a:rPr lang="en-US" b="1" dirty="0" smtClean="0"/>
+              <a:t>Important Points:</a:t>
+            </a:r>
+          </a:p>
+          <a:p>
+            <a:pPr marL="285750" indent="-285750">
+              <a:buFont typeface="Arial" panose="020B0604020202020204" pitchFamily="34" charset="0"/>
+              <a:buChar char="•"/>
+            </a:pPr>
+            <a:r>
+              <a:rPr lang="en-US" dirty="0" smtClean="0"/>
+              <a:t>For Instance variable it is not required to perform initialization explicitly JVM will always provide default values</a:t>
+            </a:r>
+          </a:p>
+          <a:p>
+            <a:pPr marL="285750" indent="-285750">
+              <a:buFont typeface="Arial" panose="020B0604020202020204" pitchFamily="34" charset="0"/>
+              <a:buChar char="•"/>
+            </a:pPr>
+            <a:r>
+              <a:rPr lang="en-US" dirty="0" smtClean="0"/>
+              <a:t>If the instance variable declared as the final compulsory we should perform initialization explicitly and JVM will not provide any default values whether we are using or not otherwise we will get compile time error.</a:t>
+            </a:r>
+          </a:p>
+          <a:p>
+            <a:pPr marL="285750" indent="-285750">
+              <a:buFont typeface="Arial" panose="020B0604020202020204" pitchFamily="34" charset="0"/>
+              <a:buChar char="•"/>
+            </a:pPr>
+            <a:endParaRPr lang="en-US" dirty="0"/>
+          </a:p>
+          <a:p>
+            <a:r>
+              <a:rPr lang="en-US" b="1" dirty="0" smtClean="0"/>
+              <a:t>Rule: </a:t>
+            </a:r>
+            <a:r>
+              <a:rPr lang="en-US" dirty="0" smtClean="0"/>
+              <a:t>For Final instance variables we should perform initialization before constructor completion. That is the following are various places for this.</a:t>
+            </a:r>
+          </a:p>
+          <a:p>
+            <a:pPr marL="342900" indent="-342900">
+              <a:buAutoNum type="arabicPeriod"/>
+            </a:pPr>
+            <a:r>
+              <a:rPr lang="en-US" b="1" dirty="0" smtClean="0"/>
+              <a:t>At the time of declaration </a:t>
+            </a:r>
+          </a:p>
+          <a:p>
+            <a:pPr marL="342900" indent="-342900">
+              <a:buAutoNum type="arabicPeriod"/>
+            </a:pPr>
+            <a:r>
+              <a:rPr lang="en-US" b="1" dirty="0" smtClean="0"/>
+              <a:t>Inside Instance block</a:t>
+            </a:r>
+          </a:p>
+          <a:p>
+            <a:pPr marL="342900" indent="-342900">
+              <a:buAutoNum type="arabicPeriod"/>
+            </a:pPr>
+            <a:r>
+              <a:rPr lang="en-US" b="1" dirty="0" smtClean="0"/>
+              <a:t>Inside Constructor</a:t>
+            </a:r>
+          </a:p>
+          <a:p>
+            <a:endParaRPr lang="en-US" b="1" dirty="0" smtClean="0"/>
+          </a:p>
+          <a:p>
+            <a:r>
+              <a:rPr lang="en-US" dirty="0" smtClean="0"/>
+              <a:t>If we are performing initialization anywhere else we will get compile time error</a:t>
+            </a:r>
+          </a:p>
+          <a:p>
+            <a:endParaRPr lang="en-US" dirty="0" smtClean="0"/>
+          </a:p>
+          <a:p>
+            <a:endParaRPr lang="en-US" dirty="0"/>
+          </a:p>
+          <a:p>
+            <a:endParaRPr lang="en-US" dirty="0"/>
+          </a:p>
+        </p:txBody>
+      </p:sp>
+    </p:spTree>
+    <p:extLst>
+      <p:ext uri="{BB962C8B-B14F-4D97-AF65-F5344CB8AC3E}">
+        <p14:creationId xmlns:p14="http://schemas.microsoft.com/office/powerpoint/2010/main" val="1215703192"/>
+      </p:ext>
+    </p:extLst>
+  </p:cSld>
+  <p:clrMapOvr>
+    <a:masterClrMapping/>
+  </p:clrMapOvr>
+</p:sld>
+</file>
+
+<file path=ppt/slides/slide76.xml><?xml version="1.0" encoding="utf-8"?>
+<p:sld xmlns:a="http://schemas.openxmlformats.org/drawingml/2006/main" xmlns:r="http://schemas.openxmlformats.org/officeDocument/2006/relationships" xmlns:p="http://schemas.openxmlformats.org/presentationml/2006/main">
+  <p:cSld>
+    <p:spTree>
+      <p:nvGrpSpPr>
+        <p:cNvPr id="1" name=""/>
+        <p:cNvGrpSpPr/>
+        <p:nvPr/>
+      </p:nvGrpSpPr>
+      <p:grpSpPr>
+        <a:xfrm>
+          <a:off x="0" y="0"/>
+          <a:ext cx="0" cy="0"/>
+          <a:chOff x="0" y="0"/>
+          <a:chExt cx="0" cy="0"/>
+        </a:xfrm>
+      </p:grpSpPr>
+      <p:sp>
+        <p:nvSpPr>
+          <p:cNvPr id="2" name="TextBox 1"/>
+          <p:cNvSpPr txBox="1"/>
+          <p:nvPr/>
+        </p:nvSpPr>
+        <p:spPr>
+          <a:xfrm>
+            <a:off x="136477" y="354841"/>
+            <a:ext cx="10290413" cy="6740307"/>
+          </a:xfrm>
+          <a:prstGeom prst="rect">
+            <a:avLst/>
+          </a:prstGeom>
+          <a:noFill/>
+        </p:spPr>
+        <p:txBody>
+          <a:bodyPr wrap="square" rtlCol="0">
+            <a:spAutoFit/>
+          </a:bodyPr>
+          <a:lstStyle/>
+          <a:p>
+            <a:r>
+              <a:rPr lang="en-US" dirty="0" smtClean="0"/>
+              <a:t>2. </a:t>
+            </a:r>
+            <a:r>
+              <a:rPr lang="en-US" b="1" dirty="0" smtClean="0"/>
+              <a:t>Final Static Variable</a:t>
+            </a:r>
+            <a:r>
+              <a:rPr lang="en-US" dirty="0" smtClean="0"/>
+              <a:t>: For the static variables it is not required to perform initialization explicitly JVM will always provide default values</a:t>
+            </a:r>
+          </a:p>
+          <a:p>
+            <a:endParaRPr lang="en-US" dirty="0"/>
+          </a:p>
+          <a:p>
+            <a:r>
+              <a:rPr lang="en-US" b="1" dirty="0"/>
+              <a:t>Important Points:</a:t>
+            </a:r>
+          </a:p>
+          <a:p>
+            <a:pPr marL="285750" indent="-285750">
+              <a:buFont typeface="Arial" panose="020B0604020202020204" pitchFamily="34" charset="0"/>
+              <a:buChar char="•"/>
+            </a:pPr>
+            <a:r>
+              <a:rPr lang="en-US" dirty="0" smtClean="0"/>
+              <a:t>If </a:t>
+            </a:r>
+            <a:r>
+              <a:rPr lang="en-US" dirty="0"/>
+              <a:t>the </a:t>
+            </a:r>
+            <a:r>
+              <a:rPr lang="en-US" dirty="0" smtClean="0"/>
+              <a:t>static variable </a:t>
+            </a:r>
+            <a:r>
+              <a:rPr lang="en-US" dirty="0"/>
+              <a:t>declared as the final compulsory we should perform initialization explicitly and JVM will not provide any default values whether we are using or not otherwise we will get compile time error</a:t>
+            </a:r>
+            <a:r>
+              <a:rPr lang="en-US" dirty="0" smtClean="0"/>
+              <a:t>.</a:t>
+            </a:r>
+          </a:p>
+          <a:p>
+            <a:endParaRPr lang="en-US" b="1" dirty="0" smtClean="0"/>
+          </a:p>
+          <a:p>
+            <a:r>
+              <a:rPr lang="en-US" b="1" dirty="0" smtClean="0"/>
+              <a:t>Rule: </a:t>
+            </a:r>
+            <a:r>
+              <a:rPr lang="en-US" dirty="0" smtClean="0"/>
+              <a:t>For Final static variables we should perform initialization before class loading completion otherwise we will get compile time error. That is the following are possible places.</a:t>
+            </a:r>
+          </a:p>
+          <a:p>
+            <a:pPr marL="342900" indent="-342900">
+              <a:buAutoNum type="arabicPeriod"/>
+            </a:pPr>
+            <a:r>
+              <a:rPr lang="en-US" b="1" dirty="0"/>
+              <a:t>At the time of declaration </a:t>
+            </a:r>
+          </a:p>
+          <a:p>
+            <a:pPr marL="342900" indent="-342900">
+              <a:buAutoNum type="arabicPeriod"/>
+            </a:pPr>
+            <a:r>
+              <a:rPr lang="en-US" b="1" dirty="0"/>
+              <a:t>Inside </a:t>
+            </a:r>
+            <a:r>
+              <a:rPr lang="en-US" b="1" dirty="0" smtClean="0"/>
+              <a:t>static block</a:t>
+            </a:r>
+            <a:endParaRPr lang="en-US" b="1" dirty="0"/>
+          </a:p>
+          <a:p>
+            <a:endParaRPr lang="en-US" b="1" dirty="0"/>
+          </a:p>
+          <a:p>
+            <a:r>
+              <a:rPr lang="en-US" dirty="0"/>
+              <a:t>If we are performing initialization anywhere else we will get compile time </a:t>
+            </a:r>
+            <a:r>
+              <a:rPr lang="en-US" dirty="0" smtClean="0"/>
+              <a:t>error</a:t>
+            </a:r>
+          </a:p>
+          <a:p>
+            <a:endParaRPr lang="en-US" dirty="0"/>
+          </a:p>
+          <a:p>
+            <a:r>
+              <a:rPr lang="en-US" dirty="0" smtClean="0"/>
+              <a:t>3. </a:t>
+            </a:r>
+            <a:r>
+              <a:rPr lang="en-US" b="1" dirty="0" smtClean="0"/>
+              <a:t>Final Local Var</a:t>
+            </a:r>
+            <a:r>
+              <a:rPr lang="en-US" dirty="0" smtClean="0"/>
+              <a:t>iable: To meet the temporary requirement of a programmer sometime we can declare the variable inside a method, block or constructor such type of variable is called local variables.</a:t>
+            </a:r>
+          </a:p>
+          <a:p>
+            <a:r>
+              <a:rPr lang="en-US" dirty="0" smtClean="0"/>
+              <a:t>For the local variables JVM will not provide any default value compulsory we should perform initialization explicitly before using that variable.</a:t>
+            </a:r>
+          </a:p>
+          <a:p>
+            <a:endParaRPr lang="en-US" dirty="0"/>
+          </a:p>
+          <a:p>
+            <a:endParaRPr lang="en-US" dirty="0" smtClean="0"/>
+          </a:p>
+          <a:p>
+            <a:endParaRPr lang="en-US" dirty="0"/>
+          </a:p>
+        </p:txBody>
+      </p:sp>
+    </p:spTree>
+    <p:extLst>
+      <p:ext uri="{BB962C8B-B14F-4D97-AF65-F5344CB8AC3E}">
+        <p14:creationId xmlns:p14="http://schemas.microsoft.com/office/powerpoint/2010/main" val="1026788102"/>
+      </p:ext>
+    </p:extLst>
+  </p:cSld>
+  <p:clrMapOvr>
+    <a:masterClrMapping/>
+  </p:clrMapOvr>
+</p:sld>
+</file>
+
+<file path=ppt/slides/slide77.xml><?xml version="1.0" encoding="utf-8"?>
+<p:sld xmlns:a="http://schemas.openxmlformats.org/drawingml/2006/main" xmlns:r="http://schemas.openxmlformats.org/officeDocument/2006/relationships" xmlns:p="http://schemas.openxmlformats.org/presentationml/2006/main">
+  <p:cSld>
+    <p:spTree>
+      <p:nvGrpSpPr>
+        <p:cNvPr id="1" name=""/>
+        <p:cNvGrpSpPr/>
+        <p:nvPr/>
+      </p:nvGrpSpPr>
+      <p:grpSpPr>
+        <a:xfrm>
+          <a:off x="0" y="0"/>
+          <a:ext cx="0" cy="0"/>
+          <a:chOff x="0" y="0"/>
+          <a:chExt cx="0" cy="0"/>
+        </a:xfrm>
+      </p:grpSpPr>
+      <p:sp>
+        <p:nvSpPr>
+          <p:cNvPr id="2" name="TextBox 1"/>
+          <p:cNvSpPr txBox="1"/>
+          <p:nvPr/>
+        </p:nvSpPr>
+        <p:spPr>
+          <a:xfrm>
+            <a:off x="395785" y="436729"/>
+            <a:ext cx="10058400" cy="3416320"/>
+          </a:xfrm>
+          <a:prstGeom prst="rect">
+            <a:avLst/>
+          </a:prstGeom>
+          <a:noFill/>
+        </p:spPr>
+        <p:txBody>
+          <a:bodyPr wrap="square" rtlCol="0">
+            <a:spAutoFit/>
+          </a:bodyPr>
+          <a:lstStyle/>
+          <a:p>
+            <a:r>
+              <a:rPr lang="en-US" b="1" dirty="0" smtClean="0"/>
+              <a:t>Important Points:</a:t>
+            </a:r>
+          </a:p>
+          <a:p>
+            <a:pPr marL="285750" indent="-285750">
+              <a:buFont typeface="Arial" panose="020B0604020202020204" pitchFamily="34" charset="0"/>
+              <a:buChar char="•"/>
+            </a:pPr>
+            <a:r>
+              <a:rPr lang="en-US" dirty="0" smtClean="0"/>
+              <a:t>If we will use local variable whether it is final or normal we have to perform initialization if we will not use then there is no need to initialize the local variable even it is final</a:t>
+            </a:r>
+          </a:p>
+          <a:p>
+            <a:pPr marL="285750" indent="-285750">
+              <a:buFont typeface="Arial" panose="020B0604020202020204" pitchFamily="34" charset="0"/>
+              <a:buChar char="•"/>
+            </a:pPr>
+            <a:r>
+              <a:rPr lang="en-US" dirty="0" smtClean="0"/>
+              <a:t>The only applicable modifier of local variable is final if we will use any other modifier we will get compile time error</a:t>
+            </a:r>
+          </a:p>
+          <a:p>
+            <a:endParaRPr lang="en-US" dirty="0" smtClean="0"/>
+          </a:p>
+          <a:p>
+            <a:r>
+              <a:rPr lang="en-US" b="1" dirty="0" smtClean="0"/>
+              <a:t>Formal parameter</a:t>
+            </a:r>
+            <a:r>
+              <a:rPr lang="en-US" dirty="0" smtClean="0"/>
+              <a:t>: </a:t>
+            </a:r>
+          </a:p>
+          <a:p>
+            <a:pPr marL="285750" indent="-285750">
+              <a:buFont typeface="Arial" panose="020B0604020202020204" pitchFamily="34" charset="0"/>
+              <a:buChar char="•"/>
+            </a:pPr>
+            <a:r>
+              <a:rPr lang="en-US" dirty="0" smtClean="0"/>
+              <a:t>The formal parameters of a method are simply act as local variables of that method hence it is possible to declare formal parameter as final</a:t>
+            </a:r>
+          </a:p>
+          <a:p>
+            <a:pPr marL="285750" indent="-285750">
+              <a:buFont typeface="Arial" panose="020B0604020202020204" pitchFamily="34" charset="0"/>
+              <a:buChar char="•"/>
+            </a:pPr>
+            <a:r>
+              <a:rPr lang="en-US" dirty="0" smtClean="0"/>
+              <a:t>If we declare formal parameters as final then we can not change its value within the method</a:t>
+            </a:r>
+          </a:p>
+          <a:p>
+            <a:endParaRPr lang="en-US" dirty="0"/>
+          </a:p>
+        </p:txBody>
+      </p:sp>
+    </p:spTree>
+    <p:extLst>
+      <p:ext uri="{BB962C8B-B14F-4D97-AF65-F5344CB8AC3E}">
+        <p14:creationId xmlns:p14="http://schemas.microsoft.com/office/powerpoint/2010/main" val="4143118303"/>
+      </p:ext>
+    </p:extLst>
+  </p:cSld>
+  <p:clrMapOvr>
+    <a:masterClrMapping/>
+  </p:clrMapOvr>
+</p:sld>
+</file>
+
+<file path=ppt/slides/slide78.xml><?xml version="1.0" encoding="utf-8"?>
+<p:sld xmlns:a="http://schemas.openxmlformats.org/drawingml/2006/main" xmlns:r="http://schemas.openxmlformats.org/officeDocument/2006/relationships" xmlns:p="http://schemas.openxmlformats.org/presentationml/2006/main">
+  <p:cSld>
+    <p:spTree>
+      <p:nvGrpSpPr>
+        <p:cNvPr id="1" name=""/>
+        <p:cNvGrpSpPr/>
+        <p:nvPr/>
+      </p:nvGrpSpPr>
+      <p:grpSpPr>
+        <a:xfrm>
+          <a:off x="0" y="0"/>
+          <a:ext cx="0" cy="0"/>
+          <a:chOff x="0" y="0"/>
+          <a:chExt cx="0" cy="0"/>
+        </a:xfrm>
+      </p:grpSpPr>
+      <p:sp>
+        <p:nvSpPr>
+          <p:cNvPr id="2" name="Title 1"/>
+          <p:cNvSpPr>
+            <a:spLocks noGrp="1"/>
+          </p:cNvSpPr>
+          <p:nvPr>
+            <p:ph type="title"/>
+          </p:nvPr>
+        </p:nvSpPr>
+        <p:spPr>
+          <a:xfrm>
+            <a:off x="163773" y="150125"/>
+            <a:ext cx="9300207" cy="696035"/>
+          </a:xfrm>
+        </p:spPr>
+        <p:txBody>
+          <a:bodyPr/>
+          <a:lstStyle/>
+          <a:p>
+            <a:r>
+              <a:rPr lang="en-US" sz="3200" dirty="0" smtClean="0"/>
+              <a:t>Session 11</a:t>
+            </a:r>
+            <a:endParaRPr lang="en-US" sz="3200" dirty="0"/>
+          </a:p>
+        </p:txBody>
+      </p:sp>
+      <p:sp>
+        <p:nvSpPr>
+          <p:cNvPr id="3" name="Content Placeholder 2"/>
+          <p:cNvSpPr>
+            <a:spLocks noGrp="1"/>
+          </p:cNvSpPr>
+          <p:nvPr>
+            <p:ph idx="1"/>
+          </p:nvPr>
+        </p:nvSpPr>
+        <p:spPr>
+          <a:xfrm>
+            <a:off x="163773" y="846160"/>
+            <a:ext cx="10358651" cy="5786652"/>
+          </a:xfrm>
+        </p:spPr>
+        <p:txBody>
+          <a:bodyPr/>
+          <a:lstStyle/>
+          <a:p>
+            <a:r>
+              <a:rPr lang="en-US" dirty="0" smtClean="0"/>
+              <a:t>Static Modifier</a:t>
+            </a:r>
+          </a:p>
+          <a:p>
+            <a:r>
+              <a:rPr lang="en-US" dirty="0" smtClean="0"/>
+              <a:t>Abstract Modifier</a:t>
+            </a:r>
+          </a:p>
+          <a:p>
+            <a:endParaRPr lang="en-US" dirty="0"/>
+          </a:p>
+        </p:txBody>
+      </p:sp>
+    </p:spTree>
+    <p:extLst>
+      <p:ext uri="{BB962C8B-B14F-4D97-AF65-F5344CB8AC3E}">
+        <p14:creationId xmlns:p14="http://schemas.microsoft.com/office/powerpoint/2010/main" val="3150728125"/>
+      </p:ext>
+    </p:extLst>
+  </p:cSld>
+  <p:clrMapOvr>
+    <a:masterClrMapping/>
+  </p:clrMapOvr>
+</p:sld>
+</file>
+
+<file path=ppt/slides/slide79.xml><?xml version="1.0" encoding="utf-8"?>
+<p:sld xmlns:a="http://schemas.openxmlformats.org/drawingml/2006/main" xmlns:r="http://schemas.openxmlformats.org/officeDocument/2006/relationships" xmlns:p="http://schemas.openxmlformats.org/presentationml/2006/main">
+  <p:cSld>
+    <p:spTree>
+      <p:nvGrpSpPr>
+        <p:cNvPr id="1" name=""/>
+        <p:cNvGrpSpPr/>
+        <p:nvPr/>
+      </p:nvGrpSpPr>
+      <p:grpSpPr>
+        <a:xfrm>
+          <a:off x="0" y="0"/>
+          <a:ext cx="0" cy="0"/>
+          <a:chOff x="0" y="0"/>
+          <a:chExt cx="0" cy="0"/>
+        </a:xfrm>
+      </p:grpSpPr>
+      <p:sp>
+        <p:nvSpPr>
+          <p:cNvPr id="2" name="Title 1"/>
+          <p:cNvSpPr>
+            <a:spLocks noGrp="1"/>
+          </p:cNvSpPr>
+          <p:nvPr>
+            <p:ph type="title"/>
+          </p:nvPr>
+        </p:nvSpPr>
+        <p:spPr>
+          <a:xfrm>
+            <a:off x="150126" y="191069"/>
+            <a:ext cx="9218320" cy="696035"/>
+          </a:xfrm>
+        </p:spPr>
+        <p:txBody>
+          <a:bodyPr/>
+          <a:lstStyle/>
+          <a:p>
+            <a:r>
+              <a:rPr lang="en-US" sz="2800" dirty="0" smtClean="0"/>
+              <a:t>Static Modifier</a:t>
+            </a:r>
+            <a:endParaRPr lang="en-US" sz="2800" dirty="0"/>
+          </a:p>
+        </p:txBody>
+      </p:sp>
+      <p:sp>
+        <p:nvSpPr>
+          <p:cNvPr id="3" name="Content Placeholder 2"/>
+          <p:cNvSpPr>
+            <a:spLocks noGrp="1"/>
+          </p:cNvSpPr>
+          <p:nvPr>
+            <p:ph idx="1"/>
+          </p:nvPr>
+        </p:nvSpPr>
+        <p:spPr>
+          <a:xfrm>
+            <a:off x="286603" y="887104"/>
+            <a:ext cx="11204811" cy="5691117"/>
+          </a:xfrm>
+        </p:spPr>
+        <p:txBody>
+          <a:bodyPr/>
+          <a:lstStyle/>
+          <a:p>
+            <a:r>
+              <a:rPr lang="en-US" dirty="0" smtClean="0"/>
+              <a:t>Static is a modifier applicable for methods, variables and blocks.</a:t>
+            </a:r>
+          </a:p>
+          <a:p>
+            <a:r>
+              <a:rPr lang="en-US" dirty="0" smtClean="0"/>
+              <a:t>We can not declare a class with static modifier but inner classes can be declaring as the static.</a:t>
+            </a:r>
+          </a:p>
+          <a:p>
+            <a:r>
+              <a:rPr lang="en-US" dirty="0" smtClean="0"/>
+              <a:t>In case of instance variable for every object a separate copy will be created but in case of static variables a single copy will be created at class level and shared by all objects of that class.</a:t>
+            </a:r>
+          </a:p>
+          <a:p>
+            <a:r>
+              <a:rPr lang="en-US" dirty="0" smtClean="0"/>
+              <a:t>Instance variable can be accessed only from instance area directly and we can not access from static  area directly but static variable can be access both instance and static area directly.</a:t>
+            </a:r>
+          </a:p>
+          <a:p>
+            <a:pPr marL="0" indent="0">
+              <a:buNone/>
+            </a:pPr>
+            <a:r>
+              <a:rPr lang="en-US" b="1" dirty="0" smtClean="0"/>
+              <a:t>Important Points:</a:t>
+            </a:r>
+          </a:p>
+          <a:p>
+            <a:pPr marL="0" indent="0">
+              <a:buNone/>
+            </a:pPr>
+            <a:r>
+              <a:rPr lang="en-US" b="1" dirty="0" smtClean="0"/>
+              <a:t>Case1</a:t>
+            </a:r>
+            <a:r>
+              <a:rPr lang="en-US" dirty="0" smtClean="0"/>
+              <a:t>: Overloading concept is applicable for static method including main method also but JVM will always call string[] </a:t>
+            </a:r>
+            <a:r>
+              <a:rPr lang="en-US" dirty="0" err="1" smtClean="0"/>
+              <a:t>args</a:t>
+            </a:r>
+            <a:r>
+              <a:rPr lang="en-US" dirty="0" smtClean="0"/>
+              <a:t> main method.</a:t>
+            </a:r>
+          </a:p>
+          <a:p>
+            <a:pPr marL="0" indent="0">
+              <a:buNone/>
+            </a:pPr>
+            <a:r>
+              <a:rPr lang="en-US" dirty="0" smtClean="0"/>
+              <a:t>The Other overloaded method we have to call explicitly then it will be executed just like a normal method call. </a:t>
+            </a:r>
+            <a:endParaRPr lang="en-US" dirty="0"/>
+          </a:p>
+        </p:txBody>
+      </p:sp>
+    </p:spTree>
+    <p:extLst>
+      <p:ext uri="{BB962C8B-B14F-4D97-AF65-F5344CB8AC3E}">
+        <p14:creationId xmlns:p14="http://schemas.microsoft.com/office/powerpoint/2010/main" val="1823646208"/>
       </p:ext>
     </p:extLst>
   </p:cSld>
@@ -15977,6 +20347,911 @@
     <p:extLst>
       <p:ext uri="{BB962C8B-B14F-4D97-AF65-F5344CB8AC3E}">
         <p14:creationId xmlns:p14="http://schemas.microsoft.com/office/powerpoint/2010/main" val="1261369799"/>
+      </p:ext>
+    </p:extLst>
+  </p:cSld>
+  <p:clrMapOvr>
+    <a:masterClrMapping/>
+  </p:clrMapOvr>
+</p:sld>
+</file>
+
+<file path=ppt/slides/slide80.xml><?xml version="1.0" encoding="utf-8"?>
+<p:sld xmlns:a="http://schemas.openxmlformats.org/drawingml/2006/main" xmlns:r="http://schemas.openxmlformats.org/officeDocument/2006/relationships" xmlns:p="http://schemas.openxmlformats.org/presentationml/2006/main">
+  <p:cSld>
+    <p:spTree>
+      <p:nvGrpSpPr>
+        <p:cNvPr id="1" name=""/>
+        <p:cNvGrpSpPr/>
+        <p:nvPr/>
+      </p:nvGrpSpPr>
+      <p:grpSpPr>
+        <a:xfrm>
+          <a:off x="0" y="0"/>
+          <a:ext cx="0" cy="0"/>
+          <a:chOff x="0" y="0"/>
+          <a:chExt cx="0" cy="0"/>
+        </a:xfrm>
+      </p:grpSpPr>
+      <p:sp>
+        <p:nvSpPr>
+          <p:cNvPr id="2" name="TextBox 1"/>
+          <p:cNvSpPr txBox="1"/>
+          <p:nvPr/>
+        </p:nvSpPr>
+        <p:spPr>
+          <a:xfrm>
+            <a:off x="368488" y="382135"/>
+            <a:ext cx="10481481" cy="1477328"/>
+          </a:xfrm>
+          <a:prstGeom prst="rect">
+            <a:avLst/>
+          </a:prstGeom>
+          <a:noFill/>
+        </p:spPr>
+        <p:txBody>
+          <a:bodyPr wrap="square" rtlCol="0">
+            <a:spAutoFit/>
+          </a:bodyPr>
+          <a:lstStyle/>
+          <a:p>
+            <a:r>
+              <a:rPr lang="en-US" b="1" dirty="0" smtClean="0"/>
+              <a:t>Case 2</a:t>
+            </a:r>
+            <a:r>
+              <a:rPr lang="en-US" dirty="0" smtClean="0"/>
+              <a:t>: Inheritance concept is applicable for static methods including main method hence while executing child class, if the child class does not have main method then the parent class main method will be executed.</a:t>
+            </a:r>
+          </a:p>
+          <a:p>
+            <a:endParaRPr lang="en-US" dirty="0"/>
+          </a:p>
+          <a:p>
+            <a:r>
+              <a:rPr lang="en-US" b="1" dirty="0" smtClean="0"/>
+              <a:t>Case 3</a:t>
+            </a:r>
+            <a:r>
+              <a:rPr lang="en-US" dirty="0" smtClean="0"/>
+              <a:t>: Method hiding is available  using static method using overriding concept..</a:t>
+            </a:r>
+            <a:endParaRPr lang="en-US" dirty="0"/>
+          </a:p>
+        </p:txBody>
+      </p:sp>
+    </p:spTree>
+    <p:extLst>
+      <p:ext uri="{BB962C8B-B14F-4D97-AF65-F5344CB8AC3E}">
+        <p14:creationId xmlns:p14="http://schemas.microsoft.com/office/powerpoint/2010/main" val="4061112953"/>
+      </p:ext>
+    </p:extLst>
+  </p:cSld>
+  <p:clrMapOvr>
+    <a:masterClrMapping/>
+  </p:clrMapOvr>
+</p:sld>
+</file>
+
+<file path=ppt/slides/slide81.xml><?xml version="1.0" encoding="utf-8"?>
+<p:sld xmlns:a="http://schemas.openxmlformats.org/drawingml/2006/main" xmlns:r="http://schemas.openxmlformats.org/officeDocument/2006/relationships" xmlns:p="http://schemas.openxmlformats.org/presentationml/2006/main">
+  <p:cSld>
+    <p:spTree>
+      <p:nvGrpSpPr>
+        <p:cNvPr id="1" name=""/>
+        <p:cNvGrpSpPr/>
+        <p:nvPr/>
+      </p:nvGrpSpPr>
+      <p:grpSpPr>
+        <a:xfrm>
+          <a:off x="0" y="0"/>
+          <a:ext cx="0" cy="0"/>
+          <a:chOff x="0" y="0"/>
+          <a:chExt cx="0" cy="0"/>
+        </a:xfrm>
+      </p:grpSpPr>
+      <p:sp>
+        <p:nvSpPr>
+          <p:cNvPr id="2" name="Title 1"/>
+          <p:cNvSpPr>
+            <a:spLocks noGrp="1"/>
+          </p:cNvSpPr>
+          <p:nvPr>
+            <p:ph type="title"/>
+          </p:nvPr>
+        </p:nvSpPr>
+        <p:spPr>
+          <a:xfrm>
+            <a:off x="136478" y="152468"/>
+            <a:ext cx="9150082" cy="761932"/>
+          </a:xfrm>
+        </p:spPr>
+        <p:txBody>
+          <a:bodyPr/>
+          <a:lstStyle/>
+          <a:p>
+            <a:r>
+              <a:rPr lang="en-US" sz="2800" dirty="0" smtClean="0"/>
+              <a:t>Abstract Modifier</a:t>
+            </a:r>
+            <a:endParaRPr lang="en-US" sz="2800" dirty="0"/>
+          </a:p>
+        </p:txBody>
+      </p:sp>
+      <p:sp>
+        <p:nvSpPr>
+          <p:cNvPr id="3" name="Content Placeholder 2"/>
+          <p:cNvSpPr>
+            <a:spLocks noGrp="1"/>
+          </p:cNvSpPr>
+          <p:nvPr>
+            <p:ph idx="1"/>
+          </p:nvPr>
+        </p:nvSpPr>
+        <p:spPr>
+          <a:xfrm>
+            <a:off x="554275" y="723332"/>
+            <a:ext cx="11232107" cy="5882184"/>
+          </a:xfrm>
+        </p:spPr>
+        <p:txBody>
+          <a:bodyPr/>
+          <a:lstStyle/>
+          <a:p>
+            <a:r>
+              <a:rPr lang="en-US" dirty="0" smtClean="0"/>
+              <a:t>Abstract modifier applicable only for methods and classes but not for variables</a:t>
+            </a:r>
+          </a:p>
+          <a:p>
+            <a:pPr marL="0" indent="0">
+              <a:buNone/>
+            </a:pPr>
+            <a:endParaRPr lang="en-US" dirty="0"/>
+          </a:p>
+          <a:p>
+            <a:pPr marL="0" indent="0">
+              <a:buNone/>
+            </a:pPr>
+            <a:r>
+              <a:rPr lang="en-US" b="1" dirty="0" smtClean="0"/>
+              <a:t>Abstract Method</a:t>
+            </a:r>
+            <a:r>
+              <a:rPr lang="en-US" dirty="0" smtClean="0"/>
+              <a:t>:</a:t>
+            </a:r>
+          </a:p>
+          <a:p>
+            <a:r>
+              <a:rPr lang="en-US" dirty="0" smtClean="0"/>
+              <a:t>Abstract method have only declaration but not implementation</a:t>
+            </a:r>
+          </a:p>
+          <a:p>
+            <a:r>
+              <a:rPr lang="en-US" dirty="0" smtClean="0"/>
+              <a:t>Hence abstract method declaration should compulsory ends with semicolon</a:t>
+            </a:r>
+          </a:p>
+          <a:p>
+            <a:r>
+              <a:rPr lang="en-US" dirty="0" smtClean="0"/>
+              <a:t>Child classes are responsible to provide implementation for parent class abstract methods</a:t>
+            </a:r>
+          </a:p>
+          <a:p>
+            <a:r>
+              <a:rPr lang="en-US" dirty="0" smtClean="0"/>
+              <a:t>Abstract method never talks about implementation whereas if any modifier talks about implementation then the modifier will be enemy to abstract and that is always illegal combination for methods</a:t>
+            </a:r>
+          </a:p>
+          <a:p>
+            <a:r>
+              <a:rPr lang="en-US" dirty="0" smtClean="0"/>
+              <a:t>Following are the illegal combination for abstract  methods:</a:t>
+            </a:r>
+          </a:p>
+          <a:p>
+            <a:pPr marL="0" indent="0">
+              <a:buNone/>
+            </a:pPr>
+            <a:r>
+              <a:rPr lang="en-US" b="1" dirty="0" smtClean="0"/>
+              <a:t>Final, static, synchronized, native, </a:t>
+            </a:r>
+            <a:r>
+              <a:rPr lang="en-US" b="1" dirty="0" err="1" smtClean="0"/>
+              <a:t>strictfp</a:t>
+            </a:r>
+            <a:r>
+              <a:rPr lang="en-US" b="1" dirty="0" smtClean="0"/>
+              <a:t>, private</a:t>
+            </a:r>
+          </a:p>
+          <a:p>
+            <a:r>
+              <a:rPr lang="en-US" dirty="0" smtClean="0"/>
+              <a:t>All six are illegal combination with </a:t>
+            </a:r>
+            <a:r>
+              <a:rPr lang="en-US" dirty="0" err="1" smtClean="0"/>
+              <a:t>abstrct</a:t>
+            </a:r>
+            <a:endParaRPr lang="en-US" dirty="0"/>
+          </a:p>
+        </p:txBody>
+      </p:sp>
+    </p:spTree>
+    <p:extLst>
+      <p:ext uri="{BB962C8B-B14F-4D97-AF65-F5344CB8AC3E}">
+        <p14:creationId xmlns:p14="http://schemas.microsoft.com/office/powerpoint/2010/main" val="1466065247"/>
+      </p:ext>
+    </p:extLst>
+  </p:cSld>
+  <p:clrMapOvr>
+    <a:masterClrMapping/>
+  </p:clrMapOvr>
+</p:sld>
+</file>
+
+<file path=ppt/slides/slide82.xml><?xml version="1.0" encoding="utf-8"?>
+<p:sld xmlns:a="http://schemas.openxmlformats.org/drawingml/2006/main" xmlns:r="http://schemas.openxmlformats.org/officeDocument/2006/relationships" xmlns:p="http://schemas.openxmlformats.org/presentationml/2006/main">
+  <p:cSld>
+    <p:spTree>
+      <p:nvGrpSpPr>
+        <p:cNvPr id="1" name=""/>
+        <p:cNvGrpSpPr/>
+        <p:nvPr/>
+      </p:nvGrpSpPr>
+      <p:grpSpPr>
+        <a:xfrm>
+          <a:off x="0" y="0"/>
+          <a:ext cx="0" cy="0"/>
+          <a:chOff x="0" y="0"/>
+          <a:chExt cx="0" cy="0"/>
+        </a:xfrm>
+      </p:grpSpPr>
+      <p:sp>
+        <p:nvSpPr>
+          <p:cNvPr id="2" name="Title 1"/>
+          <p:cNvSpPr>
+            <a:spLocks noGrp="1"/>
+          </p:cNvSpPr>
+          <p:nvPr>
+            <p:ph type="title"/>
+          </p:nvPr>
+        </p:nvSpPr>
+        <p:spPr>
+          <a:xfrm>
+            <a:off x="182087" y="179765"/>
+            <a:ext cx="9404723" cy="611806"/>
+          </a:xfrm>
+        </p:spPr>
+        <p:txBody>
+          <a:bodyPr/>
+          <a:lstStyle/>
+          <a:p>
+            <a:r>
+              <a:rPr lang="en-US" sz="2800" dirty="0" smtClean="0"/>
+              <a:t>Abstract Class</a:t>
+            </a:r>
+            <a:endParaRPr lang="en-US" sz="2800" dirty="0"/>
+          </a:p>
+        </p:txBody>
+      </p:sp>
+      <p:sp>
+        <p:nvSpPr>
+          <p:cNvPr id="3" name="Content Placeholder 2"/>
+          <p:cNvSpPr>
+            <a:spLocks noGrp="1"/>
+          </p:cNvSpPr>
+          <p:nvPr>
+            <p:ph idx="1"/>
+          </p:nvPr>
+        </p:nvSpPr>
+        <p:spPr>
+          <a:xfrm>
+            <a:off x="182087" y="791571"/>
+            <a:ext cx="11445805" cy="5841241"/>
+          </a:xfrm>
+        </p:spPr>
+        <p:txBody>
+          <a:bodyPr/>
+          <a:lstStyle/>
+          <a:p>
+            <a:r>
+              <a:rPr lang="en-US" dirty="0"/>
+              <a:t>A class that is declared using “</a:t>
+            </a:r>
+            <a:r>
+              <a:rPr lang="en-US" b="1" dirty="0"/>
+              <a:t>abstract</a:t>
+            </a:r>
+            <a:r>
+              <a:rPr lang="en-US" dirty="0"/>
+              <a:t>” keyword is known as abstract class. It can have abstract methods(methods without body) as well as concrete methods (regular methods with body</a:t>
+            </a:r>
+            <a:r>
+              <a:rPr lang="en-US" dirty="0" smtClean="0"/>
+              <a:t>).</a:t>
+            </a:r>
+          </a:p>
+          <a:p>
+            <a:r>
+              <a:rPr lang="en-US" dirty="0" smtClean="0"/>
+              <a:t> </a:t>
+            </a:r>
+            <a:r>
+              <a:rPr lang="en-US" dirty="0"/>
+              <a:t>A normal class(non-abstract class) cannot have abstract methods. </a:t>
+            </a:r>
+            <a:endParaRPr lang="en-US" dirty="0" smtClean="0"/>
+          </a:p>
+          <a:p>
+            <a:r>
+              <a:rPr lang="en-US" dirty="0"/>
+              <a:t>An abstract class can not be </a:t>
+            </a:r>
+            <a:r>
+              <a:rPr lang="en-US" b="1" dirty="0"/>
+              <a:t>instantiated</a:t>
+            </a:r>
+            <a:r>
+              <a:rPr lang="en-US" dirty="0"/>
+              <a:t>, which means you are not allowed to create an </a:t>
+            </a:r>
+            <a:r>
+              <a:rPr lang="en-US" b="1" dirty="0" smtClean="0"/>
+              <a:t>object </a:t>
+            </a:r>
+            <a:r>
+              <a:rPr lang="en-US" dirty="0" smtClean="0"/>
+              <a:t>of </a:t>
+            </a:r>
+            <a:r>
+              <a:rPr lang="en-US" dirty="0"/>
+              <a:t>it</a:t>
+            </a:r>
+            <a:r>
+              <a:rPr lang="en-US" dirty="0" smtClean="0"/>
+              <a:t>.</a:t>
+            </a:r>
+          </a:p>
+          <a:p>
+            <a:endParaRPr lang="en-US" dirty="0" smtClean="0"/>
+          </a:p>
+          <a:p>
+            <a:pPr marL="0" indent="0">
+              <a:buNone/>
+            </a:pPr>
+            <a:r>
+              <a:rPr lang="en-US" dirty="0" smtClean="0"/>
+              <a:t>What is the difference between abstract class and abstract method:</a:t>
+            </a:r>
+          </a:p>
+          <a:p>
+            <a:r>
+              <a:rPr lang="en-US" dirty="0" smtClean="0"/>
+              <a:t>If a class contain  at least one abstract method then compulsory the corresponding class should  be declare with abstract modifier. Because implementation is not complete and hence we can not create object of that class.</a:t>
+            </a:r>
+          </a:p>
+          <a:p>
+            <a:r>
+              <a:rPr lang="en-US" dirty="0" smtClean="0"/>
+              <a:t>Even though class does not contain any abstract methods still we can declare the class as abstract </a:t>
+            </a:r>
+            <a:r>
+              <a:rPr lang="en-US" dirty="0" err="1" smtClean="0"/>
+              <a:t>i.e</a:t>
+            </a:r>
+            <a:r>
+              <a:rPr lang="en-US" dirty="0" smtClean="0"/>
+              <a:t> an abstract class can contain zero no. of abstract methods </a:t>
+            </a:r>
+          </a:p>
+        </p:txBody>
+      </p:sp>
+    </p:spTree>
+    <p:extLst>
+      <p:ext uri="{BB962C8B-B14F-4D97-AF65-F5344CB8AC3E}">
+        <p14:creationId xmlns:p14="http://schemas.microsoft.com/office/powerpoint/2010/main" val="392395086"/>
+      </p:ext>
+    </p:extLst>
+  </p:cSld>
+  <p:clrMapOvr>
+    <a:masterClrMapping/>
+  </p:clrMapOvr>
+</p:sld>
+</file>
+
+<file path=ppt/slides/slide83.xml><?xml version="1.0" encoding="utf-8"?>
+<p:sld xmlns:a="http://schemas.openxmlformats.org/drawingml/2006/main" xmlns:r="http://schemas.openxmlformats.org/officeDocument/2006/relationships" xmlns:p="http://schemas.openxmlformats.org/presentationml/2006/main">
+  <p:cSld>
+    <p:spTree>
+      <p:nvGrpSpPr>
+        <p:cNvPr id="1" name=""/>
+        <p:cNvGrpSpPr/>
+        <p:nvPr/>
+      </p:nvGrpSpPr>
+      <p:grpSpPr>
+        <a:xfrm>
+          <a:off x="0" y="0"/>
+          <a:ext cx="0" cy="0"/>
+          <a:chOff x="0" y="0"/>
+          <a:chExt cx="0" cy="0"/>
+        </a:xfrm>
+      </p:grpSpPr>
+      <p:sp>
+        <p:nvSpPr>
+          <p:cNvPr id="2" name="TextBox 1"/>
+          <p:cNvSpPr txBox="1"/>
+          <p:nvPr/>
+        </p:nvSpPr>
+        <p:spPr>
+          <a:xfrm>
+            <a:off x="313900" y="368491"/>
+            <a:ext cx="10208525" cy="2862322"/>
+          </a:xfrm>
+          <a:prstGeom prst="rect">
+            <a:avLst/>
+          </a:prstGeom>
+          <a:noFill/>
+        </p:spPr>
+        <p:txBody>
+          <a:bodyPr wrap="square" rtlCol="0">
+            <a:spAutoFit/>
+          </a:bodyPr>
+          <a:lstStyle/>
+          <a:p>
+            <a:r>
+              <a:rPr lang="en-US" dirty="0" smtClean="0"/>
+              <a:t>Difference between final and abstract:</a:t>
+            </a:r>
+          </a:p>
+          <a:p>
+            <a:pPr marL="285750" indent="-285750">
+              <a:buFont typeface="Arial" panose="020B0604020202020204" pitchFamily="34" charset="0"/>
+              <a:buChar char="•"/>
+            </a:pPr>
+            <a:r>
+              <a:rPr lang="en-US" dirty="0" smtClean="0"/>
+              <a:t>For abstract methods compulsory we should override in the child class to provide implementation whereas for final methods we can not override hence abstract final combination is illegal for methods.</a:t>
+            </a:r>
+          </a:p>
+          <a:p>
+            <a:pPr marL="285750" indent="-285750">
+              <a:buFont typeface="Arial" panose="020B0604020202020204" pitchFamily="34" charset="0"/>
+              <a:buChar char="•"/>
+            </a:pPr>
+            <a:r>
+              <a:rPr lang="en-US" dirty="0" smtClean="0"/>
+              <a:t>For abstract classes we should compulsory create child class to provide implementation whereas for final class we can not create child class hence final abstract combination is illegal for classes</a:t>
+            </a:r>
+          </a:p>
+          <a:p>
+            <a:pPr marL="285750" indent="-285750">
+              <a:buFont typeface="Arial" panose="020B0604020202020204" pitchFamily="34" charset="0"/>
+              <a:buChar char="•"/>
+            </a:pPr>
+            <a:r>
+              <a:rPr lang="en-US" dirty="0" smtClean="0"/>
+              <a:t>Final class can not contain abstract methods whereas abstract class can contain </a:t>
+            </a:r>
+            <a:r>
+              <a:rPr lang="en-US" smtClean="0"/>
+              <a:t>final methods</a:t>
+            </a:r>
+          </a:p>
+          <a:p>
+            <a:endParaRPr lang="en-US" dirty="0"/>
+          </a:p>
+        </p:txBody>
+      </p:sp>
+    </p:spTree>
+    <p:extLst>
+      <p:ext uri="{BB962C8B-B14F-4D97-AF65-F5344CB8AC3E}">
+        <p14:creationId xmlns:p14="http://schemas.microsoft.com/office/powerpoint/2010/main" val="3131126488"/>
+      </p:ext>
+    </p:extLst>
+  </p:cSld>
+  <p:clrMapOvr>
+    <a:masterClrMapping/>
+  </p:clrMapOvr>
+</p:sld>
+</file>
+
+<file path=ppt/slides/slide84.xml><?xml version="1.0" encoding="utf-8"?>
+<p:sld xmlns:a="http://schemas.openxmlformats.org/drawingml/2006/main" xmlns:r="http://schemas.openxmlformats.org/officeDocument/2006/relationships" xmlns:p="http://schemas.openxmlformats.org/presentationml/2006/main">
+  <p:cSld>
+    <p:spTree>
+      <p:nvGrpSpPr>
+        <p:cNvPr id="1" name=""/>
+        <p:cNvGrpSpPr/>
+        <p:nvPr/>
+      </p:nvGrpSpPr>
+      <p:grpSpPr>
+        <a:xfrm>
+          <a:off x="0" y="0"/>
+          <a:ext cx="0" cy="0"/>
+          <a:chOff x="0" y="0"/>
+          <a:chExt cx="0" cy="0"/>
+        </a:xfrm>
+      </p:grpSpPr>
+      <p:sp>
+        <p:nvSpPr>
+          <p:cNvPr id="2" name="TextBox 1"/>
+          <p:cNvSpPr txBox="1"/>
+          <p:nvPr/>
+        </p:nvSpPr>
+        <p:spPr>
+          <a:xfrm>
+            <a:off x="163773" y="272954"/>
+            <a:ext cx="10003809" cy="6463308"/>
+          </a:xfrm>
+          <a:prstGeom prst="rect">
+            <a:avLst/>
+          </a:prstGeom>
+          <a:noFill/>
+        </p:spPr>
+        <p:txBody>
+          <a:bodyPr wrap="square" rtlCol="0">
+            <a:spAutoFit/>
+          </a:bodyPr>
+          <a:lstStyle/>
+          <a:p>
+            <a:r>
+              <a:rPr lang="en-US" b="1" dirty="0" err="1" smtClean="0"/>
+              <a:t>Strictfp</a:t>
+            </a:r>
+            <a:r>
+              <a:rPr lang="en-US" b="1" dirty="0" smtClean="0"/>
+              <a:t> Modifier:</a:t>
+            </a:r>
+          </a:p>
+          <a:p>
+            <a:pPr marL="285750" indent="-285750">
+              <a:buFont typeface="Arial" panose="020B0604020202020204" pitchFamily="34" charset="0"/>
+              <a:buChar char="•"/>
+            </a:pPr>
+            <a:r>
+              <a:rPr lang="en-US" dirty="0" err="1" smtClean="0"/>
+              <a:t>Strictfp</a:t>
+            </a:r>
+            <a:r>
+              <a:rPr lang="en-US" dirty="0" smtClean="0"/>
+              <a:t> modifier applicable for methods and classes but not for variables.</a:t>
+            </a:r>
+          </a:p>
+          <a:p>
+            <a:pPr marL="285750" indent="-285750">
+              <a:buFont typeface="Arial" panose="020B0604020202020204" pitchFamily="34" charset="0"/>
+              <a:buChar char="•"/>
+            </a:pPr>
+            <a:r>
+              <a:rPr lang="en-US" dirty="0" smtClean="0"/>
+              <a:t>Usually the result of floating point of arithmetic is varying from platform  to platform, to overcome this problem we should use </a:t>
+            </a:r>
+            <a:r>
+              <a:rPr lang="en-US" dirty="0" err="1" smtClean="0"/>
+              <a:t>strctfp</a:t>
+            </a:r>
+            <a:r>
+              <a:rPr lang="en-US" dirty="0" smtClean="0"/>
+              <a:t> modifier</a:t>
+            </a:r>
+          </a:p>
+          <a:p>
+            <a:pPr marL="285750" indent="-285750">
+              <a:buFont typeface="Arial" panose="020B0604020202020204" pitchFamily="34" charset="0"/>
+              <a:buChar char="•"/>
+            </a:pPr>
+            <a:r>
+              <a:rPr lang="en-US" dirty="0" smtClean="0"/>
+              <a:t>If a method declare as </a:t>
+            </a:r>
+            <a:r>
+              <a:rPr lang="en-US" dirty="0" err="1" smtClean="0"/>
+              <a:t>strictfp</a:t>
+            </a:r>
+            <a:r>
+              <a:rPr lang="en-US" dirty="0" smtClean="0"/>
+              <a:t> then all the floating point calculations in that method has follow IEEE754 standard, so that we will get platform independent result</a:t>
+            </a:r>
+          </a:p>
+          <a:p>
+            <a:endParaRPr lang="en-US" dirty="0" smtClean="0"/>
+          </a:p>
+          <a:p>
+            <a:r>
+              <a:rPr lang="en-US" dirty="0" smtClean="0"/>
+              <a:t>Ex: </a:t>
+            </a:r>
+            <a:r>
+              <a:rPr lang="en-US" dirty="0" err="1" smtClean="0"/>
+              <a:t>system.out.println</a:t>
+            </a:r>
+            <a:r>
+              <a:rPr lang="en-US" dirty="0" smtClean="0"/>
+              <a:t>(10.0/3);</a:t>
+            </a:r>
+          </a:p>
+          <a:p>
+            <a:r>
+              <a:rPr lang="en-US" dirty="0" smtClean="0"/>
+              <a:t>P1 – 3.33333333333333,  p2=3.3333333,   IEEE754 = 3.333]</a:t>
+            </a:r>
+          </a:p>
+          <a:p>
+            <a:endParaRPr lang="en-US" dirty="0"/>
+          </a:p>
+          <a:p>
+            <a:pPr marL="285750" indent="-285750">
+              <a:buFont typeface="Arial" panose="020B0604020202020204" pitchFamily="34" charset="0"/>
+              <a:buChar char="•"/>
+            </a:pPr>
+            <a:r>
+              <a:rPr lang="en-US" dirty="0" smtClean="0"/>
+              <a:t>If a class declares as the </a:t>
+            </a:r>
+            <a:r>
+              <a:rPr lang="en-US" dirty="0" err="1" smtClean="0"/>
+              <a:t>strictfp</a:t>
+            </a:r>
+            <a:r>
+              <a:rPr lang="en-US" dirty="0" smtClean="0"/>
+              <a:t> then every </a:t>
+            </a:r>
+            <a:r>
+              <a:rPr lang="en-US" dirty="0" err="1" smtClean="0"/>
+              <a:t>concerete</a:t>
+            </a:r>
+            <a:r>
+              <a:rPr lang="en-US" dirty="0" smtClean="0"/>
+              <a:t> method (which has body) of that class has to follow IEEE754 standard for floating point arithmetic, so we will get platform independent results</a:t>
+            </a:r>
+          </a:p>
+          <a:p>
+            <a:pPr marL="285750" indent="-285750">
+              <a:buFont typeface="Arial" panose="020B0604020202020204" pitchFamily="34" charset="0"/>
+              <a:buChar char="•"/>
+            </a:pPr>
+            <a:endParaRPr lang="en-US" dirty="0"/>
+          </a:p>
+          <a:p>
+            <a:r>
+              <a:rPr lang="en-US" b="1" dirty="0" smtClean="0"/>
+              <a:t>Native modifier:</a:t>
+            </a:r>
+          </a:p>
+          <a:p>
+            <a:pPr marL="285750" indent="-285750">
+              <a:buFont typeface="Arial" panose="020B0604020202020204" pitchFamily="34" charset="0"/>
+              <a:buChar char="•"/>
+            </a:pPr>
+            <a:r>
+              <a:rPr lang="en-US" dirty="0" smtClean="0"/>
+              <a:t>Native is a modifier applicable only for methods but not for variable and classes</a:t>
+            </a:r>
+          </a:p>
+          <a:p>
+            <a:pPr marL="285750" indent="-285750">
+              <a:buFont typeface="Arial" panose="020B0604020202020204" pitchFamily="34" charset="0"/>
+              <a:buChar char="•"/>
+            </a:pPr>
+            <a:r>
+              <a:rPr lang="en-US" dirty="0" smtClean="0"/>
+              <a:t>The methods which are implemented in non java are called native methods or </a:t>
+            </a:r>
+            <a:r>
+              <a:rPr lang="en-US" dirty="0" err="1" smtClean="0"/>
+              <a:t>forefin</a:t>
+            </a:r>
+            <a:r>
+              <a:rPr lang="en-US" dirty="0" smtClean="0"/>
+              <a:t> methods</a:t>
+            </a:r>
+          </a:p>
+          <a:p>
+            <a:r>
+              <a:rPr lang="en-US" dirty="0" smtClean="0"/>
+              <a:t>The main objectives of native keywords:</a:t>
+            </a:r>
+          </a:p>
+          <a:p>
+            <a:pPr marL="285750" indent="-285750">
+              <a:buFont typeface="Arial" panose="020B0604020202020204" pitchFamily="34" charset="0"/>
+              <a:buChar char="•"/>
+            </a:pPr>
+            <a:r>
+              <a:rPr lang="en-US" dirty="0" smtClean="0"/>
+              <a:t>To improve performance of system</a:t>
+            </a:r>
+          </a:p>
+          <a:p>
+            <a:pPr marL="285750" indent="-285750">
+              <a:buFont typeface="Arial" panose="020B0604020202020204" pitchFamily="34" charset="0"/>
+              <a:buChar char="•"/>
+            </a:pPr>
+            <a:r>
+              <a:rPr lang="en-US" dirty="0" smtClean="0"/>
+              <a:t>To use already existing legacy non-java code</a:t>
+            </a:r>
+          </a:p>
+          <a:p>
+            <a:pPr marL="285750" indent="-285750">
+              <a:buFont typeface="Arial" panose="020B0604020202020204" pitchFamily="34" charset="0"/>
+              <a:buChar char="•"/>
+            </a:pPr>
+            <a:r>
+              <a:rPr lang="en-US" dirty="0" smtClean="0"/>
+              <a:t>To achieve machine level </a:t>
+            </a:r>
+            <a:r>
+              <a:rPr lang="en-US" dirty="0" err="1" smtClean="0"/>
+              <a:t>communicatiom</a:t>
+            </a:r>
+            <a:endParaRPr lang="en-US" dirty="0" smtClean="0"/>
+          </a:p>
+          <a:p>
+            <a:r>
+              <a:rPr lang="en-US" dirty="0" smtClean="0"/>
+              <a:t> </a:t>
+            </a:r>
+          </a:p>
+        </p:txBody>
+      </p:sp>
+    </p:spTree>
+    <p:extLst>
+      <p:ext uri="{BB962C8B-B14F-4D97-AF65-F5344CB8AC3E}">
+        <p14:creationId xmlns:p14="http://schemas.microsoft.com/office/powerpoint/2010/main" val="1499918428"/>
+      </p:ext>
+    </p:extLst>
+  </p:cSld>
+  <p:clrMapOvr>
+    <a:masterClrMapping/>
+  </p:clrMapOvr>
+</p:sld>
+</file>
+
+<file path=ppt/slides/slide85.xml><?xml version="1.0" encoding="utf-8"?>
+<p:sld xmlns:a="http://schemas.openxmlformats.org/drawingml/2006/main" xmlns:r="http://schemas.openxmlformats.org/officeDocument/2006/relationships" xmlns:p="http://schemas.openxmlformats.org/presentationml/2006/main">
+  <p:cSld>
+    <p:spTree>
+      <p:nvGrpSpPr>
+        <p:cNvPr id="1" name=""/>
+        <p:cNvGrpSpPr/>
+        <p:nvPr/>
+      </p:nvGrpSpPr>
+      <p:grpSpPr>
+        <a:xfrm>
+          <a:off x="0" y="0"/>
+          <a:ext cx="0" cy="0"/>
+          <a:chOff x="0" y="0"/>
+          <a:chExt cx="0" cy="0"/>
+        </a:xfrm>
+      </p:grpSpPr>
+      <p:sp>
+        <p:nvSpPr>
+          <p:cNvPr id="2" name="TextBox 1"/>
+          <p:cNvSpPr txBox="1"/>
+          <p:nvPr/>
+        </p:nvSpPr>
+        <p:spPr>
+          <a:xfrm>
+            <a:off x="163773" y="204715"/>
+            <a:ext cx="10781732" cy="4247317"/>
+          </a:xfrm>
+          <a:prstGeom prst="rect">
+            <a:avLst/>
+          </a:prstGeom>
+          <a:noFill/>
+        </p:spPr>
+        <p:txBody>
+          <a:bodyPr wrap="square" rtlCol="0">
+            <a:spAutoFit/>
+          </a:bodyPr>
+          <a:lstStyle/>
+          <a:p>
+            <a:r>
+              <a:rPr lang="en-US" b="1" dirty="0" smtClean="0"/>
+              <a:t>Transient Modifier:</a:t>
+            </a:r>
+          </a:p>
+          <a:p>
+            <a:pPr marL="285750" indent="-285750">
+              <a:buFont typeface="Arial" panose="020B0604020202020204" pitchFamily="34" charset="0"/>
+              <a:buChar char="•"/>
+            </a:pPr>
+            <a:r>
+              <a:rPr lang="en-US" dirty="0" smtClean="0"/>
+              <a:t>Transient is a modifier applicable only for variables but not for methods and classes</a:t>
+            </a:r>
+          </a:p>
+          <a:p>
+            <a:pPr marL="285750" indent="-285750">
+              <a:buFont typeface="Arial" panose="020B0604020202020204" pitchFamily="34" charset="0"/>
+              <a:buChar char="•"/>
+            </a:pPr>
+            <a:r>
+              <a:rPr lang="en-US" dirty="0" smtClean="0"/>
+              <a:t>At the time of serialization if we do not want to serialize the value of a particular variable to meet the security constraints then we should declare that variable with transient modifier </a:t>
+            </a:r>
+          </a:p>
+          <a:p>
+            <a:pPr marL="285750" indent="-285750">
+              <a:buFont typeface="Arial" panose="020B0604020202020204" pitchFamily="34" charset="0"/>
+              <a:buChar char="•"/>
+            </a:pPr>
+            <a:r>
+              <a:rPr lang="en-US" dirty="0" smtClean="0"/>
+              <a:t>At the time of serialization JVM ignores the original value of the transient variable and save default value that is transient mean not to serialize</a:t>
+            </a:r>
+          </a:p>
+          <a:p>
+            <a:pPr marL="285750" indent="-285750">
+              <a:buFont typeface="Arial" panose="020B0604020202020204" pitchFamily="34" charset="0"/>
+              <a:buChar char="•"/>
+            </a:pPr>
+            <a:endParaRPr lang="en-US" dirty="0"/>
+          </a:p>
+          <a:p>
+            <a:r>
+              <a:rPr lang="en-US" b="1" dirty="0" smtClean="0"/>
+              <a:t>Volatile modifier:</a:t>
+            </a:r>
+          </a:p>
+          <a:p>
+            <a:pPr marL="285750" indent="-285750">
+              <a:buFont typeface="Arial" panose="020B0604020202020204" pitchFamily="34" charset="0"/>
+              <a:buChar char="•"/>
+            </a:pPr>
+            <a:r>
+              <a:rPr lang="en-US" dirty="0" smtClean="0"/>
+              <a:t>Volatile is a modifier applicable only for variables but not for classes and methods</a:t>
+            </a:r>
+          </a:p>
+          <a:p>
+            <a:pPr marL="285750" indent="-285750">
+              <a:buFont typeface="Arial" panose="020B0604020202020204" pitchFamily="34" charset="0"/>
+              <a:buChar char="•"/>
+            </a:pPr>
+            <a:r>
+              <a:rPr lang="en-US" dirty="0" smtClean="0"/>
+              <a:t>If the value of variable keeps on changing such type of variables we have to declare with volatile modifier</a:t>
+            </a:r>
+          </a:p>
+          <a:p>
+            <a:pPr marL="285750" indent="-285750">
+              <a:buFont typeface="Arial" panose="020B0604020202020204" pitchFamily="34" charset="0"/>
+              <a:buChar char="•"/>
+            </a:pPr>
+            <a:r>
+              <a:rPr lang="en-US" dirty="0" smtClean="0"/>
+              <a:t>If a variable declared as volatile then for every thread a separate local copy will be created </a:t>
+            </a:r>
+            <a:r>
+              <a:rPr lang="en-US" smtClean="0"/>
+              <a:t>by the JVM</a:t>
+            </a:r>
+            <a:endParaRPr lang="en-US" dirty="0" smtClean="0"/>
+          </a:p>
+          <a:p>
+            <a:endParaRPr lang="en-US" dirty="0"/>
+          </a:p>
+          <a:p>
+            <a:pPr marL="285750" indent="-285750">
+              <a:buFont typeface="Arial" panose="020B0604020202020204" pitchFamily="34" charset="0"/>
+              <a:buChar char="•"/>
+            </a:pPr>
+            <a:endParaRPr lang="en-US" dirty="0"/>
+          </a:p>
+        </p:txBody>
+      </p:sp>
+    </p:spTree>
+    <p:extLst>
+      <p:ext uri="{BB962C8B-B14F-4D97-AF65-F5344CB8AC3E}">
+        <p14:creationId xmlns:p14="http://schemas.microsoft.com/office/powerpoint/2010/main" val="2741888603"/>
       </p:ext>
     </p:extLst>
   </p:cSld>

--- a/Java Training - Sessions.pptx
+++ b/Java Training - Sessions.pptx
@@ -4,6 +4,9 @@
   <p:sldMasterIdLst>
     <p:sldMasterId id="2147483660" r:id="rId1"/>
   </p:sldMasterIdLst>
+  <p:notesMasterIdLst>
+    <p:notesMasterId r:id="rId99"/>
+  </p:notesMasterIdLst>
   <p:sldIdLst>
     <p:sldId id="256" r:id="rId2"/>
     <p:sldId id="273" r:id="rId3"/>
@@ -88,8 +91,20 @@
     <p:sldId id="335" r:id="rId82"/>
     <p:sldId id="336" r:id="rId83"/>
     <p:sldId id="337" r:id="rId84"/>
-    <p:sldId id="339" r:id="rId85"/>
-    <p:sldId id="340" r:id="rId86"/>
+    <p:sldId id="341" r:id="rId85"/>
+    <p:sldId id="339" r:id="rId86"/>
+    <p:sldId id="340" r:id="rId87"/>
+    <p:sldId id="342" r:id="rId88"/>
+    <p:sldId id="343" r:id="rId89"/>
+    <p:sldId id="344" r:id="rId90"/>
+    <p:sldId id="345" r:id="rId91"/>
+    <p:sldId id="346" r:id="rId92"/>
+    <p:sldId id="347" r:id="rId93"/>
+    <p:sldId id="348" r:id="rId94"/>
+    <p:sldId id="349" r:id="rId95"/>
+    <p:sldId id="350" r:id="rId96"/>
+    <p:sldId id="351" r:id="rId97"/>
+    <p:sldId id="352" r:id="rId98"/>
   </p:sldIdLst>
   <p:sldSz cx="12192000" cy="6858000"/>
   <p:notesSz cx="6858000" cy="9144000"/>
@@ -276,8 +291,20 @@
             <p14:sldId id="335"/>
             <p14:sldId id="336"/>
             <p14:sldId id="337"/>
+            <p14:sldId id="341"/>
             <p14:sldId id="339"/>
             <p14:sldId id="340"/>
+            <p14:sldId id="342"/>
+            <p14:sldId id="343"/>
+            <p14:sldId id="344"/>
+            <p14:sldId id="345"/>
+            <p14:sldId id="346"/>
+            <p14:sldId id="347"/>
+            <p14:sldId id="348"/>
+            <p14:sldId id="349"/>
+            <p14:sldId id="350"/>
+            <p14:sldId id="351"/>
+            <p14:sldId id="352"/>
           </p14:sldIdLst>
         </p14:section>
       </p14:sectionLst>
@@ -287,6 +314,440 @@
     </p:ext>
   </p:extLst>
 </p:presentation>
+</file>
+
+<file path=ppt/notesMasters/notesMaster1.xml><?xml version="1.0" encoding="utf-8"?>
+<p:notesMaster xmlns:a="http://schemas.openxmlformats.org/drawingml/2006/main" xmlns:r="http://schemas.openxmlformats.org/officeDocument/2006/relationships" xmlns:p="http://schemas.openxmlformats.org/presentationml/2006/main">
+  <p:cSld>
+    <p:bg>
+      <p:bgRef idx="1001">
+        <a:schemeClr val="bg1"/>
+      </p:bgRef>
+    </p:bg>
+    <p:spTree>
+      <p:nvGrpSpPr>
+        <p:cNvPr id="1" name=""/>
+        <p:cNvGrpSpPr/>
+        <p:nvPr/>
+      </p:nvGrpSpPr>
+      <p:grpSpPr>
+        <a:xfrm>
+          <a:off x="0" y="0"/>
+          <a:ext cx="0" cy="0"/>
+          <a:chOff x="0" y="0"/>
+          <a:chExt cx="0" cy="0"/>
+        </a:xfrm>
+      </p:grpSpPr>
+      <p:sp>
+        <p:nvSpPr>
+          <p:cNvPr id="2" name="Header Placeholder 1"/>
+          <p:cNvSpPr>
+            <a:spLocks noGrp="1"/>
+          </p:cNvSpPr>
+          <p:nvPr>
+            <p:ph type="hdr" sz="quarter"/>
+          </p:nvPr>
+        </p:nvSpPr>
+        <p:spPr>
+          <a:xfrm>
+            <a:off x="0" y="0"/>
+            <a:ext cx="2971800" cy="458788"/>
+          </a:xfrm>
+          <a:prstGeom prst="rect">
+            <a:avLst/>
+          </a:prstGeom>
+        </p:spPr>
+        <p:txBody>
+          <a:bodyPr vert="horz" lIns="91440" tIns="45720" rIns="91440" bIns="45720" rtlCol="0"/>
+          <a:lstStyle>
+            <a:lvl1pPr algn="l">
+              <a:defRPr sz="1200"/>
+            </a:lvl1pPr>
+          </a:lstStyle>
+          <a:p>
+            <a:endParaRPr lang="en-US"/>
+          </a:p>
+        </p:txBody>
+      </p:sp>
+      <p:sp>
+        <p:nvSpPr>
+          <p:cNvPr id="3" name="Date Placeholder 2"/>
+          <p:cNvSpPr>
+            <a:spLocks noGrp="1"/>
+          </p:cNvSpPr>
+          <p:nvPr>
+            <p:ph type="dt" idx="1"/>
+          </p:nvPr>
+        </p:nvSpPr>
+        <p:spPr>
+          <a:xfrm>
+            <a:off x="3884613" y="0"/>
+            <a:ext cx="2971800" cy="458788"/>
+          </a:xfrm>
+          <a:prstGeom prst="rect">
+            <a:avLst/>
+          </a:prstGeom>
+        </p:spPr>
+        <p:txBody>
+          <a:bodyPr vert="horz" lIns="91440" tIns="45720" rIns="91440" bIns="45720" rtlCol="0"/>
+          <a:lstStyle>
+            <a:lvl1pPr algn="r">
+              <a:defRPr sz="1200"/>
+            </a:lvl1pPr>
+          </a:lstStyle>
+          <a:p>
+            <a:fld id="{431C3BB3-29FE-488E-A5A7-9977FC1030A7}" type="datetimeFigureOut">
+              <a:rPr lang="en-US" smtClean="0"/>
+              <a:t>4/3/2019</a:t>
+            </a:fld>
+            <a:endParaRPr lang="en-US"/>
+          </a:p>
+        </p:txBody>
+      </p:sp>
+      <p:sp>
+        <p:nvSpPr>
+          <p:cNvPr id="4" name="Slide Image Placeholder 3"/>
+          <p:cNvSpPr>
+            <a:spLocks noGrp="1" noRot="1" noChangeAspect="1"/>
+          </p:cNvSpPr>
+          <p:nvPr>
+            <p:ph type="sldImg" idx="2"/>
+          </p:nvPr>
+        </p:nvSpPr>
+        <p:spPr>
+          <a:xfrm>
+            <a:off x="685800" y="1143000"/>
+            <a:ext cx="5486400" cy="3086100"/>
+          </a:xfrm>
+          <a:prstGeom prst="rect">
+            <a:avLst/>
+          </a:prstGeom>
+          <a:noFill/>
+          <a:ln w="12700">
+            <a:solidFill>
+              <a:prstClr val="black"/>
+            </a:solidFill>
+          </a:ln>
+        </p:spPr>
+        <p:txBody>
+          <a:bodyPr vert="horz" lIns="91440" tIns="45720" rIns="91440" bIns="45720" rtlCol="0" anchor="ctr"/>
+          <a:lstStyle/>
+          <a:p>
+            <a:endParaRPr lang="en-US"/>
+          </a:p>
+        </p:txBody>
+      </p:sp>
+      <p:sp>
+        <p:nvSpPr>
+          <p:cNvPr id="5" name="Notes Placeholder 4"/>
+          <p:cNvSpPr>
+            <a:spLocks noGrp="1"/>
+          </p:cNvSpPr>
+          <p:nvPr>
+            <p:ph type="body" sz="quarter" idx="3"/>
+          </p:nvPr>
+        </p:nvSpPr>
+        <p:spPr>
+          <a:xfrm>
+            <a:off x="685800" y="4400550"/>
+            <a:ext cx="5486400" cy="3600450"/>
+          </a:xfrm>
+          <a:prstGeom prst="rect">
+            <a:avLst/>
+          </a:prstGeom>
+        </p:spPr>
+        <p:txBody>
+          <a:bodyPr vert="horz" lIns="91440" tIns="45720" rIns="91440" bIns="45720" rtlCol="0"/>
+          <a:lstStyle/>
+          <a:p>
+            <a:pPr lvl="0"/>
+            <a:r>
+              <a:rPr lang="en-US" smtClean="0"/>
+              <a:t>Click to edit Master text styles</a:t>
+            </a:r>
+          </a:p>
+          <a:p>
+            <a:pPr lvl="1"/>
+            <a:r>
+              <a:rPr lang="en-US" smtClean="0"/>
+              <a:t>Second level</a:t>
+            </a:r>
+          </a:p>
+          <a:p>
+            <a:pPr lvl="2"/>
+            <a:r>
+              <a:rPr lang="en-US" smtClean="0"/>
+              <a:t>Third level</a:t>
+            </a:r>
+          </a:p>
+          <a:p>
+            <a:pPr lvl="3"/>
+            <a:r>
+              <a:rPr lang="en-US" smtClean="0"/>
+              <a:t>Fourth level</a:t>
+            </a:r>
+          </a:p>
+          <a:p>
+            <a:pPr lvl="4"/>
+            <a:r>
+              <a:rPr lang="en-US" smtClean="0"/>
+              <a:t>Fifth level</a:t>
+            </a:r>
+            <a:endParaRPr lang="en-US"/>
+          </a:p>
+        </p:txBody>
+      </p:sp>
+      <p:sp>
+        <p:nvSpPr>
+          <p:cNvPr id="6" name="Footer Placeholder 5"/>
+          <p:cNvSpPr>
+            <a:spLocks noGrp="1"/>
+          </p:cNvSpPr>
+          <p:nvPr>
+            <p:ph type="ftr" sz="quarter" idx="4"/>
+          </p:nvPr>
+        </p:nvSpPr>
+        <p:spPr>
+          <a:xfrm>
+            <a:off x="0" y="8685213"/>
+            <a:ext cx="2971800" cy="458787"/>
+          </a:xfrm>
+          <a:prstGeom prst="rect">
+            <a:avLst/>
+          </a:prstGeom>
+        </p:spPr>
+        <p:txBody>
+          <a:bodyPr vert="horz" lIns="91440" tIns="45720" rIns="91440" bIns="45720" rtlCol="0" anchor="b"/>
+          <a:lstStyle>
+            <a:lvl1pPr algn="l">
+              <a:defRPr sz="1200"/>
+            </a:lvl1pPr>
+          </a:lstStyle>
+          <a:p>
+            <a:endParaRPr lang="en-US"/>
+          </a:p>
+        </p:txBody>
+      </p:sp>
+      <p:sp>
+        <p:nvSpPr>
+          <p:cNvPr id="7" name="Slide Number Placeholder 6"/>
+          <p:cNvSpPr>
+            <a:spLocks noGrp="1"/>
+          </p:cNvSpPr>
+          <p:nvPr>
+            <p:ph type="sldNum" sz="quarter" idx="5"/>
+          </p:nvPr>
+        </p:nvSpPr>
+        <p:spPr>
+          <a:xfrm>
+            <a:off x="3884613" y="8685213"/>
+            <a:ext cx="2971800" cy="458787"/>
+          </a:xfrm>
+          <a:prstGeom prst="rect">
+            <a:avLst/>
+          </a:prstGeom>
+        </p:spPr>
+        <p:txBody>
+          <a:bodyPr vert="horz" lIns="91440" tIns="45720" rIns="91440" bIns="45720" rtlCol="0" anchor="b"/>
+          <a:lstStyle>
+            <a:lvl1pPr algn="r">
+              <a:defRPr sz="1200"/>
+            </a:lvl1pPr>
+          </a:lstStyle>
+          <a:p>
+            <a:fld id="{E9F7BF2B-F133-4EA6-A509-C82B955739DF}" type="slidenum">
+              <a:rPr lang="en-US" smtClean="0"/>
+              <a:t>‹#›</a:t>
+            </a:fld>
+            <a:endParaRPr lang="en-US"/>
+          </a:p>
+        </p:txBody>
+      </p:sp>
+    </p:spTree>
+    <p:extLst>
+      <p:ext uri="{BB962C8B-B14F-4D97-AF65-F5344CB8AC3E}">
+        <p14:creationId xmlns:p14="http://schemas.microsoft.com/office/powerpoint/2010/main" val="3489987790"/>
+      </p:ext>
+    </p:extLst>
+  </p:cSld>
+  <p:clrMap bg1="lt1" tx1="dk1" bg2="lt2" tx2="dk2" accent1="accent1" accent2="accent2" accent3="accent3" accent4="accent4" accent5="accent5" accent6="accent6" hlink="hlink" folHlink="folHlink"/>
+  <p:notesStyle>
+    <a:lvl1pPr marL="0" algn="l" defTabSz="914400" rtl="0" eaLnBrk="1" latinLnBrk="0" hangingPunct="1">
+      <a:defRPr sz="1200" kern="1200">
+        <a:solidFill>
+          <a:schemeClr val="tx1"/>
+        </a:solidFill>
+        <a:latin typeface="+mn-lt"/>
+        <a:ea typeface="+mn-ea"/>
+        <a:cs typeface="+mn-cs"/>
+      </a:defRPr>
+    </a:lvl1pPr>
+    <a:lvl2pPr marL="457200" algn="l" defTabSz="914400" rtl="0" eaLnBrk="1" latinLnBrk="0" hangingPunct="1">
+      <a:defRPr sz="1200" kern="1200">
+        <a:solidFill>
+          <a:schemeClr val="tx1"/>
+        </a:solidFill>
+        <a:latin typeface="+mn-lt"/>
+        <a:ea typeface="+mn-ea"/>
+        <a:cs typeface="+mn-cs"/>
+      </a:defRPr>
+    </a:lvl2pPr>
+    <a:lvl3pPr marL="914400" algn="l" defTabSz="914400" rtl="0" eaLnBrk="1" latinLnBrk="0" hangingPunct="1">
+      <a:defRPr sz="1200" kern="1200">
+        <a:solidFill>
+          <a:schemeClr val="tx1"/>
+        </a:solidFill>
+        <a:latin typeface="+mn-lt"/>
+        <a:ea typeface="+mn-ea"/>
+        <a:cs typeface="+mn-cs"/>
+      </a:defRPr>
+    </a:lvl3pPr>
+    <a:lvl4pPr marL="1371600" algn="l" defTabSz="914400" rtl="0" eaLnBrk="1" latinLnBrk="0" hangingPunct="1">
+      <a:defRPr sz="1200" kern="1200">
+        <a:solidFill>
+          <a:schemeClr val="tx1"/>
+        </a:solidFill>
+        <a:latin typeface="+mn-lt"/>
+        <a:ea typeface="+mn-ea"/>
+        <a:cs typeface="+mn-cs"/>
+      </a:defRPr>
+    </a:lvl4pPr>
+    <a:lvl5pPr marL="1828800" algn="l" defTabSz="914400" rtl="0" eaLnBrk="1" latinLnBrk="0" hangingPunct="1">
+      <a:defRPr sz="1200" kern="1200">
+        <a:solidFill>
+          <a:schemeClr val="tx1"/>
+        </a:solidFill>
+        <a:latin typeface="+mn-lt"/>
+        <a:ea typeface="+mn-ea"/>
+        <a:cs typeface="+mn-cs"/>
+      </a:defRPr>
+    </a:lvl5pPr>
+    <a:lvl6pPr marL="2286000" algn="l" defTabSz="914400" rtl="0" eaLnBrk="1" latinLnBrk="0" hangingPunct="1">
+      <a:defRPr sz="1200" kern="1200">
+        <a:solidFill>
+          <a:schemeClr val="tx1"/>
+        </a:solidFill>
+        <a:latin typeface="+mn-lt"/>
+        <a:ea typeface="+mn-ea"/>
+        <a:cs typeface="+mn-cs"/>
+      </a:defRPr>
+    </a:lvl6pPr>
+    <a:lvl7pPr marL="2743200" algn="l" defTabSz="914400" rtl="0" eaLnBrk="1" latinLnBrk="0" hangingPunct="1">
+      <a:defRPr sz="1200" kern="1200">
+        <a:solidFill>
+          <a:schemeClr val="tx1"/>
+        </a:solidFill>
+        <a:latin typeface="+mn-lt"/>
+        <a:ea typeface="+mn-ea"/>
+        <a:cs typeface="+mn-cs"/>
+      </a:defRPr>
+    </a:lvl7pPr>
+    <a:lvl8pPr marL="3200400" algn="l" defTabSz="914400" rtl="0" eaLnBrk="1" latinLnBrk="0" hangingPunct="1">
+      <a:defRPr sz="1200" kern="1200">
+        <a:solidFill>
+          <a:schemeClr val="tx1"/>
+        </a:solidFill>
+        <a:latin typeface="+mn-lt"/>
+        <a:ea typeface="+mn-ea"/>
+        <a:cs typeface="+mn-cs"/>
+      </a:defRPr>
+    </a:lvl8pPr>
+    <a:lvl9pPr marL="3657600" algn="l" defTabSz="914400" rtl="0" eaLnBrk="1" latinLnBrk="0" hangingPunct="1">
+      <a:defRPr sz="1200" kern="1200">
+        <a:solidFill>
+          <a:schemeClr val="tx1"/>
+        </a:solidFill>
+        <a:latin typeface="+mn-lt"/>
+        <a:ea typeface="+mn-ea"/>
+        <a:cs typeface="+mn-cs"/>
+      </a:defRPr>
+    </a:lvl9pPr>
+  </p:notesStyle>
+</p:notesMaster>
+</file>
+
+<file path=ppt/notesSlides/notesSlide1.xml><?xml version="1.0" encoding="utf-8"?>
+<p:notes xmlns:a="http://schemas.openxmlformats.org/drawingml/2006/main" xmlns:r="http://schemas.openxmlformats.org/officeDocument/2006/relationships" xmlns:p="http://schemas.openxmlformats.org/presentationml/2006/main">
+  <p:cSld>
+    <p:spTree>
+      <p:nvGrpSpPr>
+        <p:cNvPr id="1" name=""/>
+        <p:cNvGrpSpPr/>
+        <p:nvPr/>
+      </p:nvGrpSpPr>
+      <p:grpSpPr>
+        <a:xfrm>
+          <a:off x="0" y="0"/>
+          <a:ext cx="0" cy="0"/>
+          <a:chOff x="0" y="0"/>
+          <a:chExt cx="0" cy="0"/>
+        </a:xfrm>
+      </p:grpSpPr>
+      <p:sp>
+        <p:nvSpPr>
+          <p:cNvPr id="2" name="Slide Image Placeholder 1"/>
+          <p:cNvSpPr>
+            <a:spLocks noGrp="1" noRot="1" noChangeAspect="1"/>
+          </p:cNvSpPr>
+          <p:nvPr>
+            <p:ph type="sldImg"/>
+          </p:nvPr>
+        </p:nvSpPr>
+        <p:spPr/>
+      </p:sp>
+      <p:sp>
+        <p:nvSpPr>
+          <p:cNvPr id="3" name="Notes Placeholder 2"/>
+          <p:cNvSpPr>
+            <a:spLocks noGrp="1"/>
+          </p:cNvSpPr>
+          <p:nvPr>
+            <p:ph type="body" idx="1"/>
+          </p:nvPr>
+        </p:nvSpPr>
+        <p:spPr/>
+        <p:txBody>
+          <a:bodyPr/>
+          <a:lstStyle/>
+          <a:p>
+            <a:endParaRPr lang="en-US" dirty="0"/>
+          </a:p>
+        </p:txBody>
+      </p:sp>
+      <p:sp>
+        <p:nvSpPr>
+          <p:cNvPr id="4" name="Slide Number Placeholder 3"/>
+          <p:cNvSpPr>
+            <a:spLocks noGrp="1"/>
+          </p:cNvSpPr>
+          <p:nvPr>
+            <p:ph type="sldNum" sz="quarter" idx="10"/>
+          </p:nvPr>
+        </p:nvSpPr>
+        <p:spPr/>
+        <p:txBody>
+          <a:bodyPr/>
+          <a:lstStyle/>
+          <a:p>
+            <a:fld id="{E9F7BF2B-F133-4EA6-A509-C82B955739DF}" type="slidenum">
+              <a:rPr lang="en-US" smtClean="0"/>
+              <a:t>93</a:t>
+            </a:fld>
+            <a:endParaRPr lang="en-US"/>
+          </a:p>
+        </p:txBody>
+      </p:sp>
+    </p:spTree>
+    <p:extLst>
+      <p:ext uri="{BB962C8B-B14F-4D97-AF65-F5344CB8AC3E}">
+        <p14:creationId xmlns:p14="http://schemas.microsoft.com/office/powerpoint/2010/main" val="1900477492"/>
+      </p:ext>
+    </p:extLst>
+  </p:cSld>
+  <p:clrMapOvr>
+    <a:masterClrMapping/>
+  </p:clrMapOvr>
+</p:notes>
 </file>
 
 <file path=ppt/slideLayouts/slideLayout1.xml><?xml version="1.0" encoding="utf-8"?>
@@ -475,7 +936,7 @@
           <a:p>
             <a:fld id="{CB54B2AA-6B73-4FDC-9E75-38898578AC12}" type="datetimeFigureOut">
               <a:rPr lang="en-US" smtClean="0"/>
-              <a:t>4/1/2019</a:t>
+              <a:t>4/3/2019</a:t>
             </a:fld>
             <a:endParaRPr lang="en-US"/>
           </a:p>
@@ -750,7 +1211,7 @@
           <a:p>
             <a:fld id="{CB54B2AA-6B73-4FDC-9E75-38898578AC12}" type="datetimeFigureOut">
               <a:rPr lang="en-US" smtClean="0"/>
-              <a:t>4/1/2019</a:t>
+              <a:t>4/3/2019</a:t>
             </a:fld>
             <a:endParaRPr lang="en-US"/>
           </a:p>
@@ -944,7 +1405,7 @@
           <a:p>
             <a:fld id="{CB54B2AA-6B73-4FDC-9E75-38898578AC12}" type="datetimeFigureOut">
               <a:rPr lang="en-US" smtClean="0"/>
-              <a:t>4/1/2019</a:t>
+              <a:t>4/3/2019</a:t>
             </a:fld>
             <a:endParaRPr lang="en-US"/>
           </a:p>
@@ -1217,7 +1678,7 @@
           <a:p>
             <a:fld id="{CB54B2AA-6B73-4FDC-9E75-38898578AC12}" type="datetimeFigureOut">
               <a:rPr lang="en-US" smtClean="0"/>
-              <a:t>4/1/2019</a:t>
+              <a:t>4/3/2019</a:t>
             </a:fld>
             <a:endParaRPr lang="en-US"/>
           </a:p>
@@ -1558,7 +2019,7 @@
           <a:p>
             <a:fld id="{CB54B2AA-6B73-4FDC-9E75-38898578AC12}" type="datetimeFigureOut">
               <a:rPr lang="en-US" smtClean="0"/>
-              <a:t>4/1/2019</a:t>
+              <a:t>4/3/2019</a:t>
             </a:fld>
             <a:endParaRPr lang="en-US"/>
           </a:p>
@@ -2181,7 +2642,7 @@
           <a:p>
             <a:fld id="{CB54B2AA-6B73-4FDC-9E75-38898578AC12}" type="datetimeFigureOut">
               <a:rPr lang="en-US" smtClean="0"/>
-              <a:t>4/1/2019</a:t>
+              <a:t>4/3/2019</a:t>
             </a:fld>
             <a:endParaRPr lang="en-US"/>
           </a:p>
@@ -3041,7 +3502,7 @@
           <a:p>
             <a:fld id="{CB54B2AA-6B73-4FDC-9E75-38898578AC12}" type="datetimeFigureOut">
               <a:rPr lang="en-US" smtClean="0"/>
-              <a:t>4/1/2019</a:t>
+              <a:t>4/3/2019</a:t>
             </a:fld>
             <a:endParaRPr lang="en-US"/>
           </a:p>
@@ -3211,7 +3672,7 @@
           <a:p>
             <a:fld id="{CB54B2AA-6B73-4FDC-9E75-38898578AC12}" type="datetimeFigureOut">
               <a:rPr lang="en-US" smtClean="0"/>
-              <a:t>4/1/2019</a:t>
+              <a:t>4/3/2019</a:t>
             </a:fld>
             <a:endParaRPr lang="en-US"/>
           </a:p>
@@ -3391,7 +3852,7 @@
           <a:p>
             <a:fld id="{CB54B2AA-6B73-4FDC-9E75-38898578AC12}" type="datetimeFigureOut">
               <a:rPr lang="en-US" smtClean="0"/>
-              <a:t>4/1/2019</a:t>
+              <a:t>4/3/2019</a:t>
             </a:fld>
             <a:endParaRPr lang="en-US"/>
           </a:p>
@@ -3561,7 +4022,7 @@
           <a:p>
             <a:fld id="{CB54B2AA-6B73-4FDC-9E75-38898578AC12}" type="datetimeFigureOut">
               <a:rPr lang="en-US" smtClean="0"/>
-              <a:t>4/1/2019</a:t>
+              <a:t>4/3/2019</a:t>
             </a:fld>
             <a:endParaRPr lang="en-US"/>
           </a:p>
@@ -3808,7 +4269,7 @@
           <a:p>
             <a:fld id="{CB54B2AA-6B73-4FDC-9E75-38898578AC12}" type="datetimeFigureOut">
               <a:rPr lang="en-US" smtClean="0"/>
-              <a:t>4/1/2019</a:t>
+              <a:t>4/3/2019</a:t>
             </a:fld>
             <a:endParaRPr lang="en-US"/>
           </a:p>
@@ -4100,7 +4561,7 @@
           <a:p>
             <a:fld id="{CB54B2AA-6B73-4FDC-9E75-38898578AC12}" type="datetimeFigureOut">
               <a:rPr lang="en-US" smtClean="0"/>
-              <a:t>4/1/2019</a:t>
+              <a:t>4/3/2019</a:t>
             </a:fld>
             <a:endParaRPr lang="en-US"/>
           </a:p>
@@ -4544,7 +5005,7 @@
           <a:p>
             <a:fld id="{CB54B2AA-6B73-4FDC-9E75-38898578AC12}" type="datetimeFigureOut">
               <a:rPr lang="en-US" smtClean="0"/>
-              <a:t>4/1/2019</a:t>
+              <a:t>4/3/2019</a:t>
             </a:fld>
             <a:endParaRPr lang="en-US"/>
           </a:p>
@@ -4662,7 +5123,7 @@
           <a:p>
             <a:fld id="{CB54B2AA-6B73-4FDC-9E75-38898578AC12}" type="datetimeFigureOut">
               <a:rPr lang="en-US" smtClean="0"/>
-              <a:t>4/1/2019</a:t>
+              <a:t>4/3/2019</a:t>
             </a:fld>
             <a:endParaRPr lang="en-US"/>
           </a:p>
@@ -4757,7 +5218,7 @@
           <a:p>
             <a:fld id="{CB54B2AA-6B73-4FDC-9E75-38898578AC12}" type="datetimeFigureOut">
               <a:rPr lang="en-US" smtClean="0"/>
-              <a:t>4/1/2019</a:t>
+              <a:t>4/3/2019</a:t>
             </a:fld>
             <a:endParaRPr lang="en-US"/>
           </a:p>
@@ -5036,7 +5497,7 @@
           <a:p>
             <a:fld id="{CB54B2AA-6B73-4FDC-9E75-38898578AC12}" type="datetimeFigureOut">
               <a:rPr lang="en-US" smtClean="0"/>
-              <a:t>4/1/2019</a:t>
+              <a:t>4/3/2019</a:t>
             </a:fld>
             <a:endParaRPr lang="en-US"/>
           </a:p>
@@ -5311,7 +5772,7 @@
           <a:p>
             <a:fld id="{CB54B2AA-6B73-4FDC-9E75-38898578AC12}" type="datetimeFigureOut">
               <a:rPr lang="en-US" smtClean="0"/>
-              <a:t>4/1/2019</a:t>
+              <a:t>4/3/2019</a:t>
             </a:fld>
             <a:endParaRPr lang="en-US"/>
           </a:p>
@@ -5740,7 +6201,7 @@
           <a:p>
             <a:fld id="{CB54B2AA-6B73-4FDC-9E75-38898578AC12}" type="datetimeFigureOut">
               <a:rPr lang="en-US" smtClean="0"/>
-              <a:t>4/1/2019</a:t>
+              <a:t>4/3/2019</a:t>
             </a:fld>
             <a:endParaRPr lang="en-US"/>
           </a:p>
@@ -20880,75 +21341,58 @@
       </p:grpSpPr>
       <p:sp>
         <p:nvSpPr>
-          <p:cNvPr id="2" name="TextBox 1"/>
-          <p:cNvSpPr txBox="1"/>
-          <p:nvPr/>
+          <p:cNvPr id="2" name="Title 1"/>
+          <p:cNvSpPr>
+            <a:spLocks noGrp="1"/>
+          </p:cNvSpPr>
+          <p:nvPr>
+            <p:ph type="title"/>
+          </p:nvPr>
         </p:nvSpPr>
         <p:spPr>
           <a:xfrm>
-            <a:off x="163773" y="272954"/>
-            <a:ext cx="10003809" cy="6463308"/>
+            <a:off x="241932" y="179763"/>
+            <a:ext cx="9095491" cy="857467"/>
           </a:xfrm>
-          <a:prstGeom prst="rect">
-            <a:avLst/>
-          </a:prstGeom>
-          <a:noFill/>
         </p:spPr>
         <p:txBody>
-          <a:bodyPr wrap="square" rtlCol="0">
-            <a:spAutoFit/>
-          </a:bodyPr>
+          <a:bodyPr/>
           <a:lstStyle/>
           <a:p>
             <a:r>
-              <a:rPr lang="en-US" b="1" dirty="0" err="1" smtClean="0"/>
-              <a:t>Strictfp</a:t>
-            </a:r>
-            <a:r>
-              <a:rPr lang="en-US" b="1" dirty="0" smtClean="0"/>
-              <a:t> Modifier:</a:t>
-            </a:r>
-          </a:p>
-          <a:p>
-            <a:pPr marL="285750" indent="-285750">
-              <a:buFont typeface="Arial" panose="020B0604020202020204" pitchFamily="34" charset="0"/>
-              <a:buChar char="•"/>
-            </a:pPr>
-            <a:r>
-              <a:rPr lang="en-US" dirty="0" err="1" smtClean="0"/>
-              <a:t>Strictfp</a:t>
-            </a:r>
-            <a:r>
-              <a:rPr lang="en-US" dirty="0" smtClean="0"/>
-              <a:t> modifier applicable for methods and classes but not for variables.</a:t>
-            </a:r>
-          </a:p>
-          <a:p>
-            <a:pPr marL="285750" indent="-285750">
-              <a:buFont typeface="Arial" panose="020B0604020202020204" pitchFamily="34" charset="0"/>
-              <a:buChar char="•"/>
-            </a:pPr>
-            <a:r>
-              <a:rPr lang="en-US" dirty="0" smtClean="0"/>
-              <a:t>Usually the result of floating point of arithmetic is varying from platform  to platform, to overcome this problem we should use </a:t>
-            </a:r>
-            <a:r>
-              <a:rPr lang="en-US" dirty="0" err="1" smtClean="0"/>
-              <a:t>strctfp</a:t>
-            </a:r>
-            <a:r>
-              <a:rPr lang="en-US" dirty="0" smtClean="0"/>
-              <a:t> modifier</a:t>
-            </a:r>
-          </a:p>
-          <a:p>
-            <a:pPr marL="285750" indent="-285750">
-              <a:buFont typeface="Arial" panose="020B0604020202020204" pitchFamily="34" charset="0"/>
-              <a:buChar char="•"/>
-            </a:pPr>
-            <a:r>
-              <a:rPr lang="en-US" dirty="0" smtClean="0"/>
-              <a:t>If a method declare as </a:t>
+              <a:rPr lang="en-US" dirty="0" smtClean="0"/>
+              <a:t>Session 12</a:t>
+            </a:r>
+            <a:endParaRPr lang="en-US" dirty="0"/>
+          </a:p>
+        </p:txBody>
+      </p:sp>
+      <p:sp>
+        <p:nvSpPr>
+          <p:cNvPr id="3" name="Content Placeholder 2"/>
+          <p:cNvSpPr>
+            <a:spLocks noGrp="1"/>
+          </p:cNvSpPr>
+          <p:nvPr>
+            <p:ph idx="1"/>
+          </p:nvPr>
+        </p:nvSpPr>
+        <p:spPr>
+          <a:xfrm>
+            <a:off x="285230" y="1201003"/>
+            <a:ext cx="10223546" cy="5322627"/>
+          </a:xfrm>
+        </p:spPr>
+        <p:txBody>
+          <a:bodyPr/>
+          <a:lstStyle/>
+          <a:p>
+            <a:pPr marL="457200" indent="-457200">
+              <a:buAutoNum type="arabicPeriod"/>
+            </a:pPr>
+            <a:r>
+              <a:rPr lang="en-US" dirty="0" smtClean="0"/>
+              <a:t>Modifiers (native, volatile, transient, </a:t>
             </a:r>
             <a:r>
               <a:rPr lang="en-US" dirty="0" err="1" smtClean="0"/>
@@ -20956,155 +21400,25 @@
             </a:r>
             <a:r>
               <a:rPr lang="en-US" dirty="0" smtClean="0"/>
-              <a:t> then all the floating point calculations in that method has follow IEEE754 standard, so that we will get platform independent result</a:t>
-            </a:r>
-          </a:p>
-          <a:p>
-            <a:endParaRPr lang="en-US" dirty="0" smtClean="0"/>
-          </a:p>
-          <a:p>
-            <a:r>
-              <a:rPr lang="en-US" dirty="0" smtClean="0"/>
-              <a:t>Ex: </a:t>
-            </a:r>
-            <a:r>
-              <a:rPr lang="en-US" dirty="0" err="1" smtClean="0"/>
-              <a:t>system.out.println</a:t>
-            </a:r>
-            <a:r>
-              <a:rPr lang="en-US" dirty="0" smtClean="0"/>
-              <a:t>(10.0/3);</a:t>
-            </a:r>
-          </a:p>
-          <a:p>
-            <a:r>
-              <a:rPr lang="en-US" dirty="0" smtClean="0"/>
-              <a:t>P1 – 3.33333333333333,  p2=3.3333333,   IEEE754 = 3.333]</a:t>
-            </a:r>
-          </a:p>
-          <a:p>
+              <a:t>)</a:t>
+            </a:r>
+          </a:p>
+          <a:p>
+            <a:pPr marL="457200" indent="-457200">
+              <a:buAutoNum type="arabicPeriod"/>
+            </a:pPr>
+            <a:r>
+              <a:rPr lang="en-US" dirty="0" smtClean="0"/>
+              <a:t>Arrays</a:t>
+            </a:r>
             <a:endParaRPr lang="en-US" dirty="0"/>
-          </a:p>
-          <a:p>
-            <a:pPr marL="285750" indent="-285750">
-              <a:buFont typeface="Arial" panose="020B0604020202020204" pitchFamily="34" charset="0"/>
-              <a:buChar char="•"/>
-            </a:pPr>
-            <a:r>
-              <a:rPr lang="en-US" dirty="0" smtClean="0"/>
-              <a:t>If a class declares as the </a:t>
-            </a:r>
-            <a:r>
-              <a:rPr lang="en-US" dirty="0" err="1" smtClean="0"/>
-              <a:t>strictfp</a:t>
-            </a:r>
-            <a:r>
-              <a:rPr lang="en-US" dirty="0" smtClean="0"/>
-              <a:t> then every </a:t>
-            </a:r>
-            <a:r>
-              <a:rPr lang="en-US" dirty="0" err="1" smtClean="0"/>
-              <a:t>concerete</a:t>
-            </a:r>
-            <a:r>
-              <a:rPr lang="en-US" dirty="0" smtClean="0"/>
-              <a:t> method (which has body) of that class has to follow IEEE754 standard for floating point arithmetic, so we will get platform independent results</a:t>
-            </a:r>
-          </a:p>
-          <a:p>
-            <a:pPr marL="285750" indent="-285750">
-              <a:buFont typeface="Arial" panose="020B0604020202020204" pitchFamily="34" charset="0"/>
-              <a:buChar char="•"/>
-            </a:pPr>
-            <a:endParaRPr lang="en-US" dirty="0"/>
-          </a:p>
-          <a:p>
-            <a:r>
-              <a:rPr lang="en-US" b="1" dirty="0" smtClean="0"/>
-              <a:t>Native modifier:</a:t>
-            </a:r>
-          </a:p>
-          <a:p>
-            <a:pPr marL="285750" indent="-285750">
-              <a:buFont typeface="Arial" panose="020B0604020202020204" pitchFamily="34" charset="0"/>
-              <a:buChar char="•"/>
-            </a:pPr>
-            <a:r>
-              <a:rPr lang="en-US" dirty="0" smtClean="0"/>
-              <a:t>Native is a modifier applicable only for methods but not for variable and classes</a:t>
-            </a:r>
-          </a:p>
-          <a:p>
-            <a:pPr marL="285750" indent="-285750">
-              <a:buFont typeface="Arial" panose="020B0604020202020204" pitchFamily="34" charset="0"/>
-              <a:buChar char="•"/>
-            </a:pPr>
-            <a:r>
-              <a:rPr lang="en-US" dirty="0" smtClean="0"/>
-              <a:t>The methods which are implemented in non java are called native methods or </a:t>
-            </a:r>
-            <a:r>
-              <a:rPr lang="en-US" dirty="0" err="1" smtClean="0"/>
-              <a:t>forefin</a:t>
-            </a:r>
-            <a:r>
-              <a:rPr lang="en-US" dirty="0" smtClean="0"/>
-              <a:t> methods</a:t>
-            </a:r>
-          </a:p>
-          <a:p>
-            <a:r>
-              <a:rPr lang="en-US" dirty="0" smtClean="0"/>
-              <a:t>The main objectives of native keywords:</a:t>
-            </a:r>
-          </a:p>
-          <a:p>
-            <a:pPr marL="285750" indent="-285750">
-              <a:buFont typeface="Arial" panose="020B0604020202020204" pitchFamily="34" charset="0"/>
-              <a:buChar char="•"/>
-            </a:pPr>
-            <a:r>
-              <a:rPr lang="en-US" dirty="0" smtClean="0"/>
-              <a:t>To improve performance of system</a:t>
-            </a:r>
-          </a:p>
-          <a:p>
-            <a:pPr marL="285750" indent="-285750">
-              <a:buFont typeface="Arial" panose="020B0604020202020204" pitchFamily="34" charset="0"/>
-              <a:buChar char="•"/>
-            </a:pPr>
-            <a:r>
-              <a:rPr lang="en-US" dirty="0" smtClean="0"/>
-              <a:t>To use already existing legacy non-java code</a:t>
-            </a:r>
-          </a:p>
-          <a:p>
-            <a:pPr marL="285750" indent="-285750">
-              <a:buFont typeface="Arial" panose="020B0604020202020204" pitchFamily="34" charset="0"/>
-              <a:buChar char="•"/>
-            </a:pPr>
-            <a:r>
-              <a:rPr lang="en-US" dirty="0" smtClean="0"/>
-              <a:t>To achieve machine level </a:t>
-            </a:r>
-            <a:r>
-              <a:rPr lang="en-US" dirty="0" err="1" smtClean="0"/>
-              <a:t>communicatiom</a:t>
-            </a:r>
-            <a:endParaRPr lang="en-US" dirty="0" smtClean="0"/>
-          </a:p>
-          <a:p>
-            <a:r>
-              <a:rPr lang="en-US" dirty="0" smtClean="0"/>
-              <a:t> </a:t>
-            </a:r>
           </a:p>
         </p:txBody>
       </p:sp>
     </p:spTree>
     <p:extLst>
       <p:ext uri="{BB962C8B-B14F-4D97-AF65-F5344CB8AC3E}">
-        <p14:creationId xmlns:p14="http://schemas.microsoft.com/office/powerpoint/2010/main" val="1499918428"/>
+        <p14:creationId xmlns:p14="http://schemas.microsoft.com/office/powerpoint/2010/main" val="299419779"/>
       </p:ext>
     </p:extLst>
   </p:cSld>
@@ -21139,6 +21453,259 @@
         </p:nvSpPr>
         <p:spPr>
           <a:xfrm>
+            <a:off x="163773" y="272954"/>
+            <a:ext cx="10003809" cy="6463308"/>
+          </a:xfrm>
+          <a:prstGeom prst="rect">
+            <a:avLst/>
+          </a:prstGeom>
+          <a:noFill/>
+        </p:spPr>
+        <p:txBody>
+          <a:bodyPr wrap="square" rtlCol="0">
+            <a:spAutoFit/>
+          </a:bodyPr>
+          <a:lstStyle/>
+          <a:p>
+            <a:r>
+              <a:rPr lang="en-US" b="1" dirty="0" err="1" smtClean="0"/>
+              <a:t>Strictfp</a:t>
+            </a:r>
+            <a:r>
+              <a:rPr lang="en-US" b="1" dirty="0" smtClean="0"/>
+              <a:t> Modifier:</a:t>
+            </a:r>
+          </a:p>
+          <a:p>
+            <a:pPr marL="285750" indent="-285750">
+              <a:buFont typeface="Arial" panose="020B0604020202020204" pitchFamily="34" charset="0"/>
+              <a:buChar char="•"/>
+            </a:pPr>
+            <a:r>
+              <a:rPr lang="en-US" dirty="0" err="1" smtClean="0"/>
+              <a:t>Strictfp</a:t>
+            </a:r>
+            <a:r>
+              <a:rPr lang="en-US" dirty="0" smtClean="0"/>
+              <a:t> modifier applicable for methods and classes but not for variables.</a:t>
+            </a:r>
+          </a:p>
+          <a:p>
+            <a:pPr marL="285750" indent="-285750">
+              <a:buFont typeface="Arial" panose="020B0604020202020204" pitchFamily="34" charset="0"/>
+              <a:buChar char="•"/>
+            </a:pPr>
+            <a:r>
+              <a:rPr lang="en-US" dirty="0" smtClean="0"/>
+              <a:t>Usually the result of floating point of arithmetic is varying from platform  to platform, to overcome this problem we should use </a:t>
+            </a:r>
+            <a:r>
+              <a:rPr lang="en-US" dirty="0" err="1" smtClean="0"/>
+              <a:t>strctfp</a:t>
+            </a:r>
+            <a:r>
+              <a:rPr lang="en-US" dirty="0" smtClean="0"/>
+              <a:t> modifier</a:t>
+            </a:r>
+          </a:p>
+          <a:p>
+            <a:pPr marL="285750" indent="-285750">
+              <a:buFont typeface="Arial" panose="020B0604020202020204" pitchFamily="34" charset="0"/>
+              <a:buChar char="•"/>
+            </a:pPr>
+            <a:r>
+              <a:rPr lang="en-US" dirty="0" smtClean="0"/>
+              <a:t>If a method declare as </a:t>
+            </a:r>
+            <a:r>
+              <a:rPr lang="en-US" dirty="0" err="1" smtClean="0"/>
+              <a:t>strictfp</a:t>
+            </a:r>
+            <a:r>
+              <a:rPr lang="en-US" dirty="0" smtClean="0"/>
+              <a:t> then all the floating point calculations in that method has follow IEEE754 standard, so that we will get platform independent result</a:t>
+            </a:r>
+          </a:p>
+          <a:p>
+            <a:endParaRPr lang="en-US" dirty="0" smtClean="0"/>
+          </a:p>
+          <a:p>
+            <a:r>
+              <a:rPr lang="en-US" dirty="0" smtClean="0"/>
+              <a:t>Ex: </a:t>
+            </a:r>
+            <a:r>
+              <a:rPr lang="en-US" dirty="0" err="1" smtClean="0"/>
+              <a:t>system.out.println</a:t>
+            </a:r>
+            <a:r>
+              <a:rPr lang="en-US" dirty="0" smtClean="0"/>
+              <a:t>(10.0/3);</a:t>
+            </a:r>
+          </a:p>
+          <a:p>
+            <a:r>
+              <a:rPr lang="en-US" dirty="0" smtClean="0"/>
+              <a:t>P1 – 3.33333333333333,  p2=3.3333333,   IEEE754 = 3.333]</a:t>
+            </a:r>
+          </a:p>
+          <a:p>
+            <a:endParaRPr lang="en-US" dirty="0"/>
+          </a:p>
+          <a:p>
+            <a:pPr marL="285750" indent="-285750">
+              <a:buFont typeface="Arial" panose="020B0604020202020204" pitchFamily="34" charset="0"/>
+              <a:buChar char="•"/>
+            </a:pPr>
+            <a:r>
+              <a:rPr lang="en-US" dirty="0" smtClean="0"/>
+              <a:t>If a class declares as the </a:t>
+            </a:r>
+            <a:r>
+              <a:rPr lang="en-US" dirty="0" err="1" smtClean="0"/>
+              <a:t>strictfp</a:t>
+            </a:r>
+            <a:r>
+              <a:rPr lang="en-US" dirty="0" smtClean="0"/>
+              <a:t> then every </a:t>
+            </a:r>
+            <a:r>
+              <a:rPr lang="en-US" dirty="0" err="1" smtClean="0"/>
+              <a:t>concerete</a:t>
+            </a:r>
+            <a:r>
+              <a:rPr lang="en-US" dirty="0" smtClean="0"/>
+              <a:t> method (which has body) of that class has to follow IEEE754 standard for floating point arithmetic, so we will get platform independent results</a:t>
+            </a:r>
+          </a:p>
+          <a:p>
+            <a:pPr marL="285750" indent="-285750">
+              <a:buFont typeface="Arial" panose="020B0604020202020204" pitchFamily="34" charset="0"/>
+              <a:buChar char="•"/>
+            </a:pPr>
+            <a:endParaRPr lang="en-US" dirty="0"/>
+          </a:p>
+          <a:p>
+            <a:r>
+              <a:rPr lang="en-US" b="1" dirty="0" smtClean="0"/>
+              <a:t>Native modifier:</a:t>
+            </a:r>
+          </a:p>
+          <a:p>
+            <a:pPr marL="285750" indent="-285750">
+              <a:buFont typeface="Arial" panose="020B0604020202020204" pitchFamily="34" charset="0"/>
+              <a:buChar char="•"/>
+            </a:pPr>
+            <a:r>
+              <a:rPr lang="en-US" dirty="0" smtClean="0"/>
+              <a:t>Native is a modifier applicable only for methods but not for variable and classes</a:t>
+            </a:r>
+          </a:p>
+          <a:p>
+            <a:pPr marL="285750" indent="-285750">
+              <a:buFont typeface="Arial" panose="020B0604020202020204" pitchFamily="34" charset="0"/>
+              <a:buChar char="•"/>
+            </a:pPr>
+            <a:r>
+              <a:rPr lang="en-US" dirty="0" smtClean="0"/>
+              <a:t>The methods which are implemented in non java are called native methods or </a:t>
+            </a:r>
+            <a:r>
+              <a:rPr lang="en-US" dirty="0" err="1" smtClean="0"/>
+              <a:t>forefin</a:t>
+            </a:r>
+            <a:r>
+              <a:rPr lang="en-US" dirty="0" smtClean="0"/>
+              <a:t> methods</a:t>
+            </a:r>
+          </a:p>
+          <a:p>
+            <a:r>
+              <a:rPr lang="en-US" dirty="0" smtClean="0"/>
+              <a:t>The main objectives of native keywords:</a:t>
+            </a:r>
+          </a:p>
+          <a:p>
+            <a:pPr marL="285750" indent="-285750">
+              <a:buFont typeface="Arial" panose="020B0604020202020204" pitchFamily="34" charset="0"/>
+              <a:buChar char="•"/>
+            </a:pPr>
+            <a:r>
+              <a:rPr lang="en-US" dirty="0" smtClean="0"/>
+              <a:t>To improve performance of system</a:t>
+            </a:r>
+          </a:p>
+          <a:p>
+            <a:pPr marL="285750" indent="-285750">
+              <a:buFont typeface="Arial" panose="020B0604020202020204" pitchFamily="34" charset="0"/>
+              <a:buChar char="•"/>
+            </a:pPr>
+            <a:r>
+              <a:rPr lang="en-US" dirty="0" smtClean="0"/>
+              <a:t>To use already existing legacy non-java code</a:t>
+            </a:r>
+          </a:p>
+          <a:p>
+            <a:pPr marL="285750" indent="-285750">
+              <a:buFont typeface="Arial" panose="020B0604020202020204" pitchFamily="34" charset="0"/>
+              <a:buChar char="•"/>
+            </a:pPr>
+            <a:r>
+              <a:rPr lang="en-US" dirty="0" smtClean="0"/>
+              <a:t>To achieve machine level </a:t>
+            </a:r>
+            <a:r>
+              <a:rPr lang="en-US" dirty="0" err="1" smtClean="0"/>
+              <a:t>communicatiom</a:t>
+            </a:r>
+            <a:endParaRPr lang="en-US" dirty="0" smtClean="0"/>
+          </a:p>
+          <a:p>
+            <a:r>
+              <a:rPr lang="en-US" dirty="0" smtClean="0"/>
+              <a:t> </a:t>
+            </a:r>
+          </a:p>
+        </p:txBody>
+      </p:sp>
+    </p:spTree>
+    <p:extLst>
+      <p:ext uri="{BB962C8B-B14F-4D97-AF65-F5344CB8AC3E}">
+        <p14:creationId xmlns:p14="http://schemas.microsoft.com/office/powerpoint/2010/main" val="1499918428"/>
+      </p:ext>
+    </p:extLst>
+  </p:cSld>
+  <p:clrMapOvr>
+    <a:masterClrMapping/>
+  </p:clrMapOvr>
+</p:sld>
+</file>
+
+<file path=ppt/slides/slide86.xml><?xml version="1.0" encoding="utf-8"?>
+<p:sld xmlns:a="http://schemas.openxmlformats.org/drawingml/2006/main" xmlns:r="http://schemas.openxmlformats.org/officeDocument/2006/relationships" xmlns:p="http://schemas.openxmlformats.org/presentationml/2006/main">
+  <p:cSld>
+    <p:spTree>
+      <p:nvGrpSpPr>
+        <p:cNvPr id="1" name=""/>
+        <p:cNvGrpSpPr/>
+        <p:nvPr/>
+      </p:nvGrpSpPr>
+      <p:grpSpPr>
+        <a:xfrm>
+          <a:off x="0" y="0"/>
+          <a:ext cx="0" cy="0"/>
+          <a:chOff x="0" y="0"/>
+          <a:chExt cx="0" cy="0"/>
+        </a:xfrm>
+      </p:grpSpPr>
+      <p:sp>
+        <p:nvSpPr>
+          <p:cNvPr id="2" name="TextBox 1"/>
+          <p:cNvSpPr txBox="1"/>
+          <p:nvPr/>
+        </p:nvSpPr>
+        <p:spPr>
+          <a:xfrm>
             <a:off x="163773" y="204715"/>
             <a:ext cx="10781732" cy="4247317"/>
           </a:xfrm>
@@ -21252,6 +21819,693 @@
     <p:extLst>
       <p:ext uri="{BB962C8B-B14F-4D97-AF65-F5344CB8AC3E}">
         <p14:creationId xmlns:p14="http://schemas.microsoft.com/office/powerpoint/2010/main" val="2741888603"/>
+      </p:ext>
+    </p:extLst>
+  </p:cSld>
+  <p:clrMapOvr>
+    <a:masterClrMapping/>
+  </p:clrMapOvr>
+</p:sld>
+</file>
+
+<file path=ppt/slides/slide87.xml><?xml version="1.0" encoding="utf-8"?>
+<p:sld xmlns:a="http://schemas.openxmlformats.org/drawingml/2006/main" xmlns:r="http://schemas.openxmlformats.org/officeDocument/2006/relationships" xmlns:p="http://schemas.openxmlformats.org/presentationml/2006/main">
+  <p:cSld>
+    <p:spTree>
+      <p:nvGrpSpPr>
+        <p:cNvPr id="1" name=""/>
+        <p:cNvGrpSpPr/>
+        <p:nvPr/>
+      </p:nvGrpSpPr>
+      <p:grpSpPr>
+        <a:xfrm>
+          <a:off x="0" y="0"/>
+          <a:ext cx="0" cy="0"/>
+          <a:chOff x="0" y="0"/>
+          <a:chExt cx="0" cy="0"/>
+        </a:xfrm>
+      </p:grpSpPr>
+      <p:sp>
+        <p:nvSpPr>
+          <p:cNvPr id="2" name="Title 1"/>
+          <p:cNvSpPr>
+            <a:spLocks noGrp="1"/>
+          </p:cNvSpPr>
+          <p:nvPr>
+            <p:ph type="title"/>
+          </p:nvPr>
+        </p:nvSpPr>
+        <p:spPr>
+          <a:xfrm>
+            <a:off x="163773" y="193411"/>
+            <a:ext cx="9163729" cy="625455"/>
+          </a:xfrm>
+        </p:spPr>
+        <p:txBody>
+          <a:bodyPr/>
+          <a:lstStyle/>
+          <a:p>
+            <a:r>
+              <a:rPr lang="en-US" sz="3200" dirty="0" smtClean="0"/>
+              <a:t>Arrays</a:t>
+            </a:r>
+            <a:endParaRPr lang="en-US" sz="3200" dirty="0"/>
+          </a:p>
+        </p:txBody>
+      </p:sp>
+      <p:sp>
+        <p:nvSpPr>
+          <p:cNvPr id="3" name="Content Placeholder 2"/>
+          <p:cNvSpPr>
+            <a:spLocks noGrp="1"/>
+          </p:cNvSpPr>
+          <p:nvPr>
+            <p:ph idx="1"/>
+          </p:nvPr>
+        </p:nvSpPr>
+        <p:spPr>
+          <a:xfrm>
+            <a:off x="163773" y="955344"/>
+            <a:ext cx="11764369" cy="5902656"/>
+          </a:xfrm>
+        </p:spPr>
+        <p:txBody>
+          <a:bodyPr>
+            <a:normAutofit lnSpcReduction="10000"/>
+          </a:bodyPr>
+          <a:lstStyle/>
+          <a:p>
+            <a:pPr marL="0" indent="0">
+              <a:buNone/>
+            </a:pPr>
+            <a:r>
+              <a:rPr lang="en-US" dirty="0" smtClean="0"/>
+              <a:t>1. Introduction</a:t>
+            </a:r>
+          </a:p>
+          <a:p>
+            <a:pPr marL="0" indent="0">
+              <a:buNone/>
+            </a:pPr>
+            <a:r>
+              <a:rPr lang="en-US" dirty="0" smtClean="0"/>
+              <a:t>2. Array declaration</a:t>
+            </a:r>
+          </a:p>
+          <a:p>
+            <a:pPr marL="0" indent="0">
+              <a:buNone/>
+            </a:pPr>
+            <a:r>
+              <a:rPr lang="en-US" dirty="0" smtClean="0"/>
+              <a:t>3. Array construction</a:t>
+            </a:r>
+          </a:p>
+          <a:p>
+            <a:pPr marL="0" indent="0">
+              <a:buNone/>
+            </a:pPr>
+            <a:r>
+              <a:rPr lang="en-US" dirty="0" smtClean="0"/>
+              <a:t>4. Array initialization</a:t>
+            </a:r>
+          </a:p>
+          <a:p>
+            <a:pPr marL="0" indent="0">
+              <a:buNone/>
+            </a:pPr>
+            <a:r>
+              <a:rPr lang="en-US" dirty="0" smtClean="0"/>
+              <a:t>5. Array declaration, construction and initialization in single line</a:t>
+            </a:r>
+          </a:p>
+          <a:p>
+            <a:pPr marL="0" indent="0">
+              <a:buNone/>
+            </a:pPr>
+            <a:r>
+              <a:rPr lang="en-US" dirty="0" smtClean="0"/>
+              <a:t>6. Length vs length()</a:t>
+            </a:r>
+          </a:p>
+          <a:p>
+            <a:pPr marL="0" indent="0">
+              <a:buNone/>
+            </a:pPr>
+            <a:r>
+              <a:rPr lang="en-US" dirty="0" smtClean="0"/>
+              <a:t>7. Anonymous arrays</a:t>
+            </a:r>
+          </a:p>
+          <a:p>
+            <a:pPr marL="0" indent="0">
+              <a:buNone/>
+            </a:pPr>
+            <a:endParaRPr lang="en-US" dirty="0"/>
+          </a:p>
+          <a:p>
+            <a:pPr marL="0" indent="0">
+              <a:buNone/>
+            </a:pPr>
+            <a:r>
+              <a:rPr lang="en-US" dirty="0" smtClean="0"/>
+              <a:t>Introduction:</a:t>
+            </a:r>
+          </a:p>
+          <a:p>
+            <a:r>
+              <a:rPr lang="en-US" dirty="0" smtClean="0"/>
+              <a:t>An array is an indexed collection of fixed number of homogenous data elements</a:t>
+            </a:r>
+          </a:p>
+          <a:p>
+            <a:r>
+              <a:rPr lang="en-US" dirty="0" smtClean="0"/>
+              <a:t>The main advantage of arrays is we can represent huge number of values in a single variable so that readability of the code will be improved</a:t>
+            </a:r>
+          </a:p>
+          <a:p>
+            <a:r>
+              <a:rPr lang="en-US" dirty="0" smtClean="0"/>
+              <a:t>But the main disadvantage of array is: Fixed in size that is once we created an array there is no chance of increasing and decreasing the size based on our requirement we can resolve this problem by using collections</a:t>
+            </a:r>
+            <a:endParaRPr lang="en-US" dirty="0"/>
+          </a:p>
+        </p:txBody>
+      </p:sp>
+    </p:spTree>
+    <p:extLst>
+      <p:ext uri="{BB962C8B-B14F-4D97-AF65-F5344CB8AC3E}">
+        <p14:creationId xmlns:p14="http://schemas.microsoft.com/office/powerpoint/2010/main" val="1099230957"/>
+      </p:ext>
+    </p:extLst>
+  </p:cSld>
+  <p:clrMapOvr>
+    <a:masterClrMapping/>
+  </p:clrMapOvr>
+</p:sld>
+</file>
+
+<file path=ppt/slides/slide88.xml><?xml version="1.0" encoding="utf-8"?>
+<p:sld xmlns:a="http://schemas.openxmlformats.org/drawingml/2006/main" xmlns:r="http://schemas.openxmlformats.org/officeDocument/2006/relationships" xmlns:p="http://schemas.openxmlformats.org/presentationml/2006/main">
+  <p:cSld>
+    <p:spTree>
+      <p:nvGrpSpPr>
+        <p:cNvPr id="1" name=""/>
+        <p:cNvGrpSpPr/>
+        <p:nvPr/>
+      </p:nvGrpSpPr>
+      <p:grpSpPr>
+        <a:xfrm>
+          <a:off x="0" y="0"/>
+          <a:ext cx="0" cy="0"/>
+          <a:chOff x="0" y="0"/>
+          <a:chExt cx="0" cy="0"/>
+        </a:xfrm>
+      </p:grpSpPr>
+      <p:sp>
+        <p:nvSpPr>
+          <p:cNvPr id="2" name="Title 1"/>
+          <p:cNvSpPr>
+            <a:spLocks noGrp="1"/>
+          </p:cNvSpPr>
+          <p:nvPr>
+            <p:ph type="title"/>
+          </p:nvPr>
+        </p:nvSpPr>
+        <p:spPr>
+          <a:xfrm>
+            <a:off x="286602" y="150125"/>
+            <a:ext cx="9491277" cy="668740"/>
+          </a:xfrm>
+        </p:spPr>
+        <p:txBody>
+          <a:bodyPr/>
+          <a:lstStyle/>
+          <a:p>
+            <a:r>
+              <a:rPr lang="en-US" sz="2800" dirty="0" smtClean="0"/>
+              <a:t>Array Declarations</a:t>
+            </a:r>
+            <a:endParaRPr lang="en-US" sz="2800" dirty="0"/>
+          </a:p>
+        </p:txBody>
+      </p:sp>
+      <p:sp>
+        <p:nvSpPr>
+          <p:cNvPr id="3" name="Content Placeholder 2"/>
+          <p:cNvSpPr>
+            <a:spLocks noGrp="1"/>
+          </p:cNvSpPr>
+          <p:nvPr>
+            <p:ph idx="1"/>
+          </p:nvPr>
+        </p:nvSpPr>
+        <p:spPr>
+          <a:xfrm>
+            <a:off x="150125" y="818866"/>
+            <a:ext cx="11423176" cy="5882186"/>
+          </a:xfrm>
+        </p:spPr>
+        <p:txBody>
+          <a:bodyPr>
+            <a:normAutofit fontScale="85000" lnSpcReduction="10000"/>
+          </a:bodyPr>
+          <a:lstStyle/>
+          <a:p>
+            <a:pPr marL="0" indent="0">
+              <a:buNone/>
+            </a:pPr>
+            <a:r>
+              <a:rPr lang="en-US" b="1" dirty="0" smtClean="0"/>
+              <a:t>Single dimensional array declarations:</a:t>
+            </a:r>
+          </a:p>
+          <a:p>
+            <a:pPr marL="0" indent="0">
+              <a:buNone/>
+            </a:pPr>
+            <a:r>
+              <a:rPr lang="en-US" dirty="0" smtClean="0"/>
+              <a:t>Example:</a:t>
+            </a:r>
+          </a:p>
+          <a:p>
+            <a:pPr marL="0" indent="0">
+              <a:buNone/>
+            </a:pPr>
+            <a:r>
+              <a:rPr lang="en-US" dirty="0" err="1" smtClean="0"/>
+              <a:t>Int</a:t>
+            </a:r>
+            <a:r>
+              <a:rPr lang="en-US" dirty="0" smtClean="0"/>
+              <a:t>[] a;     //recommended to use because name is separated from the type</a:t>
+            </a:r>
+          </a:p>
+          <a:p>
+            <a:pPr marL="0" indent="0">
+              <a:buNone/>
+            </a:pPr>
+            <a:r>
+              <a:rPr lang="en-US" dirty="0" err="1" smtClean="0"/>
+              <a:t>Int</a:t>
+            </a:r>
+            <a:r>
+              <a:rPr lang="en-US" dirty="0"/>
+              <a:t> </a:t>
+            </a:r>
+            <a:r>
+              <a:rPr lang="en-US" dirty="0" smtClean="0"/>
+              <a:t>[]a;</a:t>
+            </a:r>
+          </a:p>
+          <a:p>
+            <a:pPr marL="0" indent="0">
+              <a:buNone/>
+            </a:pPr>
+            <a:r>
+              <a:rPr lang="en-US" dirty="0" err="1" smtClean="0"/>
+              <a:t>Int</a:t>
+            </a:r>
+            <a:r>
+              <a:rPr lang="en-US" dirty="0" smtClean="0"/>
+              <a:t> a[];</a:t>
+            </a:r>
+          </a:p>
+          <a:p>
+            <a:r>
+              <a:rPr lang="en-US" dirty="0" smtClean="0"/>
+              <a:t>At the time of declaration we can not specify the size otherwise we will get compile time  error</a:t>
+            </a:r>
+          </a:p>
+          <a:p>
+            <a:pPr marL="0" indent="0">
+              <a:buNone/>
+            </a:pPr>
+            <a:r>
+              <a:rPr lang="en-US" dirty="0" smtClean="0"/>
+              <a:t>Example: </a:t>
+            </a:r>
+            <a:r>
+              <a:rPr lang="en-US" dirty="0" err="1" smtClean="0"/>
+              <a:t>int</a:t>
+            </a:r>
+            <a:r>
+              <a:rPr lang="en-US" dirty="0" smtClean="0"/>
+              <a:t>[5] a;   - error</a:t>
+            </a:r>
+          </a:p>
+          <a:p>
+            <a:pPr marL="0" indent="0">
+              <a:buNone/>
+            </a:pPr>
+            <a:r>
+              <a:rPr lang="en-US" b="1" dirty="0" smtClean="0"/>
+              <a:t>Two dimensional array declaration:</a:t>
+            </a:r>
+            <a:endParaRPr lang="en-US" b="1" dirty="0"/>
+          </a:p>
+          <a:p>
+            <a:pPr marL="0" indent="0">
+              <a:buNone/>
+            </a:pPr>
+            <a:r>
+              <a:rPr lang="en-US" dirty="0" smtClean="0"/>
+              <a:t>Example: </a:t>
+            </a:r>
+          </a:p>
+          <a:p>
+            <a:pPr marL="0" indent="0">
+              <a:buNone/>
+            </a:pPr>
+            <a:r>
+              <a:rPr lang="en-US" dirty="0" err="1" smtClean="0"/>
+              <a:t>Int</a:t>
+            </a:r>
+            <a:r>
+              <a:rPr lang="en-US" dirty="0" smtClean="0"/>
+              <a:t>[][] a;</a:t>
+            </a:r>
+          </a:p>
+          <a:p>
+            <a:pPr marL="0" indent="0">
+              <a:buNone/>
+            </a:pPr>
+            <a:r>
+              <a:rPr lang="en-US" dirty="0" err="1" smtClean="0"/>
+              <a:t>Int</a:t>
+            </a:r>
+            <a:r>
+              <a:rPr lang="en-US" dirty="0" smtClean="0"/>
+              <a:t> [][]a;</a:t>
+            </a:r>
+          </a:p>
+          <a:p>
+            <a:pPr marL="0" indent="0">
+              <a:buNone/>
+            </a:pPr>
+            <a:r>
+              <a:rPr lang="en-US" dirty="0" err="1" smtClean="0"/>
+              <a:t>Int</a:t>
+            </a:r>
+            <a:r>
+              <a:rPr lang="en-US" dirty="0" smtClean="0"/>
+              <a:t> a[][];</a:t>
+            </a:r>
+          </a:p>
+          <a:p>
+            <a:pPr marL="0" indent="0">
+              <a:buNone/>
+            </a:pPr>
+            <a:r>
+              <a:rPr lang="en-US" dirty="0" err="1" smtClean="0"/>
+              <a:t>Int</a:t>
+            </a:r>
+            <a:r>
+              <a:rPr lang="en-US" dirty="0" smtClean="0"/>
+              <a:t>[] []a;</a:t>
+            </a:r>
+          </a:p>
+          <a:p>
+            <a:pPr marL="0" indent="0">
+              <a:buNone/>
+            </a:pPr>
+            <a:r>
+              <a:rPr lang="en-US" dirty="0" err="1" smtClean="0"/>
+              <a:t>Int</a:t>
+            </a:r>
+            <a:r>
+              <a:rPr lang="en-US" dirty="0" smtClean="0"/>
+              <a:t>[] a[];</a:t>
+            </a:r>
+          </a:p>
+          <a:p>
+            <a:pPr marL="0" indent="0">
+              <a:buNone/>
+            </a:pPr>
+            <a:r>
+              <a:rPr lang="en-US" dirty="0" err="1" smtClean="0"/>
+              <a:t>Int</a:t>
+            </a:r>
+            <a:r>
+              <a:rPr lang="en-US" dirty="0" smtClean="0"/>
+              <a:t> []a[];        </a:t>
+            </a:r>
+          </a:p>
+          <a:p>
+            <a:pPr marL="0" indent="0">
+              <a:buNone/>
+            </a:pPr>
+            <a:r>
+              <a:rPr lang="en-US" dirty="0" smtClean="0"/>
+              <a:t>All are valid (6 ways)</a:t>
+            </a:r>
+            <a:endParaRPr lang="en-US" dirty="0"/>
+          </a:p>
+        </p:txBody>
+      </p:sp>
+    </p:spTree>
+    <p:extLst>
+      <p:ext uri="{BB962C8B-B14F-4D97-AF65-F5344CB8AC3E}">
+        <p14:creationId xmlns:p14="http://schemas.microsoft.com/office/powerpoint/2010/main" val="2550109329"/>
+      </p:ext>
+    </p:extLst>
+  </p:cSld>
+  <p:clrMapOvr>
+    <a:masterClrMapping/>
+  </p:clrMapOvr>
+</p:sld>
+</file>
+
+<file path=ppt/slides/slide89.xml><?xml version="1.0" encoding="utf-8"?>
+<p:sld xmlns:a="http://schemas.openxmlformats.org/drawingml/2006/main" xmlns:r="http://schemas.openxmlformats.org/officeDocument/2006/relationships" xmlns:p="http://schemas.openxmlformats.org/presentationml/2006/main">
+  <p:cSld>
+    <p:spTree>
+      <p:nvGrpSpPr>
+        <p:cNvPr id="1" name=""/>
+        <p:cNvGrpSpPr/>
+        <p:nvPr/>
+      </p:nvGrpSpPr>
+      <p:grpSpPr>
+        <a:xfrm>
+          <a:off x="0" y="0"/>
+          <a:ext cx="0" cy="0"/>
+          <a:chOff x="0" y="0"/>
+          <a:chExt cx="0" cy="0"/>
+        </a:xfrm>
+      </p:grpSpPr>
+      <p:sp>
+        <p:nvSpPr>
+          <p:cNvPr id="2" name="Title 1"/>
+          <p:cNvSpPr>
+            <a:spLocks noGrp="1"/>
+          </p:cNvSpPr>
+          <p:nvPr>
+            <p:ph type="title"/>
+          </p:nvPr>
+        </p:nvSpPr>
+        <p:spPr>
+          <a:xfrm>
+            <a:off x="203735" y="136478"/>
+            <a:ext cx="9846118" cy="573206"/>
+          </a:xfrm>
+        </p:spPr>
+        <p:txBody>
+          <a:bodyPr/>
+          <a:lstStyle/>
+          <a:p>
+            <a:r>
+              <a:rPr lang="en-US" sz="2800" dirty="0" smtClean="0"/>
+              <a:t>Array declaration</a:t>
+            </a:r>
+            <a:endParaRPr lang="en-US" sz="2800" dirty="0"/>
+          </a:p>
+        </p:txBody>
+      </p:sp>
+      <p:sp>
+        <p:nvSpPr>
+          <p:cNvPr id="3" name="Content Placeholder 2"/>
+          <p:cNvSpPr>
+            <a:spLocks noGrp="1"/>
+          </p:cNvSpPr>
+          <p:nvPr>
+            <p:ph idx="1"/>
+          </p:nvPr>
+        </p:nvSpPr>
+        <p:spPr>
+          <a:xfrm>
+            <a:off x="203735" y="832513"/>
+            <a:ext cx="11069315" cy="5759355"/>
+          </a:xfrm>
+        </p:spPr>
+        <p:txBody>
+          <a:bodyPr/>
+          <a:lstStyle/>
+          <a:p>
+            <a:pPr marL="0" indent="0">
+              <a:buNone/>
+            </a:pPr>
+            <a:r>
+              <a:rPr lang="en-US" b="1" dirty="0" smtClean="0"/>
+              <a:t>Three dimensional array declaration:</a:t>
+            </a:r>
+          </a:p>
+          <a:p>
+            <a:pPr marL="0" indent="0">
+              <a:buNone/>
+            </a:pPr>
+            <a:r>
+              <a:rPr lang="en-US" dirty="0" smtClean="0"/>
+              <a:t>Example:</a:t>
+            </a:r>
+          </a:p>
+          <a:p>
+            <a:pPr marL="0" indent="0">
+              <a:buNone/>
+            </a:pPr>
+            <a:r>
+              <a:rPr lang="en-US" dirty="0" err="1" smtClean="0"/>
+              <a:t>Int</a:t>
+            </a:r>
+            <a:r>
+              <a:rPr lang="en-US" dirty="0" smtClean="0"/>
+              <a:t>[][][] a;</a:t>
+            </a:r>
+          </a:p>
+          <a:p>
+            <a:pPr marL="0" indent="0">
+              <a:buNone/>
+            </a:pPr>
+            <a:r>
+              <a:rPr lang="en-US" dirty="0" err="1" smtClean="0"/>
+              <a:t>Int</a:t>
+            </a:r>
+            <a:r>
+              <a:rPr lang="en-US" dirty="0" smtClean="0"/>
+              <a:t> [][][]a;</a:t>
+            </a:r>
+          </a:p>
+          <a:p>
+            <a:pPr marL="0" indent="0">
+              <a:buNone/>
+            </a:pPr>
+            <a:r>
+              <a:rPr lang="en-US" dirty="0" err="1" smtClean="0"/>
+              <a:t>Int</a:t>
+            </a:r>
+            <a:r>
+              <a:rPr lang="en-US" dirty="0" smtClean="0"/>
+              <a:t> a[][][];</a:t>
+            </a:r>
+          </a:p>
+          <a:p>
+            <a:pPr marL="0" indent="0">
+              <a:buNone/>
+            </a:pPr>
+            <a:r>
+              <a:rPr lang="en-US" dirty="0" err="1" smtClean="0"/>
+              <a:t>Int</a:t>
+            </a:r>
+            <a:r>
+              <a:rPr lang="en-US" dirty="0" smtClean="0"/>
+              <a:t>[] [][]a;</a:t>
+            </a:r>
+          </a:p>
+          <a:p>
+            <a:pPr marL="0" indent="0">
+              <a:buNone/>
+            </a:pPr>
+            <a:r>
+              <a:rPr lang="en-US" dirty="0" err="1" smtClean="0"/>
+              <a:t>Int</a:t>
+            </a:r>
+            <a:r>
+              <a:rPr lang="en-US" dirty="0" smtClean="0"/>
+              <a:t>[] a[][];</a:t>
+            </a:r>
+          </a:p>
+          <a:p>
+            <a:pPr marL="0" indent="0">
+              <a:buNone/>
+            </a:pPr>
+            <a:r>
+              <a:rPr lang="en-US" dirty="0" err="1" smtClean="0"/>
+              <a:t>Int</a:t>
+            </a:r>
+            <a:r>
+              <a:rPr lang="en-US" dirty="0" smtClean="0"/>
+              <a:t>[] []a[];</a:t>
+            </a:r>
+          </a:p>
+          <a:p>
+            <a:pPr marL="0" indent="0">
+              <a:buNone/>
+            </a:pPr>
+            <a:r>
+              <a:rPr lang="en-US" dirty="0" err="1" smtClean="0"/>
+              <a:t>Int</a:t>
+            </a:r>
+            <a:r>
+              <a:rPr lang="en-US" dirty="0" smtClean="0"/>
+              <a:t>[][] []a;</a:t>
+            </a:r>
+          </a:p>
+          <a:p>
+            <a:pPr marL="0" indent="0">
+              <a:buNone/>
+            </a:pPr>
+            <a:r>
+              <a:rPr lang="en-US" dirty="0" err="1" smtClean="0"/>
+              <a:t>Int</a:t>
+            </a:r>
+            <a:r>
+              <a:rPr lang="en-US" dirty="0" smtClean="0"/>
+              <a:t>[][] a[];</a:t>
+            </a:r>
+          </a:p>
+          <a:p>
+            <a:pPr marL="0" indent="0">
+              <a:buNone/>
+            </a:pPr>
+            <a:r>
+              <a:rPr lang="en-US" dirty="0" err="1" smtClean="0"/>
+              <a:t>Int</a:t>
+            </a:r>
+            <a:r>
+              <a:rPr lang="en-US" dirty="0" smtClean="0"/>
+              <a:t> []a[][];</a:t>
+            </a:r>
+          </a:p>
+          <a:p>
+            <a:pPr marL="0" indent="0">
+              <a:buNone/>
+            </a:pPr>
+            <a:r>
+              <a:rPr lang="en-US" dirty="0" err="1" smtClean="0"/>
+              <a:t>Int</a:t>
+            </a:r>
+            <a:r>
+              <a:rPr lang="en-US" dirty="0" smtClean="0"/>
+              <a:t> [][]a[];</a:t>
+            </a:r>
+          </a:p>
+          <a:p>
+            <a:pPr marL="0" indent="0">
+              <a:buNone/>
+            </a:pPr>
+            <a:r>
+              <a:rPr lang="en-US" dirty="0" smtClean="0"/>
+              <a:t>All are valid 10 ways.</a:t>
+            </a:r>
+            <a:endParaRPr lang="en-US" dirty="0"/>
+          </a:p>
+        </p:txBody>
+      </p:sp>
+    </p:spTree>
+    <p:extLst>
+      <p:ext uri="{BB962C8B-B14F-4D97-AF65-F5344CB8AC3E}">
+        <p14:creationId xmlns:p14="http://schemas.microsoft.com/office/powerpoint/2010/main" val="1549936314"/>
       </p:ext>
     </p:extLst>
   </p:cSld>
@@ -21441,6 +22695,1990 @@
     <p:extLst>
       <p:ext uri="{BB962C8B-B14F-4D97-AF65-F5344CB8AC3E}">
         <p14:creationId xmlns:p14="http://schemas.microsoft.com/office/powerpoint/2010/main" val="1176189056"/>
+      </p:ext>
+    </p:extLst>
+  </p:cSld>
+  <p:clrMapOvr>
+    <a:masterClrMapping/>
+  </p:clrMapOvr>
+</p:sld>
+</file>
+
+<file path=ppt/slides/slide90.xml><?xml version="1.0" encoding="utf-8"?>
+<p:sld xmlns:a="http://schemas.openxmlformats.org/drawingml/2006/main" xmlns:r="http://schemas.openxmlformats.org/officeDocument/2006/relationships" xmlns:p="http://schemas.openxmlformats.org/presentationml/2006/main">
+  <p:cSld>
+    <p:spTree>
+      <p:nvGrpSpPr>
+        <p:cNvPr id="1" name=""/>
+        <p:cNvGrpSpPr/>
+        <p:nvPr/>
+      </p:nvGrpSpPr>
+      <p:grpSpPr>
+        <a:xfrm>
+          <a:off x="0" y="0"/>
+          <a:ext cx="0" cy="0"/>
+          <a:chOff x="0" y="0"/>
+          <a:chExt cx="0" cy="0"/>
+        </a:xfrm>
+      </p:grpSpPr>
+      <p:sp>
+        <p:nvSpPr>
+          <p:cNvPr id="2" name="Title 1"/>
+          <p:cNvSpPr>
+            <a:spLocks noGrp="1"/>
+          </p:cNvSpPr>
+          <p:nvPr>
+            <p:ph type="title"/>
+          </p:nvPr>
+        </p:nvSpPr>
+        <p:spPr>
+          <a:xfrm>
+            <a:off x="223031" y="207059"/>
+            <a:ext cx="9404723" cy="461681"/>
+          </a:xfrm>
+        </p:spPr>
+        <p:txBody>
+          <a:bodyPr/>
+          <a:lstStyle/>
+          <a:p>
+            <a:r>
+              <a:rPr lang="en-US" sz="2800" dirty="0" smtClean="0"/>
+              <a:t>Array</a:t>
+            </a:r>
+            <a:endParaRPr lang="en-US" sz="2800" dirty="0"/>
+          </a:p>
+        </p:txBody>
+      </p:sp>
+      <p:sp>
+        <p:nvSpPr>
+          <p:cNvPr id="3" name="Content Placeholder 2"/>
+          <p:cNvSpPr>
+            <a:spLocks noGrp="1"/>
+          </p:cNvSpPr>
+          <p:nvPr>
+            <p:ph idx="1"/>
+          </p:nvPr>
+        </p:nvSpPr>
+        <p:spPr>
+          <a:xfrm>
+            <a:off x="95535" y="791569"/>
+            <a:ext cx="11614244" cy="5923129"/>
+          </a:xfrm>
+        </p:spPr>
+        <p:txBody>
+          <a:bodyPr/>
+          <a:lstStyle/>
+          <a:p>
+            <a:r>
+              <a:rPr lang="en-US" dirty="0" smtClean="0"/>
+              <a:t>If we want to specify the dimension before the variable that rule is applicable only for first variable for second variable onwards we can not apply in same declaration. </a:t>
+            </a:r>
+          </a:p>
+          <a:p>
+            <a:r>
+              <a:rPr lang="en-US" dirty="0" smtClean="0"/>
+              <a:t>Ex:   </a:t>
+            </a:r>
+          </a:p>
+          <a:p>
+            <a:pPr marL="0" indent="0">
+              <a:buNone/>
+            </a:pPr>
+            <a:r>
+              <a:rPr lang="en-US" dirty="0" err="1" smtClean="0"/>
+              <a:t>int</a:t>
+            </a:r>
+            <a:r>
+              <a:rPr lang="en-US" dirty="0" smtClean="0"/>
+              <a:t>[] a1,b1;       valid</a:t>
+            </a:r>
+          </a:p>
+          <a:p>
+            <a:pPr marL="0" indent="0">
+              <a:buNone/>
+            </a:pPr>
+            <a:r>
+              <a:rPr lang="en-US" dirty="0" err="1" smtClean="0"/>
+              <a:t>Int</a:t>
+            </a:r>
+            <a:r>
+              <a:rPr lang="en-US" dirty="0" smtClean="0"/>
+              <a:t>[] a2[],b2;     valid</a:t>
+            </a:r>
+          </a:p>
+          <a:p>
+            <a:pPr marL="0" indent="0">
+              <a:buNone/>
+            </a:pPr>
+            <a:r>
+              <a:rPr lang="en-US" dirty="0" err="1" smtClean="0"/>
+              <a:t>Int</a:t>
+            </a:r>
+            <a:r>
+              <a:rPr lang="en-US" dirty="0" smtClean="0"/>
+              <a:t>[] []a3,b3;       valid</a:t>
+            </a:r>
+          </a:p>
+          <a:p>
+            <a:pPr marL="0" indent="0">
+              <a:buNone/>
+            </a:pPr>
+            <a:r>
+              <a:rPr lang="en-US" dirty="0" err="1" smtClean="0"/>
+              <a:t>Int</a:t>
+            </a:r>
+            <a:r>
+              <a:rPr lang="en-US" dirty="0" smtClean="0"/>
+              <a:t>[] a,[]b;           valid</a:t>
+            </a:r>
+          </a:p>
+          <a:p>
+            <a:pPr marL="0" indent="0">
+              <a:buNone/>
+            </a:pPr>
+            <a:endParaRPr lang="en-US" dirty="0"/>
+          </a:p>
+          <a:p>
+            <a:pPr marL="0" indent="0">
+              <a:buNone/>
+            </a:pPr>
+            <a:r>
+              <a:rPr lang="en-US" b="1" dirty="0" smtClean="0"/>
+              <a:t>Array Construction:   </a:t>
+            </a:r>
+          </a:p>
+          <a:p>
+            <a:r>
+              <a:rPr lang="en-US" dirty="0" smtClean="0"/>
+              <a:t>Every array in java is an object hence we can create by using new operator</a:t>
+            </a:r>
+          </a:p>
+          <a:p>
+            <a:pPr marL="0" indent="0">
+              <a:buNone/>
+            </a:pPr>
+            <a:r>
+              <a:rPr lang="en-US" dirty="0" smtClean="0"/>
+              <a:t>Example:   </a:t>
+            </a:r>
+          </a:p>
+          <a:p>
+            <a:pPr marL="0" indent="0">
+              <a:buNone/>
+            </a:pPr>
+            <a:r>
+              <a:rPr lang="en-US" dirty="0" err="1" smtClean="0"/>
+              <a:t>Int</a:t>
+            </a:r>
+            <a:r>
+              <a:rPr lang="en-US" dirty="0" smtClean="0"/>
+              <a:t>[] a=new </a:t>
+            </a:r>
+            <a:r>
+              <a:rPr lang="en-US" dirty="0" err="1" smtClean="0"/>
+              <a:t>int</a:t>
+            </a:r>
+            <a:r>
+              <a:rPr lang="en-US" dirty="0" smtClean="0"/>
+              <a:t>[3];</a:t>
+            </a:r>
+            <a:endParaRPr lang="en-US" dirty="0"/>
+          </a:p>
+        </p:txBody>
+      </p:sp>
+    </p:spTree>
+    <p:extLst>
+      <p:ext uri="{BB962C8B-B14F-4D97-AF65-F5344CB8AC3E}">
+        <p14:creationId xmlns:p14="http://schemas.microsoft.com/office/powerpoint/2010/main" val="2651648995"/>
+      </p:ext>
+    </p:extLst>
+  </p:cSld>
+  <p:clrMapOvr>
+    <a:masterClrMapping/>
+  </p:clrMapOvr>
+</p:sld>
+</file>
+
+<file path=ppt/slides/slide91.xml><?xml version="1.0" encoding="utf-8"?>
+<p:sld xmlns:a="http://schemas.openxmlformats.org/drawingml/2006/main" xmlns:r="http://schemas.openxmlformats.org/officeDocument/2006/relationships" xmlns:p="http://schemas.openxmlformats.org/presentationml/2006/main">
+  <p:cSld>
+    <p:spTree>
+      <p:nvGrpSpPr>
+        <p:cNvPr id="1" name=""/>
+        <p:cNvGrpSpPr/>
+        <p:nvPr/>
+      </p:nvGrpSpPr>
+      <p:grpSpPr>
+        <a:xfrm>
+          <a:off x="0" y="0"/>
+          <a:ext cx="0" cy="0"/>
+          <a:chOff x="0" y="0"/>
+          <a:chExt cx="0" cy="0"/>
+        </a:xfrm>
+      </p:grpSpPr>
+      <p:sp>
+        <p:nvSpPr>
+          <p:cNvPr id="2" name="Title 1"/>
+          <p:cNvSpPr>
+            <a:spLocks noGrp="1"/>
+          </p:cNvSpPr>
+          <p:nvPr>
+            <p:ph type="title"/>
+          </p:nvPr>
+        </p:nvSpPr>
+        <p:spPr>
+          <a:xfrm>
+            <a:off x="177422" y="150125"/>
+            <a:ext cx="9736935" cy="559559"/>
+          </a:xfrm>
+        </p:spPr>
+        <p:txBody>
+          <a:bodyPr/>
+          <a:lstStyle/>
+          <a:p>
+            <a:r>
+              <a:rPr lang="en-US" sz="2400" dirty="0" smtClean="0"/>
+              <a:t>Array Construction Rules</a:t>
+            </a:r>
+            <a:endParaRPr lang="en-US" sz="2400" dirty="0"/>
+          </a:p>
+        </p:txBody>
+      </p:sp>
+      <p:sp>
+        <p:nvSpPr>
+          <p:cNvPr id="3" name="Content Placeholder 2"/>
+          <p:cNvSpPr>
+            <a:spLocks noGrp="1"/>
+          </p:cNvSpPr>
+          <p:nvPr>
+            <p:ph idx="1"/>
+          </p:nvPr>
+        </p:nvSpPr>
+        <p:spPr>
+          <a:xfrm>
+            <a:off x="177422" y="709684"/>
+            <a:ext cx="11696130" cy="5923128"/>
+          </a:xfrm>
+        </p:spPr>
+        <p:txBody>
+          <a:bodyPr/>
+          <a:lstStyle/>
+          <a:p>
+            <a:pPr marL="0" indent="0">
+              <a:buNone/>
+            </a:pPr>
+            <a:r>
+              <a:rPr lang="en-US" b="1" dirty="0" smtClean="0"/>
+              <a:t>Rule 1</a:t>
+            </a:r>
+            <a:r>
+              <a:rPr lang="en-US" dirty="0" smtClean="0"/>
+              <a:t>: At the time of array creation compulsory we should specify the size otherwise we will get compile time error</a:t>
+            </a:r>
+          </a:p>
+          <a:p>
+            <a:pPr marL="0" indent="0">
+              <a:buNone/>
+            </a:pPr>
+            <a:r>
+              <a:rPr lang="en-US" dirty="0" smtClean="0"/>
+              <a:t>Ex -   </a:t>
+            </a:r>
+            <a:r>
+              <a:rPr lang="en-US" dirty="0" err="1" smtClean="0"/>
+              <a:t>int</a:t>
+            </a:r>
+            <a:r>
+              <a:rPr lang="en-US" dirty="0" smtClean="0"/>
+              <a:t>[] a=new </a:t>
+            </a:r>
+            <a:r>
+              <a:rPr lang="en-US" dirty="0" err="1" smtClean="0"/>
+              <a:t>int</a:t>
+            </a:r>
+            <a:r>
+              <a:rPr lang="en-US" dirty="0" smtClean="0"/>
+              <a:t>[3];   valid</a:t>
+            </a:r>
+          </a:p>
+          <a:p>
+            <a:pPr marL="0" indent="0">
+              <a:buNone/>
+            </a:pPr>
+            <a:r>
+              <a:rPr lang="en-US" dirty="0" err="1" smtClean="0"/>
+              <a:t>Int</a:t>
+            </a:r>
+            <a:r>
+              <a:rPr lang="en-US" dirty="0" smtClean="0"/>
+              <a:t>[] a=new </a:t>
+            </a:r>
+            <a:r>
+              <a:rPr lang="en-US" dirty="0" err="1" smtClean="0"/>
+              <a:t>int</a:t>
+            </a:r>
+            <a:r>
+              <a:rPr lang="en-US" dirty="0" smtClean="0"/>
+              <a:t>[]; </a:t>
+            </a:r>
+            <a:r>
+              <a:rPr lang="en-US" dirty="0"/>
+              <a:t> </a:t>
+            </a:r>
+            <a:r>
+              <a:rPr lang="en-US" dirty="0" smtClean="0"/>
+              <a:t>    invalid</a:t>
+            </a:r>
+            <a:endParaRPr lang="en-US" dirty="0"/>
+          </a:p>
+          <a:p>
+            <a:pPr marL="0" indent="0">
+              <a:buNone/>
+            </a:pPr>
+            <a:r>
+              <a:rPr lang="en-US" b="1" dirty="0" smtClean="0"/>
+              <a:t>Rule 2</a:t>
+            </a:r>
+            <a:r>
+              <a:rPr lang="en-US" dirty="0" smtClean="0"/>
+              <a:t>: It is illegal to have an array with size zero in java</a:t>
+            </a:r>
+          </a:p>
+          <a:p>
+            <a:pPr marL="0" indent="0">
+              <a:buNone/>
+            </a:pPr>
+            <a:r>
+              <a:rPr lang="en-US" dirty="0" smtClean="0"/>
+              <a:t>Ex: </a:t>
+            </a:r>
+            <a:r>
+              <a:rPr lang="en-US" dirty="0" err="1" smtClean="0"/>
+              <a:t>int</a:t>
+            </a:r>
+            <a:r>
+              <a:rPr lang="en-US" dirty="0" smtClean="0"/>
+              <a:t>[] a=new </a:t>
+            </a:r>
+            <a:r>
+              <a:rPr lang="en-US" dirty="0" err="1" smtClean="0"/>
+              <a:t>int</a:t>
+            </a:r>
+            <a:r>
+              <a:rPr lang="en-US" dirty="0" smtClean="0"/>
+              <a:t>[0];</a:t>
+            </a:r>
+          </a:p>
+          <a:p>
+            <a:pPr marL="0" indent="0">
+              <a:buNone/>
+            </a:pPr>
+            <a:r>
+              <a:rPr lang="en-US" b="1" dirty="0" smtClean="0"/>
+              <a:t>Rule 3</a:t>
+            </a:r>
+            <a:r>
+              <a:rPr lang="en-US" dirty="0" smtClean="0"/>
+              <a:t>: If we are taking array size with –</a:t>
+            </a:r>
+            <a:r>
+              <a:rPr lang="en-US" dirty="0" err="1" smtClean="0"/>
+              <a:t>ve</a:t>
+            </a:r>
+            <a:r>
+              <a:rPr lang="en-US" dirty="0" smtClean="0"/>
+              <a:t> </a:t>
+            </a:r>
+            <a:r>
+              <a:rPr lang="en-US" dirty="0" err="1" smtClean="0"/>
+              <a:t>int</a:t>
+            </a:r>
+            <a:r>
+              <a:rPr lang="en-US" dirty="0" smtClean="0"/>
+              <a:t> value then we will get runtime exception saying </a:t>
+            </a:r>
+            <a:r>
+              <a:rPr lang="en-US" dirty="0" err="1" smtClean="0"/>
+              <a:t>negativeArraySizeException</a:t>
+            </a:r>
+            <a:endParaRPr lang="en-US" dirty="0" smtClean="0"/>
+          </a:p>
+          <a:p>
+            <a:pPr marL="0" indent="0">
+              <a:buNone/>
+            </a:pPr>
+            <a:r>
+              <a:rPr lang="en-US" dirty="0" smtClean="0"/>
+              <a:t>Ex: </a:t>
+            </a:r>
+            <a:r>
+              <a:rPr lang="en-US" dirty="0" err="1" smtClean="0"/>
+              <a:t>int</a:t>
+            </a:r>
+            <a:r>
+              <a:rPr lang="en-US" dirty="0" smtClean="0"/>
+              <a:t>[] a=new </a:t>
+            </a:r>
+            <a:r>
+              <a:rPr lang="en-US" dirty="0" err="1" smtClean="0"/>
+              <a:t>int</a:t>
+            </a:r>
+            <a:r>
+              <a:rPr lang="en-US" dirty="0" smtClean="0"/>
+              <a:t>[-3];</a:t>
+            </a:r>
+          </a:p>
+          <a:p>
+            <a:pPr marL="0" indent="0">
+              <a:buNone/>
+            </a:pPr>
+            <a:r>
+              <a:rPr lang="en-US" b="1" dirty="0" smtClean="0"/>
+              <a:t>Rule 4</a:t>
+            </a:r>
+            <a:r>
+              <a:rPr lang="en-US" dirty="0" smtClean="0"/>
+              <a:t>: The allowed data types to specify array size are byte, </a:t>
+            </a:r>
+            <a:r>
+              <a:rPr lang="en-US" dirty="0" err="1" smtClean="0"/>
+              <a:t>short,char,int</a:t>
+            </a:r>
+            <a:endParaRPr lang="en-US" dirty="0" smtClean="0"/>
+          </a:p>
+          <a:p>
+            <a:pPr marL="0" indent="0">
+              <a:buNone/>
+            </a:pPr>
+            <a:r>
+              <a:rPr lang="en-US" dirty="0" smtClean="0"/>
+              <a:t>By mistake if we are using any other type we will get compile time error</a:t>
+            </a:r>
+          </a:p>
+          <a:p>
+            <a:pPr marL="0" indent="0">
+              <a:buNone/>
+            </a:pPr>
+            <a:r>
+              <a:rPr lang="en-US" b="1" dirty="0" smtClean="0"/>
+              <a:t>Rule 5</a:t>
+            </a:r>
+            <a:r>
+              <a:rPr lang="en-US" dirty="0" smtClean="0"/>
+              <a:t>: The maximum allowed array size in java is maximum value of </a:t>
+            </a:r>
+            <a:r>
+              <a:rPr lang="en-US" dirty="0" err="1" smtClean="0"/>
+              <a:t>int</a:t>
+            </a:r>
+            <a:r>
+              <a:rPr lang="en-US" dirty="0" smtClean="0"/>
+              <a:t> size [2147483647]</a:t>
+            </a:r>
+          </a:p>
+          <a:p>
+            <a:pPr marL="0" indent="0">
+              <a:buNone/>
+            </a:pPr>
+            <a:r>
+              <a:rPr lang="en-US" dirty="0" smtClean="0"/>
+              <a:t>Ex: </a:t>
+            </a:r>
+            <a:r>
+              <a:rPr lang="en-US" dirty="0" err="1" smtClean="0"/>
+              <a:t>int</a:t>
+            </a:r>
+            <a:r>
+              <a:rPr lang="en-US" dirty="0" smtClean="0"/>
+              <a:t>[] a=new </a:t>
+            </a:r>
+            <a:r>
+              <a:rPr lang="en-US" dirty="0" err="1" smtClean="0"/>
+              <a:t>int</a:t>
+            </a:r>
+            <a:r>
+              <a:rPr lang="en-US" dirty="0" smtClean="0"/>
+              <a:t>[2147483647];</a:t>
+            </a:r>
+            <a:endParaRPr lang="en-US" dirty="0"/>
+          </a:p>
+          <a:p>
+            <a:pPr marL="0" indent="0">
+              <a:buNone/>
+            </a:pPr>
+            <a:endParaRPr lang="en-US" dirty="0"/>
+          </a:p>
+        </p:txBody>
+      </p:sp>
+    </p:spTree>
+    <p:extLst>
+      <p:ext uri="{BB962C8B-B14F-4D97-AF65-F5344CB8AC3E}">
+        <p14:creationId xmlns:p14="http://schemas.microsoft.com/office/powerpoint/2010/main" val="2123134156"/>
+      </p:ext>
+    </p:extLst>
+  </p:cSld>
+  <p:clrMapOvr>
+    <a:masterClrMapping/>
+  </p:clrMapOvr>
+</p:sld>
+</file>
+
+<file path=ppt/slides/slide92.xml><?xml version="1.0" encoding="utf-8"?>
+<p:sld xmlns:a="http://schemas.openxmlformats.org/drawingml/2006/main" xmlns:r="http://schemas.openxmlformats.org/officeDocument/2006/relationships" xmlns:p="http://schemas.openxmlformats.org/presentationml/2006/main">
+  <p:cSld>
+    <p:spTree>
+      <p:nvGrpSpPr>
+        <p:cNvPr id="1" name=""/>
+        <p:cNvGrpSpPr/>
+        <p:nvPr/>
+      </p:nvGrpSpPr>
+      <p:grpSpPr>
+        <a:xfrm>
+          <a:off x="0" y="0"/>
+          <a:ext cx="0" cy="0"/>
+          <a:chOff x="0" y="0"/>
+          <a:chExt cx="0" cy="0"/>
+        </a:xfrm>
+      </p:grpSpPr>
+      <p:sp>
+        <p:nvSpPr>
+          <p:cNvPr id="2" name="Title 1"/>
+          <p:cNvSpPr>
+            <a:spLocks noGrp="1"/>
+          </p:cNvSpPr>
+          <p:nvPr>
+            <p:ph type="title"/>
+          </p:nvPr>
+        </p:nvSpPr>
+        <p:spPr>
+          <a:xfrm>
+            <a:off x="232012" y="177421"/>
+            <a:ext cx="9423037" cy="887104"/>
+          </a:xfrm>
+        </p:spPr>
+        <p:txBody>
+          <a:bodyPr/>
+          <a:lstStyle/>
+          <a:p>
+            <a:r>
+              <a:rPr lang="en-US" sz="3200" dirty="0" smtClean="0"/>
+              <a:t>Session 13</a:t>
+            </a:r>
+            <a:endParaRPr lang="en-US" sz="3200" dirty="0"/>
+          </a:p>
+        </p:txBody>
+      </p:sp>
+      <p:sp>
+        <p:nvSpPr>
+          <p:cNvPr id="3" name="Content Placeholder 2"/>
+          <p:cNvSpPr>
+            <a:spLocks noGrp="1"/>
+          </p:cNvSpPr>
+          <p:nvPr>
+            <p:ph idx="1"/>
+          </p:nvPr>
+        </p:nvSpPr>
+        <p:spPr>
+          <a:xfrm>
+            <a:off x="382138" y="900752"/>
+            <a:ext cx="10617958" cy="5718412"/>
+          </a:xfrm>
+        </p:spPr>
+        <p:txBody>
+          <a:bodyPr>
+            <a:normAutofit lnSpcReduction="10000"/>
+          </a:bodyPr>
+          <a:lstStyle/>
+          <a:p>
+            <a:pPr marL="0" indent="0">
+              <a:buNone/>
+            </a:pPr>
+            <a:r>
+              <a:rPr lang="en-US" b="1" dirty="0" smtClean="0"/>
+              <a:t>Multidimensional Array Creation:    </a:t>
+            </a:r>
+          </a:p>
+          <a:p>
+            <a:r>
+              <a:rPr lang="en-US" dirty="0" smtClean="0"/>
+              <a:t>In Java multidimensional arrays are implemented as array of arrays approach but not matrix form.</a:t>
+            </a:r>
+          </a:p>
+          <a:p>
+            <a:r>
+              <a:rPr lang="en-US" dirty="0" smtClean="0"/>
+              <a:t>The main advantage of this approach is to improve memory utilization</a:t>
+            </a:r>
+          </a:p>
+          <a:p>
+            <a:pPr marL="0" indent="0">
+              <a:buNone/>
+            </a:pPr>
+            <a:r>
+              <a:rPr lang="en-US" dirty="0" err="1" smtClean="0"/>
+              <a:t>Exmaple</a:t>
+            </a:r>
+            <a:r>
+              <a:rPr lang="en-US" dirty="0" smtClean="0"/>
+              <a:t>: </a:t>
+            </a:r>
+          </a:p>
+          <a:p>
+            <a:pPr marL="0" indent="0">
+              <a:buNone/>
+            </a:pPr>
+            <a:r>
+              <a:rPr lang="en-US" dirty="0" err="1" smtClean="0"/>
+              <a:t>Int</a:t>
+            </a:r>
+            <a:r>
+              <a:rPr lang="en-US" dirty="0" smtClean="0"/>
+              <a:t>[][] a=new </a:t>
+            </a:r>
+            <a:r>
+              <a:rPr lang="en-US" dirty="0" err="1" smtClean="0"/>
+              <a:t>int</a:t>
+            </a:r>
+            <a:r>
+              <a:rPr lang="en-US" dirty="0" smtClean="0"/>
+              <a:t>[2][];</a:t>
+            </a:r>
+          </a:p>
+          <a:p>
+            <a:pPr marL="0" indent="0">
+              <a:buNone/>
+            </a:pPr>
+            <a:r>
+              <a:rPr lang="en-US" dirty="0" smtClean="0"/>
+              <a:t>a[0] =new </a:t>
+            </a:r>
+            <a:r>
+              <a:rPr lang="en-US" dirty="0" err="1" smtClean="0"/>
+              <a:t>Int</a:t>
+            </a:r>
+            <a:r>
+              <a:rPr lang="en-US" dirty="0" smtClean="0"/>
+              <a:t>[3];</a:t>
+            </a:r>
+          </a:p>
+          <a:p>
+            <a:pPr marL="0" indent="0">
+              <a:buNone/>
+            </a:pPr>
+            <a:r>
+              <a:rPr lang="en-US" dirty="0" smtClean="0"/>
+              <a:t>a[1]=new </a:t>
+            </a:r>
+            <a:r>
+              <a:rPr lang="en-US" dirty="0" err="1" smtClean="0"/>
+              <a:t>int</a:t>
+            </a:r>
+            <a:r>
+              <a:rPr lang="en-US" dirty="0" smtClean="0"/>
+              <a:t>[2];</a:t>
+            </a:r>
+          </a:p>
+          <a:p>
+            <a:pPr marL="0" indent="0">
+              <a:buNone/>
+            </a:pPr>
+            <a:r>
+              <a:rPr lang="en-US" dirty="0" smtClean="0"/>
+              <a:t>Example 2:</a:t>
+            </a:r>
+          </a:p>
+          <a:p>
+            <a:pPr marL="0" indent="0">
+              <a:buNone/>
+            </a:pPr>
+            <a:r>
+              <a:rPr lang="en-US" dirty="0" err="1" smtClean="0"/>
+              <a:t>Int</a:t>
+            </a:r>
+            <a:r>
+              <a:rPr lang="en-US" dirty="0" smtClean="0"/>
+              <a:t>[][][] a=new </a:t>
+            </a:r>
+            <a:r>
+              <a:rPr lang="en-US" dirty="0" err="1" smtClean="0"/>
+              <a:t>int</a:t>
+            </a:r>
+            <a:r>
+              <a:rPr lang="en-US" dirty="0" smtClean="0"/>
+              <a:t>[2][][];</a:t>
+            </a:r>
+          </a:p>
+          <a:p>
+            <a:pPr marL="0" indent="0">
+              <a:buNone/>
+            </a:pPr>
+            <a:r>
+              <a:rPr lang="en-US" dirty="0"/>
+              <a:t>a</a:t>
+            </a:r>
+            <a:r>
+              <a:rPr lang="en-US" dirty="0" smtClean="0"/>
+              <a:t>[0]=new </a:t>
+            </a:r>
+            <a:r>
+              <a:rPr lang="en-US" dirty="0" err="1" smtClean="0"/>
+              <a:t>int</a:t>
+            </a:r>
+            <a:r>
+              <a:rPr lang="en-US" dirty="0" smtClean="0"/>
+              <a:t>[3][];</a:t>
+            </a:r>
+          </a:p>
+          <a:p>
+            <a:pPr marL="0" indent="0">
+              <a:buNone/>
+            </a:pPr>
+            <a:r>
+              <a:rPr lang="en-US" dirty="0" smtClean="0"/>
+              <a:t>a[0][0]=new </a:t>
+            </a:r>
+            <a:r>
+              <a:rPr lang="en-US" dirty="0" err="1" smtClean="0"/>
+              <a:t>int</a:t>
+            </a:r>
+            <a:r>
+              <a:rPr lang="en-US" dirty="0" smtClean="0"/>
+              <a:t>[1];</a:t>
+            </a:r>
+          </a:p>
+          <a:p>
+            <a:pPr marL="0" indent="0">
+              <a:buNone/>
+            </a:pPr>
+            <a:r>
+              <a:rPr lang="en-US" dirty="0" smtClean="0"/>
+              <a:t>a[0][1]=new </a:t>
+            </a:r>
+            <a:r>
+              <a:rPr lang="en-US" dirty="0" err="1" smtClean="0"/>
+              <a:t>int</a:t>
+            </a:r>
+            <a:r>
+              <a:rPr lang="en-US" dirty="0" smtClean="0"/>
+              <a:t>[2];</a:t>
+            </a:r>
+          </a:p>
+          <a:p>
+            <a:pPr marL="0" indent="0">
+              <a:buNone/>
+            </a:pPr>
+            <a:r>
+              <a:rPr lang="en-US" dirty="0"/>
+              <a:t>a</a:t>
+            </a:r>
+            <a:r>
+              <a:rPr lang="en-US" dirty="0" smtClean="0"/>
+              <a:t>[0][2]=new </a:t>
+            </a:r>
+            <a:r>
+              <a:rPr lang="en-US" dirty="0" err="1" smtClean="0"/>
+              <a:t>int</a:t>
+            </a:r>
+            <a:r>
+              <a:rPr lang="en-US" dirty="0" smtClean="0"/>
+              <a:t>[3];</a:t>
+            </a:r>
+            <a:endParaRPr lang="en-US" dirty="0"/>
+          </a:p>
+        </p:txBody>
+      </p:sp>
+    </p:spTree>
+    <p:extLst>
+      <p:ext uri="{BB962C8B-B14F-4D97-AF65-F5344CB8AC3E}">
+        <p14:creationId xmlns:p14="http://schemas.microsoft.com/office/powerpoint/2010/main" val="3158694438"/>
+      </p:ext>
+    </p:extLst>
+  </p:cSld>
+  <p:clrMapOvr>
+    <a:masterClrMapping/>
+  </p:clrMapOvr>
+</p:sld>
+</file>
+
+<file path=ppt/slides/slide93.xml><?xml version="1.0" encoding="utf-8"?>
+<p:sld xmlns:a="http://schemas.openxmlformats.org/drawingml/2006/main" xmlns:r="http://schemas.openxmlformats.org/officeDocument/2006/relationships" xmlns:p="http://schemas.openxmlformats.org/presentationml/2006/main">
+  <p:cSld>
+    <p:spTree>
+      <p:nvGrpSpPr>
+        <p:cNvPr id="1" name=""/>
+        <p:cNvGrpSpPr/>
+        <p:nvPr/>
+      </p:nvGrpSpPr>
+      <p:grpSpPr>
+        <a:xfrm>
+          <a:off x="0" y="0"/>
+          <a:ext cx="0" cy="0"/>
+          <a:chOff x="0" y="0"/>
+          <a:chExt cx="0" cy="0"/>
+        </a:xfrm>
+      </p:grpSpPr>
+      <p:sp>
+        <p:nvSpPr>
+          <p:cNvPr id="2" name="Title 1"/>
+          <p:cNvSpPr>
+            <a:spLocks noGrp="1"/>
+          </p:cNvSpPr>
+          <p:nvPr>
+            <p:ph type="title"/>
+          </p:nvPr>
+        </p:nvSpPr>
+        <p:spPr>
+          <a:xfrm>
+            <a:off x="263974" y="179763"/>
+            <a:ext cx="9404723" cy="570864"/>
+          </a:xfrm>
+        </p:spPr>
+        <p:txBody>
+          <a:bodyPr/>
+          <a:lstStyle/>
+          <a:p>
+            <a:r>
+              <a:rPr lang="en-US" sz="2800" dirty="0" smtClean="0"/>
+              <a:t>Array initialization</a:t>
+            </a:r>
+            <a:endParaRPr lang="en-US" sz="2800" dirty="0"/>
+          </a:p>
+        </p:txBody>
+      </p:sp>
+      <p:sp>
+        <p:nvSpPr>
+          <p:cNvPr id="3" name="Content Placeholder 2"/>
+          <p:cNvSpPr>
+            <a:spLocks noGrp="1"/>
+          </p:cNvSpPr>
+          <p:nvPr>
+            <p:ph idx="1"/>
+          </p:nvPr>
+        </p:nvSpPr>
+        <p:spPr>
+          <a:xfrm>
+            <a:off x="136478" y="914401"/>
+            <a:ext cx="11696131" cy="5773002"/>
+          </a:xfrm>
+        </p:spPr>
+        <p:txBody>
+          <a:bodyPr>
+            <a:normAutofit lnSpcReduction="10000"/>
+          </a:bodyPr>
+          <a:lstStyle/>
+          <a:p>
+            <a:r>
+              <a:rPr lang="en-US" dirty="0" smtClean="0"/>
+              <a:t>Whenever we are creating an array every element is initialized with default values automatically</a:t>
+            </a:r>
+          </a:p>
+          <a:p>
+            <a:pPr marL="0" indent="0">
+              <a:buNone/>
+            </a:pPr>
+            <a:r>
+              <a:rPr lang="en-US" dirty="0" smtClean="0"/>
+              <a:t>Example 1: </a:t>
+            </a:r>
+          </a:p>
+          <a:p>
+            <a:pPr marL="0" indent="0">
+              <a:buNone/>
+            </a:pPr>
+            <a:r>
+              <a:rPr lang="en-US" dirty="0" err="1" smtClean="0"/>
+              <a:t>Int</a:t>
+            </a:r>
+            <a:r>
+              <a:rPr lang="en-US" dirty="0" smtClean="0"/>
+              <a:t>[] a=new </a:t>
+            </a:r>
+            <a:r>
+              <a:rPr lang="en-US" dirty="0" err="1" smtClean="0"/>
+              <a:t>int</a:t>
+            </a:r>
+            <a:r>
+              <a:rPr lang="en-US" dirty="0" smtClean="0"/>
+              <a:t>[3];</a:t>
+            </a:r>
+          </a:p>
+          <a:p>
+            <a:pPr marL="0" indent="0">
+              <a:buNone/>
+            </a:pPr>
+            <a:r>
+              <a:rPr lang="en-US" dirty="0" err="1" smtClean="0"/>
+              <a:t>system.out.println</a:t>
+            </a:r>
+            <a:r>
+              <a:rPr lang="en-US" dirty="0" smtClean="0"/>
+              <a:t>(a);</a:t>
+            </a:r>
+          </a:p>
+          <a:p>
+            <a:pPr marL="0" indent="0">
+              <a:buNone/>
+            </a:pPr>
+            <a:r>
+              <a:rPr lang="en-US" dirty="0" err="1" smtClean="0"/>
+              <a:t>system.out.println</a:t>
+            </a:r>
+            <a:r>
+              <a:rPr lang="en-US" dirty="0" smtClean="0"/>
+              <a:t>(a[0]);</a:t>
+            </a:r>
+          </a:p>
+          <a:p>
+            <a:r>
+              <a:rPr lang="en-US" dirty="0" smtClean="0"/>
+              <a:t>Once we created an array all its elements by default initialized with </a:t>
+            </a:r>
+            <a:r>
+              <a:rPr lang="en-US" dirty="0" err="1" smtClean="0"/>
+              <a:t>defulat</a:t>
+            </a:r>
+            <a:r>
+              <a:rPr lang="en-US" dirty="0" smtClean="0"/>
+              <a:t> values if we are not satisfied with those values then we can replays with our customized values.</a:t>
+            </a:r>
+          </a:p>
+          <a:p>
+            <a:pPr marL="0" indent="0">
+              <a:buNone/>
+            </a:pPr>
+            <a:r>
+              <a:rPr lang="en-US" dirty="0" smtClean="0"/>
+              <a:t>Example:</a:t>
+            </a:r>
+          </a:p>
+          <a:p>
+            <a:pPr marL="0" indent="0">
+              <a:buNone/>
+            </a:pPr>
+            <a:r>
+              <a:rPr lang="en-US" dirty="0" err="1" smtClean="0"/>
+              <a:t>Int</a:t>
+            </a:r>
+            <a:r>
+              <a:rPr lang="en-US" dirty="0" smtClean="0"/>
+              <a:t>[] a=new </a:t>
+            </a:r>
+            <a:r>
+              <a:rPr lang="en-US" dirty="0" err="1" smtClean="0"/>
+              <a:t>int</a:t>
+            </a:r>
+            <a:r>
+              <a:rPr lang="en-US" dirty="0" smtClean="0"/>
+              <a:t>[3];</a:t>
+            </a:r>
+          </a:p>
+          <a:p>
+            <a:pPr marL="0" indent="0">
+              <a:buNone/>
+            </a:pPr>
+            <a:r>
+              <a:rPr lang="en-US" dirty="0" smtClean="0"/>
+              <a:t>a[0]=10;</a:t>
+            </a:r>
+          </a:p>
+          <a:p>
+            <a:pPr marL="0" indent="0">
+              <a:buNone/>
+            </a:pPr>
+            <a:r>
+              <a:rPr lang="en-US" dirty="0" smtClean="0"/>
+              <a:t>a[1]=20</a:t>
+            </a:r>
+            <a:r>
+              <a:rPr lang="en-US" dirty="0"/>
+              <a:t>;</a:t>
+            </a:r>
+          </a:p>
+          <a:p>
+            <a:pPr marL="0" indent="0">
+              <a:buNone/>
+            </a:pPr>
+            <a:r>
+              <a:rPr lang="en-US" dirty="0" smtClean="0"/>
+              <a:t>a[2]=30;</a:t>
+            </a:r>
+          </a:p>
+          <a:p>
+            <a:pPr marL="0" indent="0">
+              <a:buNone/>
+            </a:pPr>
+            <a:r>
+              <a:rPr lang="en-US" dirty="0" smtClean="0"/>
+              <a:t>a[4]=40;  CE</a:t>
+            </a:r>
+          </a:p>
+          <a:p>
+            <a:pPr marL="0" indent="0">
+              <a:buNone/>
+            </a:pPr>
+            <a:r>
+              <a:rPr lang="en-US" dirty="0" smtClean="0"/>
+              <a:t>A[-4]=50; CE</a:t>
+            </a:r>
+            <a:endParaRPr lang="en-US" dirty="0"/>
+          </a:p>
+          <a:p>
+            <a:pPr marL="0" indent="0">
+              <a:buNone/>
+            </a:pPr>
+            <a:endParaRPr lang="en-US" dirty="0"/>
+          </a:p>
+          <a:p>
+            <a:pPr marL="0" indent="0">
+              <a:buNone/>
+            </a:pPr>
+            <a:endParaRPr lang="en-US" dirty="0"/>
+          </a:p>
+        </p:txBody>
+      </p:sp>
+    </p:spTree>
+    <p:extLst>
+      <p:ext uri="{BB962C8B-B14F-4D97-AF65-F5344CB8AC3E}">
+        <p14:creationId xmlns:p14="http://schemas.microsoft.com/office/powerpoint/2010/main" val="1244684158"/>
+      </p:ext>
+    </p:extLst>
+  </p:cSld>
+  <p:clrMapOvr>
+    <a:masterClrMapping/>
+  </p:clrMapOvr>
+</p:sld>
+</file>
+
+<file path=ppt/slides/slide94.xml><?xml version="1.0" encoding="utf-8"?>
+<p:sld xmlns:a="http://schemas.openxmlformats.org/drawingml/2006/main" xmlns:r="http://schemas.openxmlformats.org/officeDocument/2006/relationships" xmlns:p="http://schemas.openxmlformats.org/presentationml/2006/main">
+  <p:cSld>
+    <p:spTree>
+      <p:nvGrpSpPr>
+        <p:cNvPr id="1" name=""/>
+        <p:cNvGrpSpPr/>
+        <p:nvPr/>
+      </p:nvGrpSpPr>
+      <p:grpSpPr>
+        <a:xfrm>
+          <a:off x="0" y="0"/>
+          <a:ext cx="0" cy="0"/>
+          <a:chOff x="0" y="0"/>
+          <a:chExt cx="0" cy="0"/>
+        </a:xfrm>
+      </p:grpSpPr>
+      <p:sp>
+        <p:nvSpPr>
+          <p:cNvPr id="2" name="Title 1"/>
+          <p:cNvSpPr>
+            <a:spLocks noGrp="1"/>
+          </p:cNvSpPr>
+          <p:nvPr>
+            <p:ph type="title"/>
+          </p:nvPr>
+        </p:nvSpPr>
+        <p:spPr>
+          <a:xfrm>
+            <a:off x="277622" y="179763"/>
+            <a:ext cx="9404723" cy="475330"/>
+          </a:xfrm>
+        </p:spPr>
+        <p:txBody>
+          <a:bodyPr/>
+          <a:lstStyle/>
+          <a:p>
+            <a:r>
+              <a:rPr lang="en-US" sz="2800" dirty="0" smtClean="0"/>
+              <a:t>Arrays</a:t>
+            </a:r>
+            <a:endParaRPr lang="en-US" sz="2800" dirty="0"/>
+          </a:p>
+        </p:txBody>
+      </p:sp>
+      <p:sp>
+        <p:nvSpPr>
+          <p:cNvPr id="3" name="Content Placeholder 2"/>
+          <p:cNvSpPr>
+            <a:spLocks noGrp="1"/>
+          </p:cNvSpPr>
+          <p:nvPr>
+            <p:ph idx="1"/>
+          </p:nvPr>
+        </p:nvSpPr>
+        <p:spPr>
+          <a:xfrm>
+            <a:off x="0" y="791570"/>
+            <a:ext cx="11586950" cy="6066430"/>
+          </a:xfrm>
+        </p:spPr>
+        <p:txBody>
+          <a:bodyPr/>
+          <a:lstStyle/>
+          <a:p>
+            <a:pPr marL="0" indent="0">
+              <a:buNone/>
+            </a:pPr>
+            <a:r>
+              <a:rPr lang="en-US" b="1" dirty="0" smtClean="0"/>
+              <a:t>Note</a:t>
+            </a:r>
+            <a:r>
+              <a:rPr lang="en-US" dirty="0" smtClean="0"/>
+              <a:t>: If we are trying to access array element with out of range index we will get Runtime Exception saying </a:t>
+            </a:r>
+            <a:r>
+              <a:rPr lang="en-US" dirty="0" err="1" smtClean="0"/>
+              <a:t>ArrayIndexedOutOfBoundException</a:t>
+            </a:r>
+            <a:endParaRPr lang="en-US" dirty="0" smtClean="0"/>
+          </a:p>
+          <a:p>
+            <a:pPr marL="0" indent="0">
+              <a:buNone/>
+            </a:pPr>
+            <a:endParaRPr lang="en-US" dirty="0"/>
+          </a:p>
+          <a:p>
+            <a:pPr marL="0" indent="0">
+              <a:buNone/>
+            </a:pPr>
+            <a:r>
+              <a:rPr lang="en-US" b="1" dirty="0" smtClean="0"/>
+              <a:t>Array Declaration, Construction and Initialization in Single line:</a:t>
+            </a:r>
+          </a:p>
+          <a:p>
+            <a:r>
+              <a:rPr lang="en-US" dirty="0" smtClean="0"/>
+              <a:t>We can perform declaration, construction and initialization in Single line</a:t>
+            </a:r>
+          </a:p>
+          <a:p>
+            <a:pPr marL="0" indent="0">
+              <a:buNone/>
+            </a:pPr>
+            <a:r>
+              <a:rPr lang="en-US" dirty="0" smtClean="0"/>
+              <a:t>Example: </a:t>
+            </a:r>
+            <a:endParaRPr lang="en-US" dirty="0"/>
+          </a:p>
+          <a:p>
+            <a:pPr marL="0" indent="0">
+              <a:buNone/>
+            </a:pPr>
+            <a:r>
+              <a:rPr lang="en-US" dirty="0" err="1" smtClean="0"/>
+              <a:t>Int</a:t>
+            </a:r>
+            <a:r>
+              <a:rPr lang="en-US" dirty="0" smtClean="0"/>
+              <a:t>[] a={10,20,30};</a:t>
+            </a:r>
+          </a:p>
+          <a:p>
+            <a:pPr marL="0" indent="0">
+              <a:buNone/>
+            </a:pPr>
+            <a:r>
+              <a:rPr lang="en-US" dirty="0" smtClean="0"/>
+              <a:t>Char </a:t>
+            </a:r>
+            <a:r>
+              <a:rPr lang="en-US" dirty="0" err="1" smtClean="0"/>
+              <a:t>ch</a:t>
+            </a:r>
+            <a:r>
+              <a:rPr lang="en-US" dirty="0" smtClean="0"/>
+              <a:t>={‘a’,’e’,’</a:t>
+            </a:r>
+            <a:r>
+              <a:rPr lang="en-US" dirty="0" err="1" smtClean="0"/>
+              <a:t>i</a:t>
+            </a:r>
+            <a:r>
+              <a:rPr lang="en-US" dirty="0" smtClean="0"/>
+              <a:t>’,’</a:t>
+            </a:r>
+            <a:r>
+              <a:rPr lang="en-US" dirty="0" err="1" smtClean="0"/>
+              <a:t>o’,’u</a:t>
+            </a:r>
+            <a:r>
+              <a:rPr lang="en-US" dirty="0" smtClean="0"/>
+              <a:t>’};</a:t>
+            </a:r>
+          </a:p>
+          <a:p>
+            <a:r>
+              <a:rPr lang="en-US" dirty="0" smtClean="0"/>
+              <a:t>We can implement this shortcut for multidimensional array also</a:t>
+            </a:r>
+          </a:p>
+          <a:p>
+            <a:pPr marL="0" indent="0">
+              <a:buNone/>
+            </a:pPr>
+            <a:r>
+              <a:rPr lang="en-US" dirty="0" err="1" smtClean="0"/>
+              <a:t>Int</a:t>
+            </a:r>
+            <a:r>
+              <a:rPr lang="en-US" dirty="0" smtClean="0"/>
+              <a:t>[][] a={{10,20,30},{40,50}};</a:t>
+            </a:r>
+          </a:p>
+          <a:p>
+            <a:pPr marL="0" indent="0">
+              <a:buNone/>
+            </a:pPr>
+            <a:r>
+              <a:rPr lang="en-US" b="1" dirty="0" smtClean="0"/>
+              <a:t>Note</a:t>
+            </a:r>
+            <a:r>
+              <a:rPr lang="en-US" dirty="0" smtClean="0"/>
+              <a:t>: If we want to use shortcut compulsory we should perform </a:t>
+            </a:r>
+            <a:r>
+              <a:rPr lang="en-US" dirty="0" err="1" smtClean="0"/>
+              <a:t>declarartion</a:t>
+            </a:r>
+            <a:r>
+              <a:rPr lang="en-US" dirty="0" smtClean="0"/>
+              <a:t>, construction and </a:t>
+            </a:r>
+            <a:r>
+              <a:rPr lang="en-US" dirty="0" err="1" smtClean="0"/>
+              <a:t>initilazation</a:t>
+            </a:r>
+            <a:r>
+              <a:rPr lang="en-US" dirty="0" smtClean="0"/>
+              <a:t> in single line if we are trying to divide into multiple lines then we will get compile time error.</a:t>
+            </a:r>
+          </a:p>
+          <a:p>
+            <a:pPr marL="0" indent="0">
+              <a:buNone/>
+            </a:pPr>
+            <a:r>
+              <a:rPr lang="en-US" dirty="0" smtClean="0"/>
+              <a:t>Example: </a:t>
+            </a:r>
+            <a:r>
+              <a:rPr lang="en-US" dirty="0" err="1" smtClean="0"/>
+              <a:t>int</a:t>
+            </a:r>
+            <a:r>
+              <a:rPr lang="en-US" dirty="0" smtClean="0"/>
+              <a:t>[] x;</a:t>
+            </a:r>
+          </a:p>
+          <a:p>
+            <a:pPr marL="0" indent="0">
+              <a:buNone/>
+            </a:pPr>
+            <a:r>
+              <a:rPr lang="en-US" dirty="0"/>
+              <a:t> </a:t>
+            </a:r>
+            <a:r>
+              <a:rPr lang="en-US" dirty="0" smtClean="0"/>
+              <a:t>                 x={10,20,30};     CE</a:t>
+            </a:r>
+            <a:endParaRPr lang="en-US" dirty="0"/>
+          </a:p>
+        </p:txBody>
+      </p:sp>
+    </p:spTree>
+    <p:extLst>
+      <p:ext uri="{BB962C8B-B14F-4D97-AF65-F5344CB8AC3E}">
+        <p14:creationId xmlns:p14="http://schemas.microsoft.com/office/powerpoint/2010/main" val="3382272107"/>
+      </p:ext>
+    </p:extLst>
+  </p:cSld>
+  <p:clrMapOvr>
+    <a:masterClrMapping/>
+  </p:clrMapOvr>
+</p:sld>
+</file>
+
+<file path=ppt/slides/slide95.xml><?xml version="1.0" encoding="utf-8"?>
+<p:sld xmlns:a="http://schemas.openxmlformats.org/drawingml/2006/main" xmlns:r="http://schemas.openxmlformats.org/officeDocument/2006/relationships" xmlns:p="http://schemas.openxmlformats.org/presentationml/2006/main">
+  <p:cSld>
+    <p:spTree>
+      <p:nvGrpSpPr>
+        <p:cNvPr id="1" name=""/>
+        <p:cNvGrpSpPr/>
+        <p:nvPr/>
+      </p:nvGrpSpPr>
+      <p:grpSpPr>
+        <a:xfrm>
+          <a:off x="0" y="0"/>
+          <a:ext cx="0" cy="0"/>
+          <a:chOff x="0" y="0"/>
+          <a:chExt cx="0" cy="0"/>
+        </a:xfrm>
+      </p:grpSpPr>
+      <p:sp>
+        <p:nvSpPr>
+          <p:cNvPr id="2" name="Title 1"/>
+          <p:cNvSpPr>
+            <a:spLocks noGrp="1"/>
+          </p:cNvSpPr>
+          <p:nvPr>
+            <p:ph type="title"/>
+          </p:nvPr>
+        </p:nvSpPr>
+        <p:spPr>
+          <a:xfrm>
+            <a:off x="141144" y="191070"/>
+            <a:ext cx="9404723" cy="573206"/>
+          </a:xfrm>
+        </p:spPr>
+        <p:txBody>
+          <a:bodyPr/>
+          <a:lstStyle/>
+          <a:p>
+            <a:r>
+              <a:rPr lang="en-US" sz="2800" dirty="0" smtClean="0"/>
+              <a:t>Arrays</a:t>
+            </a:r>
+            <a:endParaRPr lang="en-US" sz="2800" dirty="0"/>
+          </a:p>
+        </p:txBody>
+      </p:sp>
+      <p:sp>
+        <p:nvSpPr>
+          <p:cNvPr id="3" name="Content Placeholder 2"/>
+          <p:cNvSpPr>
+            <a:spLocks noGrp="1"/>
+          </p:cNvSpPr>
+          <p:nvPr>
+            <p:ph idx="1"/>
+          </p:nvPr>
+        </p:nvSpPr>
+        <p:spPr>
+          <a:xfrm>
+            <a:off x="141144" y="764275"/>
+            <a:ext cx="11404862" cy="5909479"/>
+          </a:xfrm>
+        </p:spPr>
+        <p:txBody>
+          <a:bodyPr>
+            <a:normAutofit fontScale="92500" lnSpcReduction="10000"/>
+          </a:bodyPr>
+          <a:lstStyle/>
+          <a:p>
+            <a:pPr marL="0" indent="0">
+              <a:buNone/>
+            </a:pPr>
+            <a:r>
+              <a:rPr lang="en-US" b="1" dirty="0" smtClean="0"/>
+              <a:t>Length vs length():</a:t>
+            </a:r>
+          </a:p>
+          <a:p>
+            <a:pPr marL="0" indent="0">
+              <a:buNone/>
+            </a:pPr>
+            <a:r>
+              <a:rPr lang="en-US" b="1" dirty="0" smtClean="0"/>
+              <a:t>Length:</a:t>
+            </a:r>
+          </a:p>
+          <a:p>
+            <a:r>
+              <a:rPr lang="en-US" dirty="0" smtClean="0"/>
+              <a:t>It is a final variable applicable only for arrays</a:t>
+            </a:r>
+          </a:p>
+          <a:p>
+            <a:r>
+              <a:rPr lang="en-US" dirty="0" smtClean="0"/>
+              <a:t>It represent the size of array</a:t>
+            </a:r>
+          </a:p>
+          <a:p>
+            <a:pPr marL="0" indent="0">
+              <a:buNone/>
+            </a:pPr>
+            <a:r>
+              <a:rPr lang="en-US" dirty="0" smtClean="0"/>
+              <a:t>Example: </a:t>
+            </a:r>
+          </a:p>
+          <a:p>
+            <a:pPr marL="0" indent="0">
+              <a:buNone/>
+            </a:pPr>
+            <a:r>
+              <a:rPr lang="en-US" dirty="0" err="1" smtClean="0"/>
+              <a:t>Int</a:t>
+            </a:r>
+            <a:r>
+              <a:rPr lang="en-US" dirty="0" smtClean="0"/>
+              <a:t>[] x=new </a:t>
+            </a:r>
+            <a:r>
+              <a:rPr lang="en-US" dirty="0" err="1" smtClean="0"/>
+              <a:t>int</a:t>
+            </a:r>
+            <a:r>
+              <a:rPr lang="en-US" dirty="0" smtClean="0"/>
+              <a:t>[3];</a:t>
+            </a:r>
+          </a:p>
+          <a:p>
+            <a:pPr marL="0" indent="0">
+              <a:buNone/>
+            </a:pPr>
+            <a:r>
+              <a:rPr lang="en-US" dirty="0" err="1" smtClean="0"/>
+              <a:t>System.out.println</a:t>
+            </a:r>
+            <a:r>
+              <a:rPr lang="en-US" dirty="0" smtClean="0"/>
+              <a:t>(</a:t>
+            </a:r>
+            <a:r>
+              <a:rPr lang="en-US" dirty="0" err="1" smtClean="0"/>
+              <a:t>x.length</a:t>
+            </a:r>
+            <a:r>
+              <a:rPr lang="en-US" dirty="0" smtClean="0"/>
+              <a:t>());   CE</a:t>
+            </a:r>
+          </a:p>
+          <a:p>
+            <a:pPr marL="0" indent="0">
+              <a:buNone/>
+            </a:pPr>
+            <a:r>
+              <a:rPr lang="en-US" dirty="0" err="1" smtClean="0"/>
+              <a:t>System.out.println</a:t>
+            </a:r>
+            <a:r>
+              <a:rPr lang="en-US" dirty="0" smtClean="0"/>
+              <a:t>(</a:t>
+            </a:r>
+            <a:r>
+              <a:rPr lang="en-US" dirty="0" err="1" smtClean="0"/>
+              <a:t>x.length</a:t>
+            </a:r>
+            <a:r>
+              <a:rPr lang="en-US" dirty="0" smtClean="0"/>
+              <a:t>);   //3</a:t>
+            </a:r>
+          </a:p>
+          <a:p>
+            <a:pPr marL="0" indent="0">
+              <a:buNone/>
+            </a:pPr>
+            <a:endParaRPr lang="en-US" dirty="0"/>
+          </a:p>
+          <a:p>
+            <a:pPr marL="0" indent="0">
+              <a:buNone/>
+            </a:pPr>
+            <a:r>
+              <a:rPr lang="en-US" b="1" dirty="0"/>
+              <a:t>length</a:t>
+            </a:r>
+            <a:r>
+              <a:rPr lang="en-US" b="1" dirty="0" smtClean="0"/>
+              <a:t>() method:</a:t>
+            </a:r>
+          </a:p>
+          <a:p>
+            <a:r>
+              <a:rPr lang="en-US" dirty="0" smtClean="0"/>
+              <a:t>It is a final method applicable for String objects</a:t>
+            </a:r>
+          </a:p>
+          <a:p>
+            <a:r>
+              <a:rPr lang="en-US" dirty="0" smtClean="0"/>
+              <a:t>It returns number of character present in Strings</a:t>
+            </a:r>
+          </a:p>
+          <a:p>
+            <a:pPr marL="0" indent="0">
+              <a:buNone/>
+            </a:pPr>
+            <a:r>
+              <a:rPr lang="en-US" dirty="0" smtClean="0"/>
+              <a:t>Example: String  s= “Java”;</a:t>
+            </a:r>
+          </a:p>
+          <a:p>
+            <a:pPr marL="0" indent="0">
+              <a:buNone/>
+            </a:pPr>
+            <a:r>
+              <a:rPr lang="en-US" dirty="0" err="1" smtClean="0"/>
+              <a:t>System.out.println</a:t>
+            </a:r>
+            <a:r>
+              <a:rPr lang="en-US" dirty="0" smtClean="0"/>
+              <a:t>(</a:t>
+            </a:r>
+            <a:r>
+              <a:rPr lang="en-US" dirty="0" err="1" smtClean="0"/>
+              <a:t>s.length</a:t>
+            </a:r>
+            <a:r>
+              <a:rPr lang="en-US" dirty="0"/>
+              <a:t>());   </a:t>
+            </a:r>
+            <a:r>
+              <a:rPr lang="en-US" dirty="0" smtClean="0"/>
+              <a:t>//4</a:t>
+            </a:r>
+            <a:endParaRPr lang="en-US" dirty="0"/>
+          </a:p>
+          <a:p>
+            <a:pPr marL="0" indent="0">
+              <a:buNone/>
+            </a:pPr>
+            <a:r>
+              <a:rPr lang="en-US" dirty="0" err="1" smtClean="0"/>
+              <a:t>System.out.println</a:t>
+            </a:r>
+            <a:r>
+              <a:rPr lang="en-US" dirty="0" smtClean="0"/>
+              <a:t>(</a:t>
+            </a:r>
+            <a:r>
+              <a:rPr lang="en-US" dirty="0" err="1" smtClean="0"/>
+              <a:t>s.length</a:t>
+            </a:r>
+            <a:r>
+              <a:rPr lang="en-US" dirty="0"/>
+              <a:t>);   </a:t>
+            </a:r>
+            <a:r>
+              <a:rPr lang="en-US" dirty="0" smtClean="0"/>
+              <a:t>CE</a:t>
+            </a:r>
+            <a:endParaRPr lang="en-US" dirty="0"/>
+          </a:p>
+          <a:p>
+            <a:pPr marL="0" indent="0">
+              <a:buNone/>
+            </a:pPr>
+            <a:endParaRPr lang="en-US" dirty="0"/>
+          </a:p>
+        </p:txBody>
+      </p:sp>
+    </p:spTree>
+    <p:extLst>
+      <p:ext uri="{BB962C8B-B14F-4D97-AF65-F5344CB8AC3E}">
+        <p14:creationId xmlns:p14="http://schemas.microsoft.com/office/powerpoint/2010/main" val="644706596"/>
+      </p:ext>
+    </p:extLst>
+  </p:cSld>
+  <p:clrMapOvr>
+    <a:masterClrMapping/>
+  </p:clrMapOvr>
+</p:sld>
+</file>
+
+<file path=ppt/slides/slide96.xml><?xml version="1.0" encoding="utf-8"?>
+<p:sld xmlns:a="http://schemas.openxmlformats.org/drawingml/2006/main" xmlns:r="http://schemas.openxmlformats.org/officeDocument/2006/relationships" xmlns:p="http://schemas.openxmlformats.org/presentationml/2006/main">
+  <p:cSld>
+    <p:spTree>
+      <p:nvGrpSpPr>
+        <p:cNvPr id="1" name=""/>
+        <p:cNvGrpSpPr/>
+        <p:nvPr/>
+      </p:nvGrpSpPr>
+      <p:grpSpPr>
+        <a:xfrm>
+          <a:off x="0" y="0"/>
+          <a:ext cx="0" cy="0"/>
+          <a:chOff x="0" y="0"/>
+          <a:chExt cx="0" cy="0"/>
+        </a:xfrm>
+      </p:grpSpPr>
+      <p:sp>
+        <p:nvSpPr>
+          <p:cNvPr id="2" name="Title 1"/>
+          <p:cNvSpPr>
+            <a:spLocks noGrp="1"/>
+          </p:cNvSpPr>
+          <p:nvPr>
+            <p:ph type="title"/>
+          </p:nvPr>
+        </p:nvSpPr>
+        <p:spPr>
+          <a:xfrm>
+            <a:off x="154791" y="152467"/>
+            <a:ext cx="9404723" cy="652751"/>
+          </a:xfrm>
+        </p:spPr>
+        <p:txBody>
+          <a:bodyPr/>
+          <a:lstStyle/>
+          <a:p>
+            <a:r>
+              <a:rPr lang="en-US" sz="2800" dirty="0" smtClean="0"/>
+              <a:t>Anonymous Array</a:t>
+            </a:r>
+            <a:endParaRPr lang="en-US" sz="2800" dirty="0"/>
+          </a:p>
+        </p:txBody>
+      </p:sp>
+      <p:sp>
+        <p:nvSpPr>
+          <p:cNvPr id="3" name="Content Placeholder 2"/>
+          <p:cNvSpPr>
+            <a:spLocks noGrp="1"/>
+          </p:cNvSpPr>
+          <p:nvPr>
+            <p:ph idx="1"/>
+          </p:nvPr>
+        </p:nvSpPr>
+        <p:spPr>
+          <a:xfrm>
+            <a:off x="154791" y="805218"/>
+            <a:ext cx="11459454" cy="5827594"/>
+          </a:xfrm>
+        </p:spPr>
+        <p:txBody>
+          <a:bodyPr/>
+          <a:lstStyle/>
+          <a:p>
+            <a:r>
+              <a:rPr lang="en-US" dirty="0" smtClean="0"/>
+              <a:t>Sometimes we create an array without name such type of nameless arrays are called anonymous arrays</a:t>
+            </a:r>
+          </a:p>
+          <a:p>
+            <a:r>
+              <a:rPr lang="en-US" dirty="0" smtClean="0"/>
+              <a:t>The main adjective of anonymous array is just for instant use</a:t>
+            </a:r>
+          </a:p>
+          <a:p>
+            <a:r>
+              <a:rPr lang="en-US" dirty="0" smtClean="0"/>
+              <a:t>We can create anonymous array as follows:</a:t>
+            </a:r>
+          </a:p>
+          <a:p>
+            <a:pPr marL="0" indent="0">
+              <a:buNone/>
+            </a:pPr>
+            <a:r>
+              <a:rPr lang="en-US" dirty="0" smtClean="0"/>
+              <a:t>Example:  New </a:t>
+            </a:r>
+            <a:r>
+              <a:rPr lang="en-US" dirty="0" err="1" smtClean="0"/>
+              <a:t>int</a:t>
+            </a:r>
+            <a:r>
+              <a:rPr lang="en-US" dirty="0" smtClean="0"/>
+              <a:t>[]{10,20,30};   Valid</a:t>
+            </a:r>
+          </a:p>
+          <a:p>
+            <a:r>
+              <a:rPr lang="en-US" dirty="0" smtClean="0"/>
+              <a:t>At the time of anonymous array creation we can not specify the size otherwise we will get compile time error</a:t>
+            </a:r>
+          </a:p>
+          <a:p>
+            <a:pPr marL="0" indent="0">
+              <a:buNone/>
+            </a:pPr>
+            <a:r>
+              <a:rPr lang="en-US" dirty="0" smtClean="0"/>
+              <a:t>Example:   New </a:t>
+            </a:r>
+            <a:r>
+              <a:rPr lang="en-US" dirty="0" err="1" smtClean="0"/>
+              <a:t>int</a:t>
+            </a:r>
+            <a:r>
+              <a:rPr lang="en-US" dirty="0" smtClean="0"/>
+              <a:t>[3]{</a:t>
+            </a:r>
+            <a:r>
+              <a:rPr lang="en-US" dirty="0"/>
+              <a:t>10,20,30};   </a:t>
+            </a:r>
+            <a:r>
+              <a:rPr lang="en-US" dirty="0" err="1" smtClean="0"/>
+              <a:t>InValid</a:t>
+            </a:r>
+            <a:endParaRPr lang="en-US" dirty="0" smtClean="0"/>
+          </a:p>
+          <a:p>
+            <a:pPr marL="0" indent="0">
+              <a:buNone/>
+            </a:pPr>
+            <a:endParaRPr lang="en-US" dirty="0"/>
+          </a:p>
+        </p:txBody>
+      </p:sp>
+    </p:spTree>
+    <p:extLst>
+      <p:ext uri="{BB962C8B-B14F-4D97-AF65-F5344CB8AC3E}">
+        <p14:creationId xmlns:p14="http://schemas.microsoft.com/office/powerpoint/2010/main" val="1408835656"/>
+      </p:ext>
+    </p:extLst>
+  </p:cSld>
+  <p:clrMapOvr>
+    <a:masterClrMapping/>
+  </p:clrMapOvr>
+</p:sld>
+</file>
+
+<file path=ppt/slides/slide97.xml><?xml version="1.0" encoding="utf-8"?>
+<p:sld xmlns:a="http://schemas.openxmlformats.org/drawingml/2006/main" xmlns:r="http://schemas.openxmlformats.org/officeDocument/2006/relationships" xmlns:p="http://schemas.openxmlformats.org/presentationml/2006/main">
+  <p:cSld>
+    <p:spTree>
+      <p:nvGrpSpPr>
+        <p:cNvPr id="1" name=""/>
+        <p:cNvGrpSpPr/>
+        <p:nvPr/>
+      </p:nvGrpSpPr>
+      <p:grpSpPr>
+        <a:xfrm>
+          <a:off x="0" y="0"/>
+          <a:ext cx="0" cy="0"/>
+          <a:chOff x="0" y="0"/>
+          <a:chExt cx="0" cy="0"/>
+        </a:xfrm>
+      </p:grpSpPr>
+      <p:sp>
+        <p:nvSpPr>
+          <p:cNvPr id="2" name="Title 1"/>
+          <p:cNvSpPr>
+            <a:spLocks noGrp="1"/>
+          </p:cNvSpPr>
+          <p:nvPr>
+            <p:ph type="title"/>
+          </p:nvPr>
+        </p:nvSpPr>
+        <p:spPr>
+          <a:xfrm>
+            <a:off x="177421" y="191070"/>
+            <a:ext cx="9873413" cy="573206"/>
+          </a:xfrm>
+        </p:spPr>
+        <p:txBody>
+          <a:bodyPr/>
+          <a:lstStyle/>
+          <a:p>
+            <a:r>
+              <a:rPr lang="en-US" sz="2400" dirty="0" smtClean="0"/>
+              <a:t>Example of anonymous array:</a:t>
+            </a:r>
+            <a:endParaRPr lang="en-US" sz="2400" dirty="0"/>
+          </a:p>
+        </p:txBody>
+      </p:sp>
+      <p:sp>
+        <p:nvSpPr>
+          <p:cNvPr id="3" name="Content Placeholder 2"/>
+          <p:cNvSpPr>
+            <a:spLocks noGrp="1"/>
+          </p:cNvSpPr>
+          <p:nvPr>
+            <p:ph idx="1"/>
+          </p:nvPr>
+        </p:nvSpPr>
+        <p:spPr>
+          <a:xfrm>
+            <a:off x="177420" y="996287"/>
+            <a:ext cx="11696131" cy="5704764"/>
+          </a:xfrm>
+        </p:spPr>
+        <p:txBody>
+          <a:bodyPr/>
+          <a:lstStyle/>
+          <a:p>
+            <a:pPr marL="0" indent="0">
+              <a:buNone/>
+            </a:pPr>
+            <a:r>
+              <a:rPr lang="en-US" dirty="0"/>
+              <a:t>Example:  </a:t>
+            </a:r>
+            <a:r>
+              <a:rPr lang="en-US" dirty="0" err="1"/>
+              <a:t>ClassTes</a:t>
+            </a:r>
+            <a:r>
+              <a:rPr lang="en-US" dirty="0"/>
+              <a:t>{</a:t>
+            </a:r>
+          </a:p>
+          <a:p>
+            <a:pPr marL="0" indent="0">
+              <a:buNone/>
+            </a:pPr>
+            <a:r>
+              <a:rPr lang="en-US" dirty="0"/>
+              <a:t>Public static void main(String[] </a:t>
+            </a:r>
+            <a:r>
+              <a:rPr lang="en-US" dirty="0" err="1"/>
+              <a:t>args</a:t>
+            </a:r>
+            <a:r>
+              <a:rPr lang="en-US" dirty="0"/>
+              <a:t>){</a:t>
+            </a:r>
+          </a:p>
+          <a:p>
+            <a:pPr marL="0" indent="0">
+              <a:buNone/>
+            </a:pPr>
+            <a:r>
+              <a:rPr lang="en-US" dirty="0" err="1"/>
+              <a:t>System.out.println</a:t>
+            </a:r>
+            <a:r>
+              <a:rPr lang="en-US" dirty="0"/>
+              <a:t>(sum(new </a:t>
+            </a:r>
+            <a:r>
+              <a:rPr lang="en-US" dirty="0" err="1"/>
+              <a:t>int</a:t>
+            </a:r>
+            <a:r>
+              <a:rPr lang="en-US" dirty="0"/>
+              <a:t>[]{10,20,30}));  //100</a:t>
+            </a:r>
+          </a:p>
+          <a:p>
+            <a:pPr marL="0" indent="0">
+              <a:buNone/>
+            </a:pPr>
+            <a:r>
+              <a:rPr lang="en-US" dirty="0"/>
+              <a:t>}</a:t>
+            </a:r>
+          </a:p>
+          <a:p>
+            <a:pPr marL="0" indent="0">
+              <a:buNone/>
+            </a:pPr>
+            <a:r>
+              <a:rPr lang="en-US" dirty="0"/>
+              <a:t>Public static </a:t>
+            </a:r>
+            <a:r>
+              <a:rPr lang="en-US" dirty="0" err="1" smtClean="0"/>
+              <a:t>int</a:t>
+            </a:r>
+            <a:r>
+              <a:rPr lang="en-US" dirty="0" smtClean="0"/>
+              <a:t> sum(</a:t>
+            </a:r>
+            <a:r>
+              <a:rPr lang="en-US" dirty="0" err="1" smtClean="0"/>
+              <a:t>int</a:t>
+            </a:r>
+            <a:r>
+              <a:rPr lang="en-US" dirty="0"/>
+              <a:t>[] x){</a:t>
+            </a:r>
+          </a:p>
+          <a:p>
+            <a:pPr marL="0" indent="0">
+              <a:buNone/>
+            </a:pPr>
+            <a:r>
+              <a:rPr lang="en-US" dirty="0" err="1"/>
+              <a:t>Int</a:t>
+            </a:r>
+            <a:r>
+              <a:rPr lang="en-US" dirty="0"/>
+              <a:t> </a:t>
+            </a:r>
+            <a:r>
+              <a:rPr lang="en-US" dirty="0" smtClean="0"/>
+              <a:t>total=0;</a:t>
+            </a:r>
+          </a:p>
+          <a:p>
+            <a:pPr marL="0" indent="0">
+              <a:buNone/>
+            </a:pPr>
+            <a:r>
+              <a:rPr lang="en-US" dirty="0" smtClean="0"/>
+              <a:t>For(</a:t>
+            </a:r>
+            <a:r>
+              <a:rPr lang="en-US" dirty="0" err="1" smtClean="0"/>
+              <a:t>int</a:t>
+            </a:r>
+            <a:r>
+              <a:rPr lang="en-US" dirty="0" smtClean="0"/>
+              <a:t> x1:x){</a:t>
+            </a:r>
+          </a:p>
+          <a:p>
+            <a:pPr marL="0" indent="0">
+              <a:buNone/>
+            </a:pPr>
+            <a:r>
+              <a:rPr lang="en-US" dirty="0" smtClean="0"/>
+              <a:t>Total=total+x1;</a:t>
+            </a:r>
+          </a:p>
+          <a:p>
+            <a:pPr marL="0" indent="0">
+              <a:buNone/>
+            </a:pPr>
+            <a:r>
+              <a:rPr lang="en-US" dirty="0" smtClean="0"/>
+              <a:t>}</a:t>
+            </a:r>
+          </a:p>
+          <a:p>
+            <a:pPr marL="0" indent="0">
+              <a:buNone/>
+            </a:pPr>
+            <a:r>
+              <a:rPr lang="en-US" dirty="0" smtClean="0"/>
+              <a:t>Return total;</a:t>
+            </a:r>
+          </a:p>
+          <a:p>
+            <a:pPr marL="0" indent="0">
+              <a:buNone/>
+            </a:pPr>
+            <a:r>
+              <a:rPr lang="en-US" dirty="0" smtClean="0"/>
+              <a:t>}</a:t>
+            </a:r>
+          </a:p>
+          <a:p>
+            <a:pPr marL="0" indent="0">
+              <a:buNone/>
+            </a:pPr>
+            <a:r>
+              <a:rPr lang="en-US" dirty="0"/>
+              <a:t>}</a:t>
+            </a:r>
+          </a:p>
+          <a:p>
+            <a:pPr marL="0" indent="0">
+              <a:buNone/>
+            </a:pPr>
+            <a:endParaRPr lang="en-US" dirty="0"/>
+          </a:p>
+        </p:txBody>
+      </p:sp>
+    </p:spTree>
+    <p:extLst>
+      <p:ext uri="{BB962C8B-B14F-4D97-AF65-F5344CB8AC3E}">
+        <p14:creationId xmlns:p14="http://schemas.microsoft.com/office/powerpoint/2010/main" val="1264562108"/>
       </p:ext>
     </p:extLst>
   </p:cSld>
@@ -21714,4 +24952,265 @@
     </a:ext>
   </a:extLst>
 </a:theme>
+</file>
+
+<file path=ppt/theme/theme2.xml><?xml version="1.0" encoding="utf-8"?>
+<a:theme xmlns:a="http://schemas.openxmlformats.org/drawingml/2006/main" name="Office Theme">
+  <a:themeElements>
+    <a:clrScheme name="Office">
+      <a:dk1>
+        <a:sysClr val="windowText" lastClr="000000"/>
+      </a:dk1>
+      <a:lt1>
+        <a:sysClr val="window" lastClr="FFFFFF"/>
+      </a:lt1>
+      <a:dk2>
+        <a:srgbClr val="44546A"/>
+      </a:dk2>
+      <a:lt2>
+        <a:srgbClr val="E7E6E6"/>
+      </a:lt2>
+      <a:accent1>
+        <a:srgbClr val="5B9BD5"/>
+      </a:accent1>
+      <a:accent2>
+        <a:srgbClr val="ED7D31"/>
+      </a:accent2>
+      <a:accent3>
+        <a:srgbClr val="A5A5A5"/>
+      </a:accent3>
+      <a:accent4>
+        <a:srgbClr val="FFC000"/>
+      </a:accent4>
+      <a:accent5>
+        <a:srgbClr val="4472C4"/>
+      </a:accent5>
+      <a:accent6>
+        <a:srgbClr val="70AD47"/>
+      </a:accent6>
+      <a:hlink>
+        <a:srgbClr val="0563C1"/>
+      </a:hlink>
+      <a:folHlink>
+        <a:srgbClr val="954F72"/>
+      </a:folHlink>
+    </a:clrScheme>
+    <a:fontScheme name="Office">
+      <a:majorFont>
+        <a:latin typeface="Calibri Light" panose="020F0302020204030204"/>
+        <a:ea typeface=""/>
+        <a:cs typeface=""/>
+        <a:font script="Jpan" typeface="ＭＳ Ｐゴシック"/>
+        <a:font script="Hang" typeface="맑은 고딕"/>
+        <a:font script="Hans" typeface="宋体"/>
+        <a:font script="Hant" typeface="新細明體"/>
+        <a:font script="Arab" typeface="Times New Roman"/>
+        <a:font script="Hebr" typeface="Times New Roman"/>
+        <a:font script="Thai" typeface="Angsana New"/>
+        <a:font script="Ethi" typeface="Nyala"/>
+        <a:font script="Beng" typeface="Vrinda"/>
+        <a:font script="Gujr" typeface="Shruti"/>
+        <a:font script="Khmr" typeface="MoolBoran"/>
+        <a:font script="Knda" typeface="Tunga"/>
+        <a:font script="Guru" typeface="Raavi"/>
+        <a:font script="Cans" typeface="Euphemia"/>
+        <a:font script="Cher" typeface="Plantagenet Cherokee"/>
+        <a:font script="Yiii" typeface="Microsoft Yi Baiti"/>
+        <a:font script="Tibt" typeface="Microsoft Himalaya"/>
+        <a:font script="Thaa" typeface="MV Boli"/>
+        <a:font script="Deva" typeface="Mangal"/>
+        <a:font script="Telu" typeface="Gautami"/>
+        <a:font script="Taml" typeface="Latha"/>
+        <a:font script="Syrc" typeface="Estrangelo Edessa"/>
+        <a:font script="Orya" typeface="Kalinga"/>
+        <a:font script="Mlym" typeface="Kartika"/>
+        <a:font script="Laoo" typeface="DokChampa"/>
+        <a:font script="Sinh" typeface="Iskoola Pota"/>
+        <a:font script="Mong" typeface="Mongolian Baiti"/>
+        <a:font script="Viet" typeface="Times New Roman"/>
+        <a:font script="Uigh" typeface="Microsoft Uighur"/>
+        <a:font script="Geor" typeface="Sylfaen"/>
+      </a:majorFont>
+      <a:minorFont>
+        <a:latin typeface="Calibri" panose="020F0502020204030204"/>
+        <a:ea typeface=""/>
+        <a:cs typeface=""/>
+        <a:font script="Jpan" typeface="ＭＳ Ｐゴシック"/>
+        <a:font script="Hang" typeface="맑은 고딕"/>
+        <a:font script="Hans" typeface="宋体"/>
+        <a:font script="Hant" typeface="新細明體"/>
+        <a:font script="Arab" typeface="Arial"/>
+        <a:font script="Hebr" typeface="Arial"/>
+        <a:font script="Thai" typeface="Cordia New"/>
+        <a:font script="Ethi" typeface="Nyala"/>
+        <a:font script="Beng" typeface="Vrinda"/>
+        <a:font script="Gujr" typeface="Shruti"/>
+        <a:font script="Khmr" typeface="DaunPenh"/>
+        <a:font script="Knda" typeface="Tunga"/>
+        <a:font script="Guru" typeface="Raavi"/>
+        <a:font script="Cans" typeface="Euphemia"/>
+        <a:font script="Cher" typeface="Plantagenet Cherokee"/>
+        <a:font script="Yiii" typeface="Microsoft Yi Baiti"/>
+        <a:font script="Tibt" typeface="Microsoft Himalaya"/>
+        <a:font script="Thaa" typeface="MV Boli"/>
+        <a:font script="Deva" typeface="Mangal"/>
+        <a:font script="Telu" typeface="Gautami"/>
+        <a:font script="Taml" typeface="Latha"/>
+        <a:font script="Syrc" typeface="Estrangelo Edessa"/>
+        <a:font script="Orya" typeface="Kalinga"/>
+        <a:font script="Mlym" typeface="Kartika"/>
+        <a:font script="Laoo" typeface="DokChampa"/>
+        <a:font script="Sinh" typeface="Iskoola Pota"/>
+        <a:font script="Mong" typeface="Mongolian Baiti"/>
+        <a:font script="Viet" typeface="Arial"/>
+        <a:font script="Uigh" typeface="Microsoft Uighur"/>
+        <a:font script="Geor" typeface="Sylfaen"/>
+      </a:minorFont>
+    </a:fontScheme>
+    <a:fmtScheme name="Office">
+      <a:fillStyleLst>
+        <a:solidFill>
+          <a:schemeClr val="phClr"/>
+        </a:solidFill>
+        <a:gradFill rotWithShape="1">
+          <a:gsLst>
+            <a:gs pos="0">
+              <a:schemeClr val="phClr">
+                <a:lumMod val="110000"/>
+                <a:satMod val="105000"/>
+                <a:tint val="67000"/>
+              </a:schemeClr>
+            </a:gs>
+            <a:gs pos="50000">
+              <a:schemeClr val="phClr">
+                <a:lumMod val="105000"/>
+                <a:satMod val="103000"/>
+                <a:tint val="73000"/>
+              </a:schemeClr>
+            </a:gs>
+            <a:gs pos="100000">
+              <a:schemeClr val="phClr">
+                <a:lumMod val="105000"/>
+                <a:satMod val="109000"/>
+                <a:tint val="81000"/>
+              </a:schemeClr>
+            </a:gs>
+          </a:gsLst>
+          <a:lin ang="5400000" scaled="0"/>
+        </a:gradFill>
+        <a:gradFill rotWithShape="1">
+          <a:gsLst>
+            <a:gs pos="0">
+              <a:schemeClr val="phClr">
+                <a:satMod val="103000"/>
+                <a:lumMod val="102000"/>
+                <a:tint val="94000"/>
+              </a:schemeClr>
+            </a:gs>
+            <a:gs pos="50000">
+              <a:schemeClr val="phClr">
+                <a:satMod val="110000"/>
+                <a:lumMod val="100000"/>
+                <a:shade val="100000"/>
+              </a:schemeClr>
+            </a:gs>
+            <a:gs pos="100000">
+              <a:schemeClr val="phClr">
+                <a:lumMod val="99000"/>
+                <a:satMod val="120000"/>
+                <a:shade val="78000"/>
+              </a:schemeClr>
+            </a:gs>
+          </a:gsLst>
+          <a:lin ang="5400000" scaled="0"/>
+        </a:gradFill>
+      </a:fillStyleLst>
+      <a:lnStyleLst>
+        <a:ln w="6350" cap="flat" cmpd="sng" algn="ctr">
+          <a:solidFill>
+            <a:schemeClr val="phClr"/>
+          </a:solidFill>
+          <a:prstDash val="solid"/>
+          <a:miter lim="800000"/>
+        </a:ln>
+        <a:ln w="12700" cap="flat" cmpd="sng" algn="ctr">
+          <a:solidFill>
+            <a:schemeClr val="phClr"/>
+          </a:solidFill>
+          <a:prstDash val="solid"/>
+          <a:miter lim="800000"/>
+        </a:ln>
+        <a:ln w="19050" cap="flat" cmpd="sng" algn="ctr">
+          <a:solidFill>
+            <a:schemeClr val="phClr"/>
+          </a:solidFill>
+          <a:prstDash val="solid"/>
+          <a:miter lim="800000"/>
+        </a:ln>
+      </a:lnStyleLst>
+      <a:effectStyleLst>
+        <a:effectStyle>
+          <a:effectLst/>
+        </a:effectStyle>
+        <a:effectStyle>
+          <a:effectLst/>
+        </a:effectStyle>
+        <a:effectStyle>
+          <a:effectLst>
+            <a:outerShdw blurRad="57150" dist="19050" dir="5400000" algn="ctr" rotWithShape="0">
+              <a:srgbClr val="000000">
+                <a:alpha val="63000"/>
+              </a:srgbClr>
+            </a:outerShdw>
+          </a:effectLst>
+        </a:effectStyle>
+      </a:effectStyleLst>
+      <a:bgFillStyleLst>
+        <a:solidFill>
+          <a:schemeClr val="phClr"/>
+        </a:solidFill>
+        <a:solidFill>
+          <a:schemeClr val="phClr">
+            <a:tint val="95000"/>
+            <a:satMod val="170000"/>
+          </a:schemeClr>
+        </a:solidFill>
+        <a:gradFill rotWithShape="1">
+          <a:gsLst>
+            <a:gs pos="0">
+              <a:schemeClr val="phClr">
+                <a:tint val="93000"/>
+                <a:satMod val="150000"/>
+                <a:shade val="98000"/>
+                <a:lumMod val="102000"/>
+              </a:schemeClr>
+            </a:gs>
+            <a:gs pos="50000">
+              <a:schemeClr val="phClr">
+                <a:tint val="98000"/>
+                <a:satMod val="130000"/>
+                <a:shade val="90000"/>
+                <a:lumMod val="103000"/>
+              </a:schemeClr>
+            </a:gs>
+            <a:gs pos="100000">
+              <a:schemeClr val="phClr">
+                <a:shade val="63000"/>
+                <a:satMod val="120000"/>
+              </a:schemeClr>
+            </a:gs>
+          </a:gsLst>
+          <a:lin ang="5400000" scaled="0"/>
+        </a:gradFill>
+      </a:bgFillStyleLst>
+    </a:fmtScheme>
+  </a:themeElements>
+  <a:objectDefaults/>
+  <a:extraClrSchemeLst/>
+  <a:extLst>
+    <a:ext uri="{05A4C25C-085E-4340-85A3-A5531E510DB2}">
+      <thm15:themeFamily xmlns:thm15="http://schemas.microsoft.com/office/thememl/2012/main" name="Office Theme" id="{62F939B6-93AF-4DB8-9C6B-D6C7DFDC589F}" vid="{4A3C46E8-61CC-4603-A589-7422A47A8E4A}"/>
+    </a:ext>
+  </a:extLst>
+</a:theme>
 </file>